--- a/(BDT) Final Project Presentation.pptx
+++ b/(BDT) Final Project Presentation.pptx
@@ -5,31 +5,32 @@
     <p:sldMasterId id="2147483966" r:id="rId1"/>
   </p:sldMasterIdLst>
   <p:notesMasterIdLst>
-    <p:notesMasterId r:id="rId24"/>
+    <p:notesMasterId r:id="rId25"/>
   </p:notesMasterIdLst>
   <p:sldIdLst>
     <p:sldId id="256" r:id="rId2"/>
-    <p:sldId id="259" r:id="rId3"/>
-    <p:sldId id="257" r:id="rId4"/>
-    <p:sldId id="266" r:id="rId5"/>
-    <p:sldId id="267" r:id="rId6"/>
-    <p:sldId id="268" r:id="rId7"/>
-    <p:sldId id="269" r:id="rId8"/>
-    <p:sldId id="260" r:id="rId9"/>
-    <p:sldId id="277" r:id="rId10"/>
-    <p:sldId id="261" r:id="rId11"/>
-    <p:sldId id="262" r:id="rId12"/>
-    <p:sldId id="263" r:id="rId13"/>
-    <p:sldId id="264" r:id="rId14"/>
-    <p:sldId id="265" r:id="rId15"/>
-    <p:sldId id="276" r:id="rId16"/>
-    <p:sldId id="270" r:id="rId17"/>
-    <p:sldId id="275" r:id="rId18"/>
-    <p:sldId id="274" r:id="rId19"/>
-    <p:sldId id="278" r:id="rId20"/>
-    <p:sldId id="279" r:id="rId21"/>
-    <p:sldId id="273" r:id="rId22"/>
-    <p:sldId id="271" r:id="rId23"/>
+    <p:sldId id="271" r:id="rId3"/>
+    <p:sldId id="259" r:id="rId4"/>
+    <p:sldId id="257" r:id="rId5"/>
+    <p:sldId id="266" r:id="rId6"/>
+    <p:sldId id="267" r:id="rId7"/>
+    <p:sldId id="268" r:id="rId8"/>
+    <p:sldId id="269" r:id="rId9"/>
+    <p:sldId id="260" r:id="rId10"/>
+    <p:sldId id="277" r:id="rId11"/>
+    <p:sldId id="261" r:id="rId12"/>
+    <p:sldId id="262" r:id="rId13"/>
+    <p:sldId id="263" r:id="rId14"/>
+    <p:sldId id="264" r:id="rId15"/>
+    <p:sldId id="265" r:id="rId16"/>
+    <p:sldId id="276" r:id="rId17"/>
+    <p:sldId id="270" r:id="rId18"/>
+    <p:sldId id="275" r:id="rId19"/>
+    <p:sldId id="274" r:id="rId20"/>
+    <p:sldId id="278" r:id="rId21"/>
+    <p:sldId id="279" r:id="rId22"/>
+    <p:sldId id="273" r:id="rId23"/>
+    <p:sldId id="280" r:id="rId24"/>
   </p:sldIdLst>
   <p:sldSz cx="12192000" cy="6858000"/>
   <p:notesSz cx="6858000" cy="9144000"/>
@@ -580,7 +581,7 @@
           <a:effectLst/>
           <a:extLst>
             <a:ext uri="{91240B29-F687-4f45-9708-019B960494DF}">
-              <a14:hiddenLine xmlns="" xmlns:a14="http://schemas.microsoft.com/office/drawing/2010/main" w="9525">
+              <a14:hiddenLine xmlns:a14="http://schemas.microsoft.com/office/drawing/2010/main" xmlns="" w="9525">
                 <a:solidFill>
                   <a:srgbClr val="000000"/>
                 </a:solidFill>
@@ -2098,7 +2099,7 @@
           <a:ln/>
           <a:extLst>
             <a:ext uri="{91240B29-F687-4f45-9708-019B960494DF}">
-              <a14:hiddenLine xmlns="" xmlns:a14="http://schemas.microsoft.com/office/drawing/2010/main" w="9525">
+              <a14:hiddenLine xmlns:a14="http://schemas.microsoft.com/office/drawing/2010/main" xmlns="" w="9525">
                 <a:solidFill>
                   <a:srgbClr val="000000"/>
                 </a:solidFill>
@@ -2372,7 +2373,7 @@
           <a:ln/>
           <a:extLst>
             <a:ext uri="{91240B29-F687-4f45-9708-019B960494DF}">
-              <a14:hiddenLine xmlns="" xmlns:a14="http://schemas.microsoft.com/office/drawing/2010/main" w="9525">
+              <a14:hiddenLine xmlns:a14="http://schemas.microsoft.com/office/drawing/2010/main" xmlns="" w="9525">
                 <a:solidFill>
                   <a:srgbClr val="000000"/>
                 </a:solidFill>
@@ -2654,7 +2655,7 @@
           <a:ln/>
           <a:extLst>
             <a:ext uri="{91240B29-F687-4f45-9708-019B960494DF}">
-              <a14:hiddenLine xmlns="" xmlns:a14="http://schemas.microsoft.com/office/drawing/2010/main" w="9525">
+              <a14:hiddenLine xmlns:a14="http://schemas.microsoft.com/office/drawing/2010/main" xmlns="" w="9525">
                 <a:solidFill>
                   <a:srgbClr val="000000"/>
                 </a:solidFill>
@@ -3278,7 +3279,7 @@
           <a:ln/>
           <a:extLst>
             <a:ext uri="{91240B29-F687-4f45-9708-019B960494DF}">
-              <a14:hiddenLine xmlns="" xmlns:a14="http://schemas.microsoft.com/office/drawing/2010/main" w="9525">
+              <a14:hiddenLine xmlns:a14="http://schemas.microsoft.com/office/drawing/2010/main" xmlns="" w="9525">
                 <a:solidFill>
                   <a:srgbClr val="000000"/>
                 </a:solidFill>
@@ -3616,7 +3617,7 @@
           <a:ln/>
           <a:extLst>
             <a:ext uri="{91240B29-F687-4f45-9708-019B960494DF}">
-              <a14:hiddenLine xmlns="" xmlns:a14="http://schemas.microsoft.com/office/drawing/2010/main" w="9525">
+              <a14:hiddenLine xmlns:a14="http://schemas.microsoft.com/office/drawing/2010/main" xmlns="" w="9525">
                 <a:solidFill>
                   <a:srgbClr val="000000"/>
                 </a:solidFill>
@@ -4092,7 +4093,7 @@
           <a:ln/>
           <a:extLst>
             <a:ext uri="{91240B29-F687-4f45-9708-019B960494DF}">
-              <a14:hiddenLine xmlns="" xmlns:a14="http://schemas.microsoft.com/office/drawing/2010/main" w="9525">
+              <a14:hiddenLine xmlns:a14="http://schemas.microsoft.com/office/drawing/2010/main" xmlns="" w="9525">
                 <a:solidFill>
                   <a:srgbClr val="000000"/>
                 </a:solidFill>
@@ -4519,7 +4520,7 @@
           <a:ln/>
           <a:extLst>
             <a:ext uri="{91240B29-F687-4f45-9708-019B960494DF}">
-              <a14:hiddenLine xmlns="" xmlns:a14="http://schemas.microsoft.com/office/drawing/2010/main" w="9525">
+              <a14:hiddenLine xmlns:a14="http://schemas.microsoft.com/office/drawing/2010/main" xmlns="" w="9525">
                 <a:solidFill>
                   <a:srgbClr val="000000"/>
                 </a:solidFill>
@@ -6499,7 +6500,7 @@
                 <a:ea typeface="Yu Gothic" panose="020B0400000000000000" pitchFamily="34" charset="-128"/>
                 <a:cs typeface="Times New Roman" panose="02020603050405020304" pitchFamily="18" charset="0"/>
               </a:rPr>
-              <a:t>Start Kafka</a:t>
+              <a:t>Connect to Ubuntu on Azure</a:t>
             </a:r>
             <a:endParaRPr lang="en-US" sz="2400" kern="100" dirty="0">
               <a:solidFill>
@@ -6527,8 +6528,8 @@
         </p:nvSpPr>
         <p:spPr>
           <a:xfrm>
-            <a:off x="267928" y="3099629"/>
-            <a:ext cx="6152536" cy="782715"/>
+            <a:off x="270385" y="3089797"/>
+            <a:ext cx="5738527" cy="1134862"/>
           </a:xfrm>
           <a:prstGeom prst="rect">
             <a:avLst/>
@@ -6559,15 +6560,7 @@
                 <a:ea typeface="Yu Gothic" panose="020B0400000000000000" pitchFamily="34" charset="-128"/>
                 <a:cs typeface="Times New Roman" panose="02020603050405020304" pitchFamily="18" charset="0"/>
               </a:rPr>
-              <a:t>Go to Kafka </a:t>
-            </a:r>
-            <a:r>
-              <a:rPr lang="en-US" kern="100" dirty="0">
-                <a:latin typeface="Aptos" panose="020B0004020202020204" pitchFamily="34" charset="0"/>
-                <a:ea typeface="Yu Gothic" panose="020B0400000000000000" pitchFamily="34" charset="-128"/>
-                <a:cs typeface="Times New Roman" panose="02020603050405020304" pitchFamily="18" charset="0"/>
-              </a:rPr>
-              <a:t>installation folder and run</a:t>
+              <a:t>Open a terminal and run the command below</a:t>
             </a:r>
           </a:p>
           <a:p>
@@ -6583,24 +6576,46 @@
               </a:spcAft>
             </a:pPr>
             <a:r>
-              <a:rPr lang="en-US" sz="1600" dirty="0">
+              <a:rPr lang="en-US" sz="1800" kern="100" dirty="0">
                 <a:effectLst/>
                 <a:latin typeface="Aptos" panose="020B0004020202020204" pitchFamily="34" charset="0"/>
                 <a:ea typeface="Yu Gothic" panose="020B0400000000000000" pitchFamily="34" charset="-128"/>
                 <a:cs typeface="Times New Roman" panose="02020603050405020304" pitchFamily="18" charset="0"/>
               </a:rPr>
-              <a:t>./bin/kafka-server-start.sh -daemon ./config/</a:t>
-            </a:r>
-            <a:r>
-              <a:rPr lang="en-US" sz="1600" dirty="0" err="1">
+              <a:t>	ssh -</a:t>
+            </a:r>
+            <a:r>
+              <a:rPr lang="en-US" sz="1800" kern="100" dirty="0" err="1">
                 <a:effectLst/>
                 <a:latin typeface="Aptos" panose="020B0004020202020204" pitchFamily="34" charset="0"/>
                 <a:ea typeface="Yu Gothic" panose="020B0400000000000000" pitchFamily="34" charset="-128"/>
                 <a:cs typeface="Times New Roman" panose="02020603050405020304" pitchFamily="18" charset="0"/>
               </a:rPr>
-              <a:t>server.properties</a:t>
-            </a:r>
-            <a:endParaRPr lang="en-US" sz="1600" kern="100" dirty="0">
+              <a:t>i</a:t>
+            </a:r>
+            <a:r>
+              <a:rPr lang="en-US" sz="1800" kern="100" dirty="0">
+                <a:effectLst/>
+                <a:latin typeface="Aptos" panose="020B0004020202020204" pitchFamily="34" charset="0"/>
+                <a:ea typeface="Yu Gothic" panose="020B0400000000000000" pitchFamily="34" charset="-128"/>
+                <a:cs typeface="Times New Roman" panose="02020603050405020304" pitchFamily="18" charset="0"/>
+              </a:rPr>
+              <a:t> C:\Users\butbu\Downloads\cs532_key.pem </a:t>
+            </a:r>
+            <a:r>
+              <a:rPr lang="en-US" sz="1800" u="sng" kern="100" dirty="0">
+                <a:solidFill>
+                  <a:srgbClr val="467886"/>
+                </a:solidFill>
+                <a:effectLst/>
+                <a:latin typeface="Aptos" panose="020B0004020202020204" pitchFamily="34" charset="0"/>
+                <a:ea typeface="Yu Gothic" panose="020B0400000000000000" pitchFamily="34" charset="-128"/>
+                <a:cs typeface="Times New Roman" panose="02020603050405020304" pitchFamily="18" charset="0"/>
+                <a:hlinkClick r:id="rId2" tooltip="mailto:azureuser@57.154.217.141"/>
+              </a:rPr>
+              <a:t>azureuser@57.154.217.141</a:t>
+            </a:r>
+            <a:endParaRPr lang="en-US" sz="1800" kern="100" dirty="0">
               <a:effectLst/>
               <a:latin typeface="Aptos" panose="020B0004020202020204" pitchFamily="34" charset="0"/>
               <a:ea typeface="Yu Gothic" panose="020B0400000000000000" pitchFamily="34" charset="-128"/>
@@ -6611,10 +6626,10 @@
       </p:sp>
       <p:pic>
         <p:nvPicPr>
-          <p:cNvPr id="4" name="Picture 3">
+          <p:cNvPr id="11" name="Picture 10">
             <a:extLst>
               <a:ext uri="{FF2B5EF4-FFF2-40B4-BE49-F238E27FC236}">
-                <a16:creationId xmlns:a16="http://schemas.microsoft.com/office/drawing/2014/main" id="{874E5EFC-6DBB-067C-927A-107047870084}"/>
+                <a16:creationId xmlns:a16="http://schemas.microsoft.com/office/drawing/2014/main" id="{6EF79B6C-768C-A7A1-BCDA-3794A89A492B}"/>
               </a:ext>
             </a:extLst>
           </p:cNvPr>
@@ -6624,15 +6639,15 @@
           <p:nvPr/>
         </p:nvPicPr>
         <p:blipFill>
-          <a:blip r:embed="rId2"/>
+          <a:blip r:embed="rId3"/>
           <a:stretch>
             <a:fillRect/>
           </a:stretch>
         </p:blipFill>
         <p:spPr>
           <a:xfrm>
-            <a:off x="1383500" y="4311157"/>
-            <a:ext cx="8992379" cy="929721"/>
+            <a:off x="6489290" y="2208848"/>
+            <a:ext cx="5578058" cy="4400888"/>
           </a:xfrm>
           <a:prstGeom prst="rect">
             <a:avLst/>
@@ -6642,7 +6657,7 @@
     </p:spTree>
     <p:extLst>
       <p:ext uri="{BB962C8B-B14F-4D97-AF65-F5344CB8AC3E}">
-        <p14:creationId xmlns:p14="http://schemas.microsoft.com/office/powerpoint/2010/main" val="1514346859"/>
+        <p14:creationId xmlns:p14="http://schemas.microsoft.com/office/powerpoint/2010/main" val="2059817127"/>
       </p:ext>
     </p:extLst>
   </p:cSld>
@@ -6831,7 +6846,7 @@
                 <a:ea typeface="Yu Gothic" panose="020B0400000000000000" pitchFamily="34" charset="-128"/>
                 <a:cs typeface="Times New Roman" panose="02020603050405020304" pitchFamily="18" charset="0"/>
               </a:rPr>
-              <a:t>Start HBase</a:t>
+              <a:t>Start Kafka</a:t>
             </a:r>
             <a:endParaRPr lang="en-US" sz="2400" kern="100" dirty="0">
               <a:solidFill>
@@ -6859,8 +6874,8 @@
         </p:nvSpPr>
         <p:spPr>
           <a:xfrm>
-            <a:off x="267928" y="3148792"/>
-            <a:ext cx="6152536" cy="816314"/>
+            <a:off x="267928" y="3099629"/>
+            <a:ext cx="6152536" cy="782715"/>
           </a:xfrm>
           <a:prstGeom prst="rect">
             <a:avLst/>
@@ -6885,13 +6900,13 @@
               </a:spcAft>
             </a:pPr>
             <a:r>
-              <a:rPr lang="en-US" kern="100" dirty="0">
+              <a:rPr lang="en-US" sz="1800" kern="100" dirty="0">
                 <a:effectLst/>
                 <a:latin typeface="Aptos" panose="020B0004020202020204" pitchFamily="34" charset="0"/>
                 <a:ea typeface="Yu Gothic" panose="020B0400000000000000" pitchFamily="34" charset="-128"/>
                 <a:cs typeface="Times New Roman" panose="02020603050405020304" pitchFamily="18" charset="0"/>
               </a:rPr>
-              <a:t>Go to HBase </a:t>
+              <a:t>Go to Kafka </a:t>
             </a:r>
             <a:r>
               <a:rPr lang="en-US" kern="100" dirty="0">
@@ -6915,15 +6930,24 @@
               </a:spcAft>
             </a:pPr>
             <a:r>
-              <a:rPr lang="en-US" dirty="0">
+              <a:rPr lang="en-US" sz="1600" dirty="0">
                 <a:effectLst/>
                 <a:latin typeface="Aptos" panose="020B0004020202020204" pitchFamily="34" charset="0"/>
                 <a:ea typeface="Yu Gothic" panose="020B0400000000000000" pitchFamily="34" charset="-128"/>
                 <a:cs typeface="Times New Roman" panose="02020603050405020304" pitchFamily="18" charset="0"/>
               </a:rPr>
-              <a:t>./bin/start-hbase.sh</a:t>
-            </a:r>
-            <a:endParaRPr lang="en-US" kern="100" dirty="0">
+              <a:t>./bin/kafka-server-start.sh -daemon ./config/</a:t>
+            </a:r>
+            <a:r>
+              <a:rPr lang="en-US" sz="1600" dirty="0" err="1">
+                <a:effectLst/>
+                <a:latin typeface="Aptos" panose="020B0004020202020204" pitchFamily="34" charset="0"/>
+                <a:ea typeface="Yu Gothic" panose="020B0400000000000000" pitchFamily="34" charset="-128"/>
+                <a:cs typeface="Times New Roman" panose="02020603050405020304" pitchFamily="18" charset="0"/>
+              </a:rPr>
+              <a:t>server.properties</a:t>
+            </a:r>
+            <a:endParaRPr lang="en-US" sz="1600" kern="100" dirty="0">
               <a:effectLst/>
               <a:latin typeface="Aptos" panose="020B0004020202020204" pitchFamily="34" charset="0"/>
               <a:ea typeface="Yu Gothic" panose="020B0400000000000000" pitchFamily="34" charset="-128"/>
@@ -6934,10 +6958,10 @@
       </p:sp>
       <p:pic>
         <p:nvPicPr>
-          <p:cNvPr id="6" name="Picture 5">
+          <p:cNvPr id="4" name="Picture 3">
             <a:extLst>
               <a:ext uri="{FF2B5EF4-FFF2-40B4-BE49-F238E27FC236}">
-                <a16:creationId xmlns:a16="http://schemas.microsoft.com/office/drawing/2014/main" id="{96511C61-C97F-D411-90A3-CCF58672E3CD}"/>
+                <a16:creationId xmlns:a16="http://schemas.microsoft.com/office/drawing/2014/main" id="{874E5EFC-6DBB-067C-927A-107047870084}"/>
               </a:ext>
             </a:extLst>
           </p:cNvPr>
@@ -6954,84 +6978,18 @@
         </p:blipFill>
         <p:spPr>
           <a:xfrm>
-            <a:off x="6195198" y="4391240"/>
-            <a:ext cx="4168501" cy="1920406"/>
+            <a:off x="1383500" y="4311157"/>
+            <a:ext cx="8992379" cy="929721"/>
           </a:xfrm>
           <a:prstGeom prst="rect">
             <a:avLst/>
           </a:prstGeom>
         </p:spPr>
       </p:pic>
-      <p:sp>
-        <p:nvSpPr>
-          <p:cNvPr id="8" name="TextBox 7">
-            <a:extLst>
-              <a:ext uri="{FF2B5EF4-FFF2-40B4-BE49-F238E27FC236}">
-                <a16:creationId xmlns:a16="http://schemas.microsoft.com/office/drawing/2014/main" id="{6686B3D3-3C52-C0E9-BA2A-D328C1103DA8}"/>
-              </a:ext>
-            </a:extLst>
-          </p:cNvPr>
-          <p:cNvSpPr txBox="1"/>
-          <p:nvPr/>
-        </p:nvSpPr>
-        <p:spPr>
-          <a:xfrm>
-            <a:off x="267928" y="4267784"/>
-            <a:ext cx="6152536" cy="395173"/>
-          </a:xfrm>
-          <a:prstGeom prst="rect">
-            <a:avLst/>
-          </a:prstGeom>
-          <a:noFill/>
-        </p:spPr>
-        <p:txBody>
-          <a:bodyPr wrap="square">
-            <a:spAutoFit/>
-          </a:bodyPr>
-          <a:lstStyle/>
-          <a:p>
-            <a:pPr marL="0" marR="0">
-              <a:lnSpc>
-                <a:spcPct val="115000"/>
-              </a:lnSpc>
-              <a:spcBef>
-                <a:spcPts val="0"/>
-              </a:spcBef>
-              <a:spcAft>
-                <a:spcPts val="800"/>
-              </a:spcAft>
-            </a:pPr>
-            <a:r>
-              <a:rPr lang="en-US" kern="100" dirty="0">
-                <a:latin typeface="Aptos" panose="020B0004020202020204" pitchFamily="34" charset="0"/>
-                <a:ea typeface="Yu Gothic" panose="020B0400000000000000" pitchFamily="34" charset="-128"/>
-                <a:cs typeface="Times New Roman" panose="02020603050405020304" pitchFamily="18" charset="0"/>
-              </a:rPr>
-              <a:t>Run </a:t>
-            </a:r>
-            <a:r>
-              <a:rPr lang="en-US" kern="100" dirty="0" err="1">
-                <a:latin typeface="Aptos" panose="020B0004020202020204" pitchFamily="34" charset="0"/>
-                <a:ea typeface="Yu Gothic" panose="020B0400000000000000" pitchFamily="34" charset="-128"/>
-                <a:cs typeface="Times New Roman" panose="02020603050405020304" pitchFamily="18" charset="0"/>
-              </a:rPr>
-              <a:t>jps</a:t>
-            </a:r>
-            <a:r>
-              <a:rPr lang="en-US" kern="100" dirty="0">
-                <a:latin typeface="Aptos" panose="020B0004020202020204" pitchFamily="34" charset="0"/>
-                <a:ea typeface="Yu Gothic" panose="020B0400000000000000" pitchFamily="34" charset="-128"/>
-                <a:cs typeface="Times New Roman" panose="02020603050405020304" pitchFamily="18" charset="0"/>
-              </a:rPr>
-              <a:t> command to check if all services are running</a:t>
-            </a:r>
-          </a:p>
-        </p:txBody>
-      </p:sp>
     </p:spTree>
     <p:extLst>
       <p:ext uri="{BB962C8B-B14F-4D97-AF65-F5344CB8AC3E}">
-        <p14:creationId xmlns:p14="http://schemas.microsoft.com/office/powerpoint/2010/main" val="1712179445"/>
+        <p14:creationId xmlns:p14="http://schemas.microsoft.com/office/powerpoint/2010/main" val="1514346859"/>
       </p:ext>
     </p:extLst>
   </p:cSld>
@@ -7220,7 +7178,7 @@
                 <a:ea typeface="Yu Gothic" panose="020B0400000000000000" pitchFamily="34" charset="-128"/>
                 <a:cs typeface="Times New Roman" panose="02020603050405020304" pitchFamily="18" charset="0"/>
               </a:rPr>
-              <a:t>Build Java projects</a:t>
+              <a:t>Start HBase</a:t>
             </a:r>
             <a:endParaRPr lang="en-US" sz="2400" kern="100" dirty="0">
               <a:solidFill>
@@ -7248,7 +7206,7 @@
         </p:nvSpPr>
         <p:spPr>
           <a:xfrm>
-            <a:off x="267928" y="3197950"/>
+            <a:off x="267928" y="3148792"/>
             <a:ext cx="6152536" cy="816314"/>
           </a:xfrm>
           <a:prstGeom prst="rect">
@@ -7274,31 +7232,21 @@
               </a:spcAft>
             </a:pPr>
             <a:r>
-              <a:rPr lang="en-US" sz="1800" kern="100" dirty="0">
+              <a:rPr lang="en-US" kern="100" dirty="0">
                 <a:effectLst/>
                 <a:latin typeface="Aptos" panose="020B0004020202020204" pitchFamily="34" charset="0"/>
                 <a:ea typeface="Yu Gothic" panose="020B0400000000000000" pitchFamily="34" charset="-128"/>
                 <a:cs typeface="Times New Roman" panose="02020603050405020304" pitchFamily="18" charset="0"/>
               </a:rPr>
-              <a:t>Go to the root project (</a:t>
-            </a:r>
-            <a:r>
-              <a:rPr lang="en-US" sz="1800" kern="100" dirty="0" err="1">
-                <a:effectLst/>
+              <a:t>Go to HBase </a:t>
+            </a:r>
+            <a:r>
+              <a:rPr lang="en-US" kern="100" dirty="0">
                 <a:latin typeface="Aptos" panose="020B0004020202020204" pitchFamily="34" charset="0"/>
                 <a:ea typeface="Yu Gothic" panose="020B0400000000000000" pitchFamily="34" charset="-128"/>
                 <a:cs typeface="Times New Roman" panose="02020603050405020304" pitchFamily="18" charset="0"/>
               </a:rPr>
-              <a:t>DataAnalysis</a:t>
-            </a:r>
-            <a:r>
-              <a:rPr lang="en-US" sz="1800" kern="100" dirty="0">
-                <a:effectLst/>
-                <a:latin typeface="Aptos" panose="020B0004020202020204" pitchFamily="34" charset="0"/>
-                <a:ea typeface="Yu Gothic" panose="020B0400000000000000" pitchFamily="34" charset="-128"/>
-                <a:cs typeface="Times New Roman" panose="02020603050405020304" pitchFamily="18" charset="0"/>
-              </a:rPr>
-              <a:t>) and run</a:t>
+              <a:t>installation folder and run</a:t>
             </a:r>
           </a:p>
           <a:p>
@@ -7314,22 +7262,15 @@
               </a:spcAft>
             </a:pPr>
             <a:r>
-              <a:rPr lang="en-US" kern="100" dirty="0" err="1">
+              <a:rPr lang="en-US" dirty="0">
+                <a:effectLst/>
                 <a:latin typeface="Aptos" panose="020B0004020202020204" pitchFamily="34" charset="0"/>
                 <a:ea typeface="Yu Gothic" panose="020B0400000000000000" pitchFamily="34" charset="-128"/>
                 <a:cs typeface="Times New Roman" panose="02020603050405020304" pitchFamily="18" charset="0"/>
               </a:rPr>
-              <a:t>mvn</a:t>
-            </a:r>
-            <a:r>
-              <a:rPr lang="en-US" kern="100" dirty="0">
-                <a:latin typeface="Aptos" panose="020B0004020202020204" pitchFamily="34" charset="0"/>
-                <a:ea typeface="Yu Gothic" panose="020B0400000000000000" pitchFamily="34" charset="-128"/>
-                <a:cs typeface="Times New Roman" panose="02020603050405020304" pitchFamily="18" charset="0"/>
-              </a:rPr>
-              <a:t> clean install</a:t>
-            </a:r>
-            <a:endParaRPr lang="en-US" sz="1600" kern="100" dirty="0">
+              <a:t>./bin/start-hbase.sh</a:t>
+            </a:r>
+            <a:endParaRPr lang="en-US" kern="100" dirty="0">
               <a:effectLst/>
               <a:latin typeface="Aptos" panose="020B0004020202020204" pitchFamily="34" charset="0"/>
               <a:ea typeface="Yu Gothic" panose="020B0400000000000000" pitchFamily="34" charset="-128"/>
@@ -7340,10 +7281,10 @@
       </p:sp>
       <p:pic>
         <p:nvPicPr>
-          <p:cNvPr id="4" name="Picture 3">
+          <p:cNvPr id="6" name="Picture 5">
             <a:extLst>
               <a:ext uri="{FF2B5EF4-FFF2-40B4-BE49-F238E27FC236}">
-                <a16:creationId xmlns:a16="http://schemas.microsoft.com/office/drawing/2014/main" id="{ACB9AAF6-2D07-AE07-1553-42D861F9E7C8}"/>
+                <a16:creationId xmlns:a16="http://schemas.microsoft.com/office/drawing/2014/main" id="{96511C61-C97F-D411-90A3-CCF58672E3CD}"/>
               </a:ext>
             </a:extLst>
           </p:cNvPr>
@@ -7360,18 +7301,84 @@
         </p:blipFill>
         <p:spPr>
           <a:xfrm>
-            <a:off x="2319962" y="4271454"/>
-            <a:ext cx="7552074" cy="1028789"/>
+            <a:off x="6195198" y="4391240"/>
+            <a:ext cx="4168501" cy="1920406"/>
           </a:xfrm>
           <a:prstGeom prst="rect">
             <a:avLst/>
           </a:prstGeom>
         </p:spPr>
       </p:pic>
+      <p:sp>
+        <p:nvSpPr>
+          <p:cNvPr id="8" name="TextBox 7">
+            <a:extLst>
+              <a:ext uri="{FF2B5EF4-FFF2-40B4-BE49-F238E27FC236}">
+                <a16:creationId xmlns:a16="http://schemas.microsoft.com/office/drawing/2014/main" id="{6686B3D3-3C52-C0E9-BA2A-D328C1103DA8}"/>
+              </a:ext>
+            </a:extLst>
+          </p:cNvPr>
+          <p:cNvSpPr txBox="1"/>
+          <p:nvPr/>
+        </p:nvSpPr>
+        <p:spPr>
+          <a:xfrm>
+            <a:off x="267928" y="4267784"/>
+            <a:ext cx="6152536" cy="395173"/>
+          </a:xfrm>
+          <a:prstGeom prst="rect">
+            <a:avLst/>
+          </a:prstGeom>
+          <a:noFill/>
+        </p:spPr>
+        <p:txBody>
+          <a:bodyPr wrap="square">
+            <a:spAutoFit/>
+          </a:bodyPr>
+          <a:lstStyle/>
+          <a:p>
+            <a:pPr marL="0" marR="0">
+              <a:lnSpc>
+                <a:spcPct val="115000"/>
+              </a:lnSpc>
+              <a:spcBef>
+                <a:spcPts val="0"/>
+              </a:spcBef>
+              <a:spcAft>
+                <a:spcPts val="800"/>
+              </a:spcAft>
+            </a:pPr>
+            <a:r>
+              <a:rPr lang="en-US" kern="100" dirty="0">
+                <a:latin typeface="Aptos" panose="020B0004020202020204" pitchFamily="34" charset="0"/>
+                <a:ea typeface="Yu Gothic" panose="020B0400000000000000" pitchFamily="34" charset="-128"/>
+                <a:cs typeface="Times New Roman" panose="02020603050405020304" pitchFamily="18" charset="0"/>
+              </a:rPr>
+              <a:t>Run </a:t>
+            </a:r>
+            <a:r>
+              <a:rPr lang="en-US" kern="100" dirty="0" err="1">
+                <a:latin typeface="Aptos" panose="020B0004020202020204" pitchFamily="34" charset="0"/>
+                <a:ea typeface="Yu Gothic" panose="020B0400000000000000" pitchFamily="34" charset="-128"/>
+                <a:cs typeface="Times New Roman" panose="02020603050405020304" pitchFamily="18" charset="0"/>
+              </a:rPr>
+              <a:t>jps</a:t>
+            </a:r>
+            <a:r>
+              <a:rPr lang="en-US" kern="100" dirty="0">
+                <a:latin typeface="Aptos" panose="020B0004020202020204" pitchFamily="34" charset="0"/>
+                <a:ea typeface="Yu Gothic" panose="020B0400000000000000" pitchFamily="34" charset="-128"/>
+                <a:cs typeface="Times New Roman" panose="02020603050405020304" pitchFamily="18" charset="0"/>
+              </a:rPr>
+              <a:t> command to check if all services are running</a:t>
+            </a:r>
+          </a:p>
+        </p:txBody>
+      </p:sp>
     </p:spTree>
     <p:extLst>
       <p:ext uri="{BB962C8B-B14F-4D97-AF65-F5344CB8AC3E}">
-        <p14:creationId xmlns:p14="http://schemas.microsoft.com/office/powerpoint/2010/main" val="1180386670"/>
+        <p14:creationId xmlns:p14="http://schemas.microsoft.com/office/powerpoint/2010/main" val="1712179445"/>
       </p:ext>
     </p:extLst>
   </p:cSld>
@@ -7560,19 +7567,7 @@
                 <a:ea typeface="Yu Gothic" panose="020B0400000000000000" pitchFamily="34" charset="-128"/>
                 <a:cs typeface="Times New Roman" panose="02020603050405020304" pitchFamily="18" charset="0"/>
               </a:rPr>
-              <a:t>Run </a:t>
-            </a:r>
-            <a:r>
-              <a:rPr lang="en-US" sz="2400" b="1" kern="100" dirty="0" err="1">
-                <a:solidFill>
-                  <a:srgbClr val="FF0000"/>
-                </a:solidFill>
-                <a:effectLst/>
-                <a:latin typeface="Aptos" panose="020B0004020202020204" pitchFamily="34" charset="0"/>
-                <a:ea typeface="Yu Gothic" panose="020B0400000000000000" pitchFamily="34" charset="-128"/>
-                <a:cs typeface="Times New Roman" panose="02020603050405020304" pitchFamily="18" charset="0"/>
-              </a:rPr>
-              <a:t>DataProducer</a:t>
+              <a:t>Build Java projects</a:t>
             </a:r>
             <a:endParaRPr lang="en-US" sz="2400" kern="100" dirty="0">
               <a:solidFill>
@@ -7600,8 +7595,8 @@
         </p:nvSpPr>
         <p:spPr>
           <a:xfrm>
-            <a:off x="267927" y="3197950"/>
-            <a:ext cx="7637207" cy="816314"/>
+            <a:off x="267928" y="3197950"/>
+            <a:ext cx="6152536" cy="816314"/>
           </a:xfrm>
           <a:prstGeom prst="rect">
             <a:avLst/>
@@ -7632,7 +7627,7 @@
                 <a:ea typeface="Yu Gothic" panose="020B0400000000000000" pitchFamily="34" charset="-128"/>
                 <a:cs typeface="Times New Roman" panose="02020603050405020304" pitchFamily="18" charset="0"/>
               </a:rPr>
-              <a:t>Go to </a:t>
+              <a:t>Go to the root project (</a:t>
             </a:r>
             <a:r>
               <a:rPr lang="en-US" sz="1800" kern="100" dirty="0" err="1">
@@ -7641,7 +7636,7 @@
                 <a:ea typeface="Yu Gothic" panose="020B0400000000000000" pitchFamily="34" charset="-128"/>
                 <a:cs typeface="Times New Roman" panose="02020603050405020304" pitchFamily="18" charset="0"/>
               </a:rPr>
-              <a:t>DataProducer</a:t>
+              <a:t>DataAnalysis</a:t>
             </a:r>
             <a:r>
               <a:rPr lang="en-US" sz="1800" kern="100" dirty="0">
@@ -7650,7 +7645,7 @@
                 <a:ea typeface="Yu Gothic" panose="020B0400000000000000" pitchFamily="34" charset="-128"/>
                 <a:cs typeface="Times New Roman" panose="02020603050405020304" pitchFamily="18" charset="0"/>
               </a:rPr>
-              <a:t> project and run</a:t>
+              <a:t>) and run</a:t>
             </a:r>
           </a:p>
           <a:p>
@@ -7666,12 +7661,20 @@
               </a:spcAft>
             </a:pPr>
             <a:r>
+              <a:rPr lang="en-US" kern="100" dirty="0" err="1">
+                <a:latin typeface="Aptos" panose="020B0004020202020204" pitchFamily="34" charset="0"/>
+                <a:ea typeface="Yu Gothic" panose="020B0400000000000000" pitchFamily="34" charset="-128"/>
+                <a:cs typeface="Times New Roman" panose="02020603050405020304" pitchFamily="18" charset="0"/>
+              </a:rPr>
+              <a:t>mvn</a:t>
+            </a:r>
+            <a:r>
               <a:rPr lang="en-US" kern="100" dirty="0">
                 <a:latin typeface="Aptos" panose="020B0004020202020204" pitchFamily="34" charset="0"/>
                 <a:ea typeface="Yu Gothic" panose="020B0400000000000000" pitchFamily="34" charset="-128"/>
                 <a:cs typeface="Times New Roman" panose="02020603050405020304" pitchFamily="18" charset="0"/>
               </a:rPr>
-              <a:t>	java -jar DataProducer-0.0.1-SNAPSHOT-jar-with-dependencies.jar</a:t>
+              <a:t> clean install</a:t>
             </a:r>
             <a:endParaRPr lang="en-US" sz="1600" kern="100" dirty="0">
               <a:effectLst/>
@@ -7684,10 +7687,10 @@
       </p:sp>
       <p:pic>
         <p:nvPicPr>
-          <p:cNvPr id="10" name="Picture 9">
+          <p:cNvPr id="4" name="Picture 3">
             <a:extLst>
               <a:ext uri="{FF2B5EF4-FFF2-40B4-BE49-F238E27FC236}">
-                <a16:creationId xmlns:a16="http://schemas.microsoft.com/office/drawing/2014/main" id="{10DC022B-0485-F48A-2468-7A070360BEAC}"/>
+                <a16:creationId xmlns:a16="http://schemas.microsoft.com/office/drawing/2014/main" id="{ACB9AAF6-2D07-AE07-1553-42D861F9E7C8}"/>
               </a:ext>
             </a:extLst>
           </p:cNvPr>
@@ -7704,8 +7707,8 @@
         </p:blipFill>
         <p:spPr>
           <a:xfrm>
-            <a:off x="471951" y="4319870"/>
-            <a:ext cx="11248095" cy="1920406"/>
+            <a:off x="2319962" y="4271454"/>
+            <a:ext cx="7552074" cy="1028789"/>
           </a:xfrm>
           <a:prstGeom prst="rect">
             <a:avLst/>
@@ -7715,7 +7718,7 @@
     </p:spTree>
     <p:extLst>
       <p:ext uri="{BB962C8B-B14F-4D97-AF65-F5344CB8AC3E}">
-        <p14:creationId xmlns:p14="http://schemas.microsoft.com/office/powerpoint/2010/main" val="2189697662"/>
+        <p14:creationId xmlns:p14="http://schemas.microsoft.com/office/powerpoint/2010/main" val="1180386670"/>
       </p:ext>
     </p:extLst>
   </p:cSld>
@@ -7916,7 +7919,7 @@
                 <a:ea typeface="Yu Gothic" panose="020B0400000000000000" pitchFamily="34" charset="-128"/>
                 <a:cs typeface="Times New Roman" panose="02020603050405020304" pitchFamily="18" charset="0"/>
               </a:rPr>
-              <a:t>DataConsumer</a:t>
+              <a:t>DataProducer</a:t>
             </a:r>
             <a:endParaRPr lang="en-US" sz="2400" kern="100" dirty="0">
               <a:solidFill>
@@ -7944,7 +7947,7 @@
         </p:nvSpPr>
         <p:spPr>
           <a:xfrm>
-            <a:off x="267928" y="3085176"/>
+            <a:off x="267927" y="3197950"/>
             <a:ext cx="7637207" cy="816314"/>
           </a:xfrm>
           <a:prstGeom prst="rect">
@@ -7985,7 +7988,7 @@
                 <a:ea typeface="Yu Gothic" panose="020B0400000000000000" pitchFamily="34" charset="-128"/>
                 <a:cs typeface="Times New Roman" panose="02020603050405020304" pitchFamily="18" charset="0"/>
               </a:rPr>
-              <a:t>DataConsumer</a:t>
+              <a:t>DataProducer</a:t>
             </a:r>
             <a:r>
               <a:rPr lang="en-US" sz="1800" kern="100" dirty="0">
@@ -8015,16 +8018,7 @@
                 <a:ea typeface="Yu Gothic" panose="020B0400000000000000" pitchFamily="34" charset="-128"/>
                 <a:cs typeface="Times New Roman" panose="02020603050405020304" pitchFamily="18" charset="0"/>
               </a:rPr>
-              <a:t>	</a:t>
-            </a:r>
-            <a:r>
-              <a:rPr lang="en-US" sz="1800" dirty="0">
-                <a:effectLst/>
-                <a:latin typeface="Aptos" panose="020B0004020202020204" pitchFamily="34" charset="0"/>
-                <a:ea typeface="Yu Gothic" panose="020B0400000000000000" pitchFamily="34" charset="-128"/>
-                <a:cs typeface="Times New Roman" panose="02020603050405020304" pitchFamily="18" charset="0"/>
-              </a:rPr>
-              <a:t>java -jar DataConsumer-0.0.1-SNAPSHOT-jar-with-dependencies.jar</a:t>
+              <a:t>	java -jar DataProducer-0.0.1-SNAPSHOT-jar-with-dependencies.jar</a:t>
             </a:r>
             <a:endParaRPr lang="en-US" sz="1600" kern="100" dirty="0">
               <a:effectLst/>
@@ -8037,10 +8031,10 @@
       </p:sp>
       <p:pic>
         <p:nvPicPr>
-          <p:cNvPr id="8" name="Picture 7">
+          <p:cNvPr id="10" name="Picture 9">
             <a:extLst>
               <a:ext uri="{FF2B5EF4-FFF2-40B4-BE49-F238E27FC236}">
-                <a16:creationId xmlns:a16="http://schemas.microsoft.com/office/drawing/2014/main" id="{92B903B7-3D23-3ACA-63E0-A5BC3D17DB9A}"/>
+                <a16:creationId xmlns:a16="http://schemas.microsoft.com/office/drawing/2014/main" id="{10DC022B-0485-F48A-2468-7A070360BEAC}"/>
               </a:ext>
             </a:extLst>
           </p:cNvPr>
@@ -8057,8 +8051,8 @@
         </p:blipFill>
         <p:spPr>
           <a:xfrm>
-            <a:off x="3504267" y="4094323"/>
-            <a:ext cx="4931809" cy="2517871"/>
+            <a:off x="471951" y="4319870"/>
+            <a:ext cx="11248095" cy="1920406"/>
           </a:xfrm>
           <a:prstGeom prst="rect">
             <a:avLst/>
@@ -8068,7 +8062,7 @@
     </p:spTree>
     <p:extLst>
       <p:ext uri="{BB962C8B-B14F-4D97-AF65-F5344CB8AC3E}">
-        <p14:creationId xmlns:p14="http://schemas.microsoft.com/office/powerpoint/2010/main" val="1030607949"/>
+        <p14:creationId xmlns:p14="http://schemas.microsoft.com/office/powerpoint/2010/main" val="2189697662"/>
       </p:ext>
     </p:extLst>
   </p:cSld>
@@ -8257,6 +8251,359 @@
                 <a:ea typeface="Yu Gothic" panose="020B0400000000000000" pitchFamily="34" charset="-128"/>
                 <a:cs typeface="Times New Roman" panose="02020603050405020304" pitchFamily="18" charset="0"/>
               </a:rPr>
+              <a:t>Run </a:t>
+            </a:r>
+            <a:r>
+              <a:rPr lang="en-US" sz="2400" b="1" kern="100" dirty="0" err="1">
+                <a:solidFill>
+                  <a:srgbClr val="FF0000"/>
+                </a:solidFill>
+                <a:effectLst/>
+                <a:latin typeface="Aptos" panose="020B0004020202020204" pitchFamily="34" charset="0"/>
+                <a:ea typeface="Yu Gothic" panose="020B0400000000000000" pitchFamily="34" charset="-128"/>
+                <a:cs typeface="Times New Roman" panose="02020603050405020304" pitchFamily="18" charset="0"/>
+              </a:rPr>
+              <a:t>DataConsumer</a:t>
+            </a:r>
+            <a:endParaRPr lang="en-US" sz="2400" kern="100" dirty="0">
+              <a:solidFill>
+                <a:srgbClr val="FF0000"/>
+              </a:solidFill>
+              <a:effectLst/>
+              <a:latin typeface="Aptos" panose="020B0004020202020204" pitchFamily="34" charset="0"/>
+              <a:ea typeface="Yu Gothic" panose="020B0400000000000000" pitchFamily="34" charset="-128"/>
+              <a:cs typeface="Times New Roman" panose="02020603050405020304" pitchFamily="18" charset="0"/>
+            </a:endParaRPr>
+          </a:p>
+        </p:txBody>
+      </p:sp>
+      <p:sp>
+        <p:nvSpPr>
+          <p:cNvPr id="9" name="TextBox 8">
+            <a:extLst>
+              <a:ext uri="{FF2B5EF4-FFF2-40B4-BE49-F238E27FC236}">
+                <a16:creationId xmlns:a16="http://schemas.microsoft.com/office/drawing/2014/main" id="{40DC92D7-B6E4-0B7B-0E25-9AAAB6187EFA}"/>
+              </a:ext>
+            </a:extLst>
+          </p:cNvPr>
+          <p:cNvSpPr txBox="1"/>
+          <p:nvPr/>
+        </p:nvSpPr>
+        <p:spPr>
+          <a:xfrm>
+            <a:off x="267928" y="3085176"/>
+            <a:ext cx="7637207" cy="816314"/>
+          </a:xfrm>
+          <a:prstGeom prst="rect">
+            <a:avLst/>
+          </a:prstGeom>
+          <a:noFill/>
+        </p:spPr>
+        <p:txBody>
+          <a:bodyPr wrap="square">
+            <a:spAutoFit/>
+          </a:bodyPr>
+          <a:lstStyle/>
+          <a:p>
+            <a:pPr marL="0" marR="0">
+              <a:lnSpc>
+                <a:spcPct val="115000"/>
+              </a:lnSpc>
+              <a:spcBef>
+                <a:spcPts val="0"/>
+              </a:spcBef>
+              <a:spcAft>
+                <a:spcPts val="800"/>
+              </a:spcAft>
+            </a:pPr>
+            <a:r>
+              <a:rPr lang="en-US" sz="1800" kern="100" dirty="0">
+                <a:effectLst/>
+                <a:latin typeface="Aptos" panose="020B0004020202020204" pitchFamily="34" charset="0"/>
+                <a:ea typeface="Yu Gothic" panose="020B0400000000000000" pitchFamily="34" charset="-128"/>
+                <a:cs typeface="Times New Roman" panose="02020603050405020304" pitchFamily="18" charset="0"/>
+              </a:rPr>
+              <a:t>Go to </a:t>
+            </a:r>
+            <a:r>
+              <a:rPr lang="en-US" sz="1800" kern="100" dirty="0" err="1">
+                <a:effectLst/>
+                <a:latin typeface="Aptos" panose="020B0004020202020204" pitchFamily="34" charset="0"/>
+                <a:ea typeface="Yu Gothic" panose="020B0400000000000000" pitchFamily="34" charset="-128"/>
+                <a:cs typeface="Times New Roman" panose="02020603050405020304" pitchFamily="18" charset="0"/>
+              </a:rPr>
+              <a:t>DataConsumer</a:t>
+            </a:r>
+            <a:r>
+              <a:rPr lang="en-US" sz="1800" kern="100" dirty="0">
+                <a:effectLst/>
+                <a:latin typeface="Aptos" panose="020B0004020202020204" pitchFamily="34" charset="0"/>
+                <a:ea typeface="Yu Gothic" panose="020B0400000000000000" pitchFamily="34" charset="-128"/>
+                <a:cs typeface="Times New Roman" panose="02020603050405020304" pitchFamily="18" charset="0"/>
+              </a:rPr>
+              <a:t> project and run</a:t>
+            </a:r>
+          </a:p>
+          <a:p>
+            <a:pPr marL="0" marR="0">
+              <a:lnSpc>
+                <a:spcPct val="115000"/>
+              </a:lnSpc>
+              <a:spcBef>
+                <a:spcPts val="0"/>
+              </a:spcBef>
+              <a:spcAft>
+                <a:spcPts val="800"/>
+              </a:spcAft>
+            </a:pPr>
+            <a:r>
+              <a:rPr lang="en-US" kern="100" dirty="0">
+                <a:latin typeface="Aptos" panose="020B0004020202020204" pitchFamily="34" charset="0"/>
+                <a:ea typeface="Yu Gothic" panose="020B0400000000000000" pitchFamily="34" charset="-128"/>
+                <a:cs typeface="Times New Roman" panose="02020603050405020304" pitchFamily="18" charset="0"/>
+              </a:rPr>
+              <a:t>	</a:t>
+            </a:r>
+            <a:r>
+              <a:rPr lang="en-US" sz="1800" dirty="0">
+                <a:effectLst/>
+                <a:latin typeface="Aptos" panose="020B0004020202020204" pitchFamily="34" charset="0"/>
+                <a:ea typeface="Yu Gothic" panose="020B0400000000000000" pitchFamily="34" charset="-128"/>
+                <a:cs typeface="Times New Roman" panose="02020603050405020304" pitchFamily="18" charset="0"/>
+              </a:rPr>
+              <a:t>java -jar DataConsumer-0.0.1-SNAPSHOT-jar-with-dependencies.jar</a:t>
+            </a:r>
+            <a:endParaRPr lang="en-US" sz="1600" kern="100" dirty="0">
+              <a:effectLst/>
+              <a:latin typeface="Aptos" panose="020B0004020202020204" pitchFamily="34" charset="0"/>
+              <a:ea typeface="Yu Gothic" panose="020B0400000000000000" pitchFamily="34" charset="-128"/>
+              <a:cs typeface="Times New Roman" panose="02020603050405020304" pitchFamily="18" charset="0"/>
+            </a:endParaRPr>
+          </a:p>
+        </p:txBody>
+      </p:sp>
+      <p:pic>
+        <p:nvPicPr>
+          <p:cNvPr id="8" name="Picture 7">
+            <a:extLst>
+              <a:ext uri="{FF2B5EF4-FFF2-40B4-BE49-F238E27FC236}">
+                <a16:creationId xmlns:a16="http://schemas.microsoft.com/office/drawing/2014/main" id="{92B903B7-3D23-3ACA-63E0-A5BC3D17DB9A}"/>
+              </a:ext>
+            </a:extLst>
+          </p:cNvPr>
+          <p:cNvPicPr>
+            <a:picLocks noChangeAspect="1"/>
+          </p:cNvPicPr>
+          <p:nvPr/>
+        </p:nvPicPr>
+        <p:blipFill>
+          <a:blip r:embed="rId2"/>
+          <a:stretch>
+            <a:fillRect/>
+          </a:stretch>
+        </p:blipFill>
+        <p:spPr>
+          <a:xfrm>
+            <a:off x="3504267" y="4094323"/>
+            <a:ext cx="4931809" cy="2517871"/>
+          </a:xfrm>
+          <a:prstGeom prst="rect">
+            <a:avLst/>
+          </a:prstGeom>
+        </p:spPr>
+      </p:pic>
+    </p:spTree>
+    <p:extLst>
+      <p:ext uri="{BB962C8B-B14F-4D97-AF65-F5344CB8AC3E}">
+        <p14:creationId xmlns:p14="http://schemas.microsoft.com/office/powerpoint/2010/main" val="1030607949"/>
+      </p:ext>
+    </p:extLst>
+  </p:cSld>
+  <p:clrMapOvr>
+    <a:masterClrMapping/>
+  </p:clrMapOvr>
+</p:sld>
+</file>
+
+<file path=ppt/slides/slide16.xml><?xml version="1.0" encoding="utf-8"?>
+<p:sld xmlns:a="http://schemas.openxmlformats.org/drawingml/2006/main" xmlns:r="http://schemas.openxmlformats.org/officeDocument/2006/relationships" xmlns:p="http://schemas.openxmlformats.org/presentationml/2006/main">
+  <p:cSld>
+    <p:bg>
+      <p:bgPr>
+        <a:solidFill>
+          <a:schemeClr val="bg1"/>
+        </a:solidFill>
+        <a:effectLst/>
+      </p:bgPr>
+    </p:bg>
+    <p:spTree>
+      <p:nvGrpSpPr>
+        <p:cNvPr id="1" name=""/>
+        <p:cNvGrpSpPr/>
+        <p:nvPr/>
+      </p:nvGrpSpPr>
+      <p:grpSpPr>
+        <a:xfrm>
+          <a:off x="0" y="0"/>
+          <a:ext cx="0" cy="0"/>
+          <a:chOff x="0" y="0"/>
+          <a:chExt cx="0" cy="0"/>
+        </a:xfrm>
+      </p:grpSpPr>
+      <p:sp>
+        <p:nvSpPr>
+          <p:cNvPr id="2" name="Title 1">
+            <a:extLst>
+              <a:ext uri="{FF2B5EF4-FFF2-40B4-BE49-F238E27FC236}">
+                <a16:creationId xmlns:a16="http://schemas.microsoft.com/office/drawing/2014/main" id="{EAD0BA92-C83A-8A36-F74D-C99D4245A455}"/>
+              </a:ext>
+            </a:extLst>
+          </p:cNvPr>
+          <p:cNvSpPr>
+            <a:spLocks noGrp="1"/>
+          </p:cNvSpPr>
+          <p:nvPr>
+            <p:ph type="title"/>
+          </p:nvPr>
+        </p:nvSpPr>
+        <p:spPr>
+          <a:xfrm>
+            <a:off x="1017782" y="245806"/>
+            <a:ext cx="10156435" cy="1032388"/>
+          </a:xfrm>
+        </p:spPr>
+        <p:txBody>
+          <a:bodyPr vert="horz" lIns="91440" tIns="45720" rIns="91440" bIns="45720" rtlCol="0" anchor="b">
+            <a:normAutofit/>
+          </a:bodyPr>
+          <a:lstStyle/>
+          <a:p>
+            <a:pPr algn="ctr">
+              <a:lnSpc>
+                <a:spcPct val="85000"/>
+              </a:lnSpc>
+            </a:pPr>
+            <a:r>
+              <a:rPr lang="en-US" sz="5400" dirty="0"/>
+              <a:t>Application Demo</a:t>
+            </a:r>
+            <a:endParaRPr lang="en-US" sz="5400" dirty="0">
+              <a:solidFill>
+                <a:srgbClr val="FFFFFF"/>
+              </a:solidFill>
+            </a:endParaRPr>
+          </a:p>
+        </p:txBody>
+      </p:sp>
+      <p:sp>
+        <p:nvSpPr>
+          <p:cNvPr id="5" name="Slide Number Placeholder 4">
+            <a:extLst>
+              <a:ext uri="{FF2B5EF4-FFF2-40B4-BE49-F238E27FC236}">
+                <a16:creationId xmlns:a16="http://schemas.microsoft.com/office/drawing/2014/main" id="{1986690E-B03F-399C-BF9D-84D455770F00}"/>
+              </a:ext>
+            </a:extLst>
+          </p:cNvPr>
+          <p:cNvSpPr>
+            <a:spLocks noGrp="1"/>
+          </p:cNvSpPr>
+          <p:nvPr>
+            <p:ph type="sldNum" sz="quarter" idx="12"/>
+          </p:nvPr>
+        </p:nvSpPr>
+        <p:spPr>
+          <a:xfrm>
+            <a:off x="10678331" y="6269850"/>
+            <a:ext cx="1062155" cy="490599"/>
+          </a:xfrm>
+        </p:spPr>
+        <p:txBody>
+          <a:bodyPr vert="horz" lIns="45720" tIns="45720" rIns="45720" bIns="45720" rtlCol="0" anchor="ctr">
+            <a:normAutofit/>
+          </a:bodyPr>
+          <a:lstStyle/>
+          <a:p>
+            <a:pPr>
+              <a:lnSpc>
+                <a:spcPct val="90000"/>
+              </a:lnSpc>
+              <a:spcAft>
+                <a:spcPts val="600"/>
+              </a:spcAft>
+            </a:pPr>
+            <a:fld id="{19590046-DA73-4BBF-84B5-C08E6F75191A}" type="slidenum">
+              <a:rPr lang="en-US">
+                <a:solidFill>
+                  <a:srgbClr val="A6A6A6"/>
+                </a:solidFill>
+              </a:rPr>
+              <a:pPr>
+                <a:lnSpc>
+                  <a:spcPct val="90000"/>
+                </a:lnSpc>
+                <a:spcAft>
+                  <a:spcPts val="600"/>
+                </a:spcAft>
+              </a:pPr>
+              <a:t>16</a:t>
+            </a:fld>
+            <a:endParaRPr lang="en-US" dirty="0">
+              <a:solidFill>
+                <a:srgbClr val="A6A6A6"/>
+              </a:solidFill>
+            </a:endParaRPr>
+          </a:p>
+        </p:txBody>
+      </p:sp>
+      <p:sp>
+        <p:nvSpPr>
+          <p:cNvPr id="7" name="TextBox 6">
+            <a:extLst>
+              <a:ext uri="{FF2B5EF4-FFF2-40B4-BE49-F238E27FC236}">
+                <a16:creationId xmlns:a16="http://schemas.microsoft.com/office/drawing/2014/main" id="{8E40A421-BC5F-518D-F7D5-FA05A2798FD5}"/>
+              </a:ext>
+            </a:extLst>
+          </p:cNvPr>
+          <p:cNvSpPr txBox="1"/>
+          <p:nvPr/>
+        </p:nvSpPr>
+        <p:spPr>
+          <a:xfrm>
+            <a:off x="267928" y="2396246"/>
+            <a:ext cx="4658032" cy="496098"/>
+          </a:xfrm>
+          <a:prstGeom prst="rect">
+            <a:avLst/>
+          </a:prstGeom>
+          <a:noFill/>
+        </p:spPr>
+        <p:txBody>
+          <a:bodyPr wrap="square">
+            <a:spAutoFit/>
+          </a:bodyPr>
+          <a:lstStyle/>
+          <a:p>
+            <a:pPr marL="0" marR="0">
+              <a:lnSpc>
+                <a:spcPct val="115000"/>
+              </a:lnSpc>
+              <a:spcBef>
+                <a:spcPts val="0"/>
+              </a:spcBef>
+              <a:spcAft>
+                <a:spcPts val="800"/>
+              </a:spcAft>
+            </a:pPr>
+            <a:r>
+              <a:rPr lang="en-US" sz="2400" b="1" kern="100" dirty="0">
+                <a:solidFill>
+                  <a:srgbClr val="FF0000"/>
+                </a:solidFill>
+                <a:effectLst/>
+                <a:latin typeface="Aptos" panose="020B0004020202020204" pitchFamily="34" charset="0"/>
+                <a:ea typeface="Yu Gothic" panose="020B0400000000000000" pitchFamily="34" charset="-128"/>
+                <a:cs typeface="Times New Roman" panose="02020603050405020304" pitchFamily="18" charset="0"/>
+              </a:rPr>
               <a:t>Check data in HBase</a:t>
             </a:r>
             <a:endParaRPr lang="en-US" sz="2400" kern="100" dirty="0">
@@ -8597,7 +8944,7 @@
 </p:sld>
 </file>
 
-<file path=ppt/slides/slide16.xml><?xml version="1.0" encoding="utf-8"?>
+<file path=ppt/slides/slide17.xml><?xml version="1.0" encoding="utf-8"?>
 <p:sld xmlns:a="http://schemas.openxmlformats.org/drawingml/2006/main" xmlns:r="http://schemas.openxmlformats.org/officeDocument/2006/relationships" xmlns:p="http://schemas.openxmlformats.org/presentationml/2006/main">
   <p:cSld>
     <p:bg>
@@ -8717,7 +9064,7 @@
           <a:effectLst/>
           <a:extLst>
             <a:ext uri="{91240B29-F687-4f45-9708-019B960494DF}">
-              <a14:hiddenLine xmlns:a14="http://schemas.microsoft.com/office/drawing/2010/main" xmlns:p14="http://schemas.microsoft.com/office/powerpoint/2010/main" xmlns:a16="http://schemas.microsoft.com/office/drawing/2014/main" xmlns="" w="9525">
+              <a14:hiddenLine xmlns="" xmlns:a16="http://schemas.microsoft.com/office/drawing/2014/main" xmlns:p14="http://schemas.microsoft.com/office/powerpoint/2010/main" xmlns:a14="http://schemas.microsoft.com/office/drawing/2010/main" w="9525">
                 <a:solidFill>
                   <a:srgbClr val="000000"/>
                 </a:solidFill>
@@ -8920,7 +9267,7 @@
                   <a:spcPts val="600"/>
                 </a:spcAft>
               </a:pPr>
-              <a:t>16</a:t>
+              <a:t>17</a:t>
             </a:fld>
             <a:endParaRPr lang="en-US">
               <a:solidFill>
@@ -8997,958 +9344,6 @@
     <p:extLst>
       <p:ext uri="{BB962C8B-B14F-4D97-AF65-F5344CB8AC3E}">
         <p14:creationId xmlns:p14="http://schemas.microsoft.com/office/powerpoint/2010/main" val="3260306856"/>
-      </p:ext>
-    </p:extLst>
-  </p:cSld>
-  <p:clrMapOvr>
-    <a:masterClrMapping/>
-  </p:clrMapOvr>
-</p:sld>
-</file>
-
-<file path=ppt/slides/slide17.xml><?xml version="1.0" encoding="utf-8"?>
-<p:sld xmlns:a="http://schemas.openxmlformats.org/drawingml/2006/main" xmlns:r="http://schemas.openxmlformats.org/officeDocument/2006/relationships" xmlns:p="http://schemas.openxmlformats.org/presentationml/2006/main">
-  <p:cSld>
-    <p:bg>
-      <p:bgPr>
-        <a:solidFill>
-          <a:schemeClr val="bg1"/>
-        </a:solidFill>
-        <a:effectLst/>
-      </p:bgPr>
-    </p:bg>
-    <p:spTree>
-      <p:nvGrpSpPr>
-        <p:cNvPr id="1" name=""/>
-        <p:cNvGrpSpPr/>
-        <p:nvPr/>
-      </p:nvGrpSpPr>
-      <p:grpSpPr>
-        <a:xfrm>
-          <a:off x="0" y="0"/>
-          <a:ext cx="0" cy="0"/>
-          <a:chOff x="0" y="0"/>
-          <a:chExt cx="0" cy="0"/>
-        </a:xfrm>
-      </p:grpSpPr>
-      <p:sp>
-        <p:nvSpPr>
-          <p:cNvPr id="2" name="Title 1">
-            <a:extLst>
-              <a:ext uri="{FF2B5EF4-FFF2-40B4-BE49-F238E27FC236}">
-                <a16:creationId xmlns:a16="http://schemas.microsoft.com/office/drawing/2014/main" id="{EAD0BA92-C83A-8A36-F74D-C99D4245A455}"/>
-              </a:ext>
-            </a:extLst>
-          </p:cNvPr>
-          <p:cNvSpPr>
-            <a:spLocks noGrp="1"/>
-          </p:cNvSpPr>
-          <p:nvPr>
-            <p:ph type="title"/>
-          </p:nvPr>
-        </p:nvSpPr>
-        <p:spPr>
-          <a:xfrm>
-            <a:off x="1017782" y="245806"/>
-            <a:ext cx="10156435" cy="1032388"/>
-          </a:xfrm>
-        </p:spPr>
-        <p:txBody>
-          <a:bodyPr vert="horz" lIns="91440" tIns="45720" rIns="91440" bIns="45720" rtlCol="0" anchor="b">
-            <a:normAutofit/>
-          </a:bodyPr>
-          <a:lstStyle/>
-          <a:p>
-            <a:pPr algn="ctr">
-              <a:lnSpc>
-                <a:spcPct val="85000"/>
-              </a:lnSpc>
-            </a:pPr>
-            <a:r>
-              <a:rPr lang="en-US" sz="5400" dirty="0"/>
-              <a:t>Visualization Demo</a:t>
-            </a:r>
-            <a:endParaRPr lang="en-US" sz="5400" dirty="0">
-              <a:solidFill>
-                <a:srgbClr val="FFFFFF"/>
-              </a:solidFill>
-            </a:endParaRPr>
-          </a:p>
-        </p:txBody>
-      </p:sp>
-      <p:sp>
-        <p:nvSpPr>
-          <p:cNvPr id="5" name="Slide Number Placeholder 4">
-            <a:extLst>
-              <a:ext uri="{FF2B5EF4-FFF2-40B4-BE49-F238E27FC236}">
-                <a16:creationId xmlns:a16="http://schemas.microsoft.com/office/drawing/2014/main" id="{1986690E-B03F-399C-BF9D-84D455770F00}"/>
-              </a:ext>
-            </a:extLst>
-          </p:cNvPr>
-          <p:cNvSpPr>
-            <a:spLocks noGrp="1"/>
-          </p:cNvSpPr>
-          <p:nvPr>
-            <p:ph type="sldNum" sz="quarter" idx="12"/>
-          </p:nvPr>
-        </p:nvSpPr>
-        <p:spPr>
-          <a:xfrm>
-            <a:off x="10678331" y="6269850"/>
-            <a:ext cx="1062155" cy="490599"/>
-          </a:xfrm>
-        </p:spPr>
-        <p:txBody>
-          <a:bodyPr vert="horz" lIns="45720" tIns="45720" rIns="45720" bIns="45720" rtlCol="0" anchor="ctr">
-            <a:normAutofit/>
-          </a:bodyPr>
-          <a:lstStyle/>
-          <a:p>
-            <a:pPr>
-              <a:lnSpc>
-                <a:spcPct val="90000"/>
-              </a:lnSpc>
-              <a:spcAft>
-                <a:spcPts val="600"/>
-              </a:spcAft>
-            </a:pPr>
-            <a:fld id="{19590046-DA73-4BBF-84B5-C08E6F75191A}" type="slidenum">
-              <a:rPr lang="en-US" smtClean="0">
-                <a:solidFill>
-                  <a:srgbClr val="A6A6A6"/>
-                </a:solidFill>
-              </a:rPr>
-              <a:pPr>
-                <a:lnSpc>
-                  <a:spcPct val="90000"/>
-                </a:lnSpc>
-                <a:spcAft>
-                  <a:spcPts val="600"/>
-                </a:spcAft>
-              </a:pPr>
-              <a:t>17</a:t>
-            </a:fld>
-            <a:endParaRPr lang="en-US" dirty="0">
-              <a:solidFill>
-                <a:srgbClr val="A6A6A6"/>
-              </a:solidFill>
-            </a:endParaRPr>
-          </a:p>
-        </p:txBody>
-      </p:sp>
-      <p:sp>
-        <p:nvSpPr>
-          <p:cNvPr id="4" name="TextBox 3">
-            <a:extLst>
-              <a:ext uri="{FF2B5EF4-FFF2-40B4-BE49-F238E27FC236}">
-                <a16:creationId xmlns:a16="http://schemas.microsoft.com/office/drawing/2014/main" id="{C7462E35-0ECF-CA5B-8204-579884D2821A}"/>
-              </a:ext>
-            </a:extLst>
-          </p:cNvPr>
-          <p:cNvSpPr txBox="1"/>
-          <p:nvPr/>
-        </p:nvSpPr>
-        <p:spPr>
-          <a:xfrm>
-            <a:off x="4125687" y="1970836"/>
-            <a:ext cx="7712771" cy="4930965"/>
-          </a:xfrm>
-          <a:prstGeom prst="rect">
-            <a:avLst/>
-          </a:prstGeom>
-          <a:noFill/>
-        </p:spPr>
-        <p:txBody>
-          <a:bodyPr wrap="square">
-            <a:spAutoFit/>
-          </a:bodyPr>
-          <a:lstStyle/>
-          <a:p>
-            <a:pPr marL="0" marR="0">
-              <a:lnSpc>
-                <a:spcPct val="115000"/>
-              </a:lnSpc>
-              <a:spcBef>
-                <a:spcPts val="0"/>
-              </a:spcBef>
-              <a:spcAft>
-                <a:spcPts val="800"/>
-              </a:spcAft>
-            </a:pPr>
-            <a:r>
-              <a:rPr lang="en-US" sz="1100" kern="100" dirty="0">
-                <a:effectLst/>
-                <a:latin typeface="Aptos" panose="020B0004020202020204" pitchFamily="34" charset="0"/>
-                <a:ea typeface="Yu Gothic" panose="020B0400000000000000" pitchFamily="34" charset="-128"/>
-                <a:cs typeface="Times New Roman" panose="02020603050405020304" pitchFamily="18" charset="0"/>
-              </a:rPr>
-              <a:t>CREATE EXTERNAL TABLE </a:t>
-            </a:r>
-            <a:r>
-              <a:rPr lang="en-US" sz="1100" kern="100" dirty="0" err="1">
-                <a:effectLst/>
-                <a:latin typeface="Aptos" panose="020B0004020202020204" pitchFamily="34" charset="0"/>
-                <a:ea typeface="Yu Gothic" panose="020B0400000000000000" pitchFamily="34" charset="-128"/>
-                <a:cs typeface="Times New Roman" panose="02020603050405020304" pitchFamily="18" charset="0"/>
-              </a:rPr>
-              <a:t>hive_ticker</a:t>
-            </a:r>
-            <a:r>
-              <a:rPr lang="en-US" sz="1100" kern="100" dirty="0">
-                <a:effectLst/>
-                <a:latin typeface="Aptos" panose="020B0004020202020204" pitchFamily="34" charset="0"/>
-                <a:ea typeface="Yu Gothic" panose="020B0400000000000000" pitchFamily="34" charset="-128"/>
-                <a:cs typeface="Times New Roman" panose="02020603050405020304" pitchFamily="18" charset="0"/>
-              </a:rPr>
-              <a:t>(</a:t>
-            </a:r>
-          </a:p>
-          <a:p>
-            <a:pPr marL="0" marR="0">
-              <a:lnSpc>
-                <a:spcPct val="115000"/>
-              </a:lnSpc>
-              <a:spcBef>
-                <a:spcPts val="0"/>
-              </a:spcBef>
-              <a:spcAft>
-                <a:spcPts val="800"/>
-              </a:spcAft>
-            </a:pPr>
-            <a:r>
-              <a:rPr lang="en-US" sz="1100" kern="100" dirty="0">
-                <a:effectLst/>
-                <a:latin typeface="Aptos" panose="020B0004020202020204" pitchFamily="34" charset="0"/>
-                <a:ea typeface="Yu Gothic" panose="020B0400000000000000" pitchFamily="34" charset="-128"/>
-                <a:cs typeface="Times New Roman" panose="02020603050405020304" pitchFamily="18" charset="0"/>
-              </a:rPr>
-              <a:t>    key STRING,</a:t>
-            </a:r>
-          </a:p>
-          <a:p>
-            <a:pPr marL="0" marR="0">
-              <a:lnSpc>
-                <a:spcPct val="115000"/>
-              </a:lnSpc>
-              <a:spcBef>
-                <a:spcPts val="0"/>
-              </a:spcBef>
-              <a:spcAft>
-                <a:spcPts val="800"/>
-              </a:spcAft>
-            </a:pPr>
-            <a:r>
-              <a:rPr lang="en-US" sz="1100" kern="100" dirty="0">
-                <a:effectLst/>
-                <a:latin typeface="Aptos" panose="020B0004020202020204" pitchFamily="34" charset="0"/>
-                <a:ea typeface="Yu Gothic" panose="020B0400000000000000" pitchFamily="34" charset="-128"/>
-                <a:cs typeface="Times New Roman" panose="02020603050405020304" pitchFamily="18" charset="0"/>
-              </a:rPr>
-              <a:t>    id STRING,</a:t>
-            </a:r>
-          </a:p>
-          <a:p>
-            <a:pPr marL="0" marR="0">
-              <a:lnSpc>
-                <a:spcPct val="115000"/>
-              </a:lnSpc>
-              <a:spcBef>
-                <a:spcPts val="0"/>
-              </a:spcBef>
-              <a:spcAft>
-                <a:spcPts val="800"/>
-              </a:spcAft>
-            </a:pPr>
-            <a:r>
-              <a:rPr lang="en-US" sz="1100" kern="100" dirty="0">
-                <a:effectLst/>
-                <a:latin typeface="Aptos" panose="020B0004020202020204" pitchFamily="34" charset="0"/>
-                <a:ea typeface="Yu Gothic" panose="020B0400000000000000" pitchFamily="34" charset="-128"/>
-                <a:cs typeface="Times New Roman" panose="02020603050405020304" pitchFamily="18" charset="0"/>
-              </a:rPr>
-              <a:t>    price FLOAT,</a:t>
-            </a:r>
-          </a:p>
-          <a:p>
-            <a:pPr marL="0" marR="0">
-              <a:lnSpc>
-                <a:spcPct val="115000"/>
-              </a:lnSpc>
-              <a:spcBef>
-                <a:spcPts val="0"/>
-              </a:spcBef>
-              <a:spcAft>
-                <a:spcPts val="800"/>
-              </a:spcAft>
-            </a:pPr>
-            <a:r>
-              <a:rPr lang="en-US" sz="1100" kern="100" dirty="0">
-                <a:effectLst/>
-                <a:latin typeface="Aptos" panose="020B0004020202020204" pitchFamily="34" charset="0"/>
-                <a:ea typeface="Yu Gothic" panose="020B0400000000000000" pitchFamily="34" charset="-128"/>
-                <a:cs typeface="Times New Roman" panose="02020603050405020304" pitchFamily="18" charset="0"/>
-              </a:rPr>
-              <a:t>    time BIGINT,</a:t>
-            </a:r>
-          </a:p>
-          <a:p>
-            <a:pPr marL="0" marR="0">
-              <a:lnSpc>
-                <a:spcPct val="115000"/>
-              </a:lnSpc>
-              <a:spcBef>
-                <a:spcPts val="0"/>
-              </a:spcBef>
-              <a:spcAft>
-                <a:spcPts val="800"/>
-              </a:spcAft>
-            </a:pPr>
-            <a:r>
-              <a:rPr lang="en-US" sz="1100" kern="100" dirty="0">
-                <a:effectLst/>
-                <a:latin typeface="Aptos" panose="020B0004020202020204" pitchFamily="34" charset="0"/>
-                <a:ea typeface="Yu Gothic" panose="020B0400000000000000" pitchFamily="34" charset="-128"/>
-                <a:cs typeface="Times New Roman" panose="02020603050405020304" pitchFamily="18" charset="0"/>
-              </a:rPr>
-              <a:t>    </a:t>
-            </a:r>
-            <a:r>
-              <a:rPr lang="en-US" sz="1100" kern="100" dirty="0" err="1">
-                <a:effectLst/>
-                <a:latin typeface="Aptos" panose="020B0004020202020204" pitchFamily="34" charset="0"/>
-                <a:ea typeface="Yu Gothic" panose="020B0400000000000000" pitchFamily="34" charset="-128"/>
-                <a:cs typeface="Times New Roman" panose="02020603050405020304" pitchFamily="18" charset="0"/>
-              </a:rPr>
-              <a:t>formattedDateTime</a:t>
-            </a:r>
-            <a:r>
-              <a:rPr lang="en-US" sz="1100" kern="100" dirty="0">
-                <a:effectLst/>
-                <a:latin typeface="Aptos" panose="020B0004020202020204" pitchFamily="34" charset="0"/>
-                <a:ea typeface="Yu Gothic" panose="020B0400000000000000" pitchFamily="34" charset="-128"/>
-                <a:cs typeface="Times New Roman" panose="02020603050405020304" pitchFamily="18" charset="0"/>
-              </a:rPr>
-              <a:t> STRING,</a:t>
-            </a:r>
-          </a:p>
-          <a:p>
-            <a:pPr marL="0" marR="0">
-              <a:lnSpc>
-                <a:spcPct val="115000"/>
-              </a:lnSpc>
-              <a:spcBef>
-                <a:spcPts val="0"/>
-              </a:spcBef>
-              <a:spcAft>
-                <a:spcPts val="800"/>
-              </a:spcAft>
-            </a:pPr>
-            <a:r>
-              <a:rPr lang="en-US" sz="1100" kern="100" dirty="0">
-                <a:effectLst/>
-                <a:latin typeface="Aptos" panose="020B0004020202020204" pitchFamily="34" charset="0"/>
-                <a:ea typeface="Yu Gothic" panose="020B0400000000000000" pitchFamily="34" charset="-128"/>
-                <a:cs typeface="Times New Roman" panose="02020603050405020304" pitchFamily="18" charset="0"/>
-              </a:rPr>
-              <a:t>    `exchange` STRING,</a:t>
-            </a:r>
-          </a:p>
-          <a:p>
-            <a:pPr marL="0" marR="0">
-              <a:lnSpc>
-                <a:spcPct val="115000"/>
-              </a:lnSpc>
-              <a:spcBef>
-                <a:spcPts val="0"/>
-              </a:spcBef>
-              <a:spcAft>
-                <a:spcPts val="800"/>
-              </a:spcAft>
-            </a:pPr>
-            <a:r>
-              <a:rPr lang="en-US" sz="1100" kern="100" dirty="0">
-                <a:effectLst/>
-                <a:latin typeface="Aptos" panose="020B0004020202020204" pitchFamily="34" charset="0"/>
-                <a:ea typeface="Yu Gothic" panose="020B0400000000000000" pitchFamily="34" charset="-128"/>
-                <a:cs typeface="Times New Roman" panose="02020603050405020304" pitchFamily="18" charset="0"/>
-              </a:rPr>
-              <a:t>    </a:t>
-            </a:r>
-            <a:r>
-              <a:rPr lang="en-US" sz="1100" kern="100" dirty="0" err="1">
-                <a:effectLst/>
-                <a:latin typeface="Aptos" panose="020B0004020202020204" pitchFamily="34" charset="0"/>
-                <a:ea typeface="Yu Gothic" panose="020B0400000000000000" pitchFamily="34" charset="-128"/>
-                <a:cs typeface="Times New Roman" panose="02020603050405020304" pitchFamily="18" charset="0"/>
-              </a:rPr>
-              <a:t>quoteType</a:t>
-            </a:r>
-            <a:r>
-              <a:rPr lang="en-US" sz="1100" kern="100" dirty="0">
-                <a:effectLst/>
-                <a:latin typeface="Aptos" panose="020B0004020202020204" pitchFamily="34" charset="0"/>
-                <a:ea typeface="Yu Gothic" panose="020B0400000000000000" pitchFamily="34" charset="-128"/>
-                <a:cs typeface="Times New Roman" panose="02020603050405020304" pitchFamily="18" charset="0"/>
-              </a:rPr>
-              <a:t> STRING,</a:t>
-            </a:r>
-          </a:p>
-          <a:p>
-            <a:pPr marL="0" marR="0">
-              <a:lnSpc>
-                <a:spcPct val="115000"/>
-              </a:lnSpc>
-              <a:spcBef>
-                <a:spcPts val="0"/>
-              </a:spcBef>
-              <a:spcAft>
-                <a:spcPts val="800"/>
-              </a:spcAft>
-            </a:pPr>
-            <a:r>
-              <a:rPr lang="en-US" sz="1100" kern="100" dirty="0">
-                <a:effectLst/>
-                <a:latin typeface="Aptos" panose="020B0004020202020204" pitchFamily="34" charset="0"/>
-                <a:ea typeface="Yu Gothic" panose="020B0400000000000000" pitchFamily="34" charset="-128"/>
-                <a:cs typeface="Times New Roman" panose="02020603050405020304" pitchFamily="18" charset="0"/>
-              </a:rPr>
-              <a:t>    </a:t>
-            </a:r>
-            <a:r>
-              <a:rPr lang="en-US" sz="1100" kern="100" dirty="0" err="1">
-                <a:effectLst/>
-                <a:latin typeface="Aptos" panose="020B0004020202020204" pitchFamily="34" charset="0"/>
-                <a:ea typeface="Yu Gothic" panose="020B0400000000000000" pitchFamily="34" charset="-128"/>
-                <a:cs typeface="Times New Roman" panose="02020603050405020304" pitchFamily="18" charset="0"/>
-              </a:rPr>
-              <a:t>marketHours</a:t>
-            </a:r>
-            <a:r>
-              <a:rPr lang="en-US" sz="1100" kern="100" dirty="0">
-                <a:effectLst/>
-                <a:latin typeface="Aptos" panose="020B0004020202020204" pitchFamily="34" charset="0"/>
-                <a:ea typeface="Yu Gothic" panose="020B0400000000000000" pitchFamily="34" charset="-128"/>
-                <a:cs typeface="Times New Roman" panose="02020603050405020304" pitchFamily="18" charset="0"/>
-              </a:rPr>
-              <a:t> STRING,</a:t>
-            </a:r>
-          </a:p>
-          <a:p>
-            <a:pPr marL="0" marR="0">
-              <a:lnSpc>
-                <a:spcPct val="115000"/>
-              </a:lnSpc>
-              <a:spcBef>
-                <a:spcPts val="0"/>
-              </a:spcBef>
-              <a:spcAft>
-                <a:spcPts val="800"/>
-              </a:spcAft>
-            </a:pPr>
-            <a:r>
-              <a:rPr lang="en-US" sz="1100" kern="100" dirty="0">
-                <a:effectLst/>
-                <a:latin typeface="Aptos" panose="020B0004020202020204" pitchFamily="34" charset="0"/>
-                <a:ea typeface="Yu Gothic" panose="020B0400000000000000" pitchFamily="34" charset="-128"/>
-                <a:cs typeface="Times New Roman" panose="02020603050405020304" pitchFamily="18" charset="0"/>
-              </a:rPr>
-              <a:t>    </a:t>
-            </a:r>
-            <a:r>
-              <a:rPr lang="en-US" sz="1100" kern="100" dirty="0" err="1">
-                <a:effectLst/>
-                <a:latin typeface="Aptos" panose="020B0004020202020204" pitchFamily="34" charset="0"/>
-                <a:ea typeface="Yu Gothic" panose="020B0400000000000000" pitchFamily="34" charset="-128"/>
-                <a:cs typeface="Times New Roman" panose="02020603050405020304" pitchFamily="18" charset="0"/>
-              </a:rPr>
-              <a:t>changePercent</a:t>
-            </a:r>
-            <a:r>
-              <a:rPr lang="en-US" sz="1100" kern="100" dirty="0">
-                <a:effectLst/>
-                <a:latin typeface="Aptos" panose="020B0004020202020204" pitchFamily="34" charset="0"/>
-                <a:ea typeface="Yu Gothic" panose="020B0400000000000000" pitchFamily="34" charset="-128"/>
-                <a:cs typeface="Times New Roman" panose="02020603050405020304" pitchFamily="18" charset="0"/>
-              </a:rPr>
-              <a:t> FLOAT,</a:t>
-            </a:r>
-          </a:p>
-          <a:p>
-            <a:pPr marL="0" marR="0">
-              <a:lnSpc>
-                <a:spcPct val="115000"/>
-              </a:lnSpc>
-              <a:spcBef>
-                <a:spcPts val="0"/>
-              </a:spcBef>
-              <a:spcAft>
-                <a:spcPts val="800"/>
-              </a:spcAft>
-            </a:pPr>
-            <a:r>
-              <a:rPr lang="en-US" sz="1100" kern="100" dirty="0">
-                <a:effectLst/>
-                <a:latin typeface="Aptos" panose="020B0004020202020204" pitchFamily="34" charset="0"/>
-                <a:ea typeface="Yu Gothic" panose="020B0400000000000000" pitchFamily="34" charset="-128"/>
-                <a:cs typeface="Times New Roman" panose="02020603050405020304" pitchFamily="18" charset="0"/>
-              </a:rPr>
-              <a:t>    change FLOAT)</a:t>
-            </a:r>
-          </a:p>
-          <a:p>
-            <a:pPr marL="0" marR="0">
-              <a:lnSpc>
-                <a:spcPct val="115000"/>
-              </a:lnSpc>
-              <a:spcBef>
-                <a:spcPts val="0"/>
-              </a:spcBef>
-              <a:spcAft>
-                <a:spcPts val="800"/>
-              </a:spcAft>
-            </a:pPr>
-            <a:r>
-              <a:rPr lang="en-US" sz="1100" kern="100" dirty="0">
-                <a:effectLst/>
-                <a:latin typeface="Aptos" panose="020B0004020202020204" pitchFamily="34" charset="0"/>
-                <a:ea typeface="Yu Gothic" panose="020B0400000000000000" pitchFamily="34" charset="-128"/>
-                <a:cs typeface="Times New Roman" panose="02020603050405020304" pitchFamily="18" charset="0"/>
-              </a:rPr>
-              <a:t>STORED BY '</a:t>
-            </a:r>
-            <a:r>
-              <a:rPr lang="en-US" sz="1100" kern="100" dirty="0" err="1">
-                <a:effectLst/>
-                <a:latin typeface="Aptos" panose="020B0004020202020204" pitchFamily="34" charset="0"/>
-                <a:ea typeface="Yu Gothic" panose="020B0400000000000000" pitchFamily="34" charset="-128"/>
-                <a:cs typeface="Times New Roman" panose="02020603050405020304" pitchFamily="18" charset="0"/>
-              </a:rPr>
-              <a:t>org.apache.hadoop.hive.hbase.HBaseStorageHandler</a:t>
-            </a:r>
-            <a:r>
-              <a:rPr lang="en-US" sz="1100" kern="100" dirty="0">
-                <a:effectLst/>
-                <a:latin typeface="Aptos" panose="020B0004020202020204" pitchFamily="34" charset="0"/>
-                <a:ea typeface="Yu Gothic" panose="020B0400000000000000" pitchFamily="34" charset="-128"/>
-                <a:cs typeface="Times New Roman" panose="02020603050405020304" pitchFamily="18" charset="0"/>
-              </a:rPr>
-              <a:t>'</a:t>
-            </a:r>
-          </a:p>
-          <a:p>
-            <a:pPr marL="0" marR="0">
-              <a:lnSpc>
-                <a:spcPct val="115000"/>
-              </a:lnSpc>
-              <a:spcBef>
-                <a:spcPts val="0"/>
-              </a:spcBef>
-              <a:spcAft>
-                <a:spcPts val="800"/>
-              </a:spcAft>
-            </a:pPr>
-            <a:r>
-              <a:rPr lang="en-US" sz="1100" kern="100" dirty="0">
-                <a:effectLst/>
-                <a:latin typeface="Aptos" panose="020B0004020202020204" pitchFamily="34" charset="0"/>
-                <a:ea typeface="Yu Gothic" panose="020B0400000000000000" pitchFamily="34" charset="-128"/>
-                <a:cs typeface="Times New Roman" panose="02020603050405020304" pitchFamily="18" charset="0"/>
-              </a:rPr>
-              <a:t>WITH SERDEPROPERTIES (</a:t>
-            </a:r>
-          </a:p>
-          <a:p>
-            <a:pPr marL="0" marR="0">
-              <a:lnSpc>
-                <a:spcPct val="115000"/>
-              </a:lnSpc>
-              <a:spcBef>
-                <a:spcPts val="0"/>
-              </a:spcBef>
-              <a:spcAft>
-                <a:spcPts val="800"/>
-              </a:spcAft>
-            </a:pPr>
-            <a:r>
-              <a:rPr lang="en-US" sz="1100" kern="100" dirty="0">
-                <a:effectLst/>
-                <a:latin typeface="Aptos" panose="020B0004020202020204" pitchFamily="34" charset="0"/>
-                <a:ea typeface="Yu Gothic" panose="020B0400000000000000" pitchFamily="34" charset="-128"/>
-                <a:cs typeface="Times New Roman" panose="02020603050405020304" pitchFamily="18" charset="0"/>
-              </a:rPr>
-              <a:t>    "</a:t>
-            </a:r>
-            <a:r>
-              <a:rPr lang="en-US" sz="1100" kern="100" dirty="0" err="1">
-                <a:effectLst/>
-                <a:latin typeface="Aptos" panose="020B0004020202020204" pitchFamily="34" charset="0"/>
-                <a:ea typeface="Yu Gothic" panose="020B0400000000000000" pitchFamily="34" charset="-128"/>
-                <a:cs typeface="Times New Roman" panose="02020603050405020304" pitchFamily="18" charset="0"/>
-              </a:rPr>
-              <a:t>hbase.columns.mapping</a:t>
-            </a:r>
-            <a:r>
-              <a:rPr lang="en-US" sz="1100" kern="100" dirty="0">
-                <a:effectLst/>
-                <a:latin typeface="Aptos" panose="020B0004020202020204" pitchFamily="34" charset="0"/>
-                <a:ea typeface="Yu Gothic" panose="020B0400000000000000" pitchFamily="34" charset="-128"/>
-                <a:cs typeface="Times New Roman" panose="02020603050405020304" pitchFamily="18" charset="0"/>
-              </a:rPr>
-              <a:t>" = ":key, </a:t>
-            </a:r>
-            <a:r>
-              <a:rPr lang="en-US" sz="1100" kern="100" dirty="0" err="1">
-                <a:effectLst/>
-                <a:latin typeface="Aptos" panose="020B0004020202020204" pitchFamily="34" charset="0"/>
-                <a:ea typeface="Yu Gothic" panose="020B0400000000000000" pitchFamily="34" charset="-128"/>
-                <a:cs typeface="Times New Roman" panose="02020603050405020304" pitchFamily="18" charset="0"/>
-              </a:rPr>
-              <a:t>info:id</a:t>
-            </a:r>
-            <a:r>
-              <a:rPr lang="en-US" sz="1100" kern="100" dirty="0">
-                <a:effectLst/>
-                <a:latin typeface="Aptos" panose="020B0004020202020204" pitchFamily="34" charset="0"/>
-                <a:ea typeface="Yu Gothic" panose="020B0400000000000000" pitchFamily="34" charset="-128"/>
-                <a:cs typeface="Times New Roman" panose="02020603050405020304" pitchFamily="18" charset="0"/>
-              </a:rPr>
-              <a:t>, </a:t>
-            </a:r>
-            <a:r>
-              <a:rPr lang="en-US" sz="1100" kern="100" dirty="0" err="1">
-                <a:effectLst/>
-                <a:latin typeface="Aptos" panose="020B0004020202020204" pitchFamily="34" charset="0"/>
-                <a:ea typeface="Yu Gothic" panose="020B0400000000000000" pitchFamily="34" charset="-128"/>
-                <a:cs typeface="Times New Roman" panose="02020603050405020304" pitchFamily="18" charset="0"/>
-              </a:rPr>
-              <a:t>info:price</a:t>
-            </a:r>
-            <a:r>
-              <a:rPr lang="en-US" sz="1100" kern="100" dirty="0">
-                <a:effectLst/>
-                <a:latin typeface="Aptos" panose="020B0004020202020204" pitchFamily="34" charset="0"/>
-                <a:ea typeface="Yu Gothic" panose="020B0400000000000000" pitchFamily="34" charset="-128"/>
-                <a:cs typeface="Times New Roman" panose="02020603050405020304" pitchFamily="18" charset="0"/>
-              </a:rPr>
-              <a:t>, </a:t>
-            </a:r>
-            <a:r>
-              <a:rPr lang="en-US" sz="1100" kern="100" dirty="0" err="1">
-                <a:effectLst/>
-                <a:latin typeface="Aptos" panose="020B0004020202020204" pitchFamily="34" charset="0"/>
-                <a:ea typeface="Yu Gothic" panose="020B0400000000000000" pitchFamily="34" charset="-128"/>
-                <a:cs typeface="Times New Roman" panose="02020603050405020304" pitchFamily="18" charset="0"/>
-              </a:rPr>
-              <a:t>info:time</a:t>
-            </a:r>
-            <a:r>
-              <a:rPr lang="en-US" sz="1100" kern="100" dirty="0">
-                <a:effectLst/>
-                <a:latin typeface="Aptos" panose="020B0004020202020204" pitchFamily="34" charset="0"/>
-                <a:ea typeface="Yu Gothic" panose="020B0400000000000000" pitchFamily="34" charset="-128"/>
-                <a:cs typeface="Times New Roman" panose="02020603050405020304" pitchFamily="18" charset="0"/>
-              </a:rPr>
-              <a:t>, </a:t>
-            </a:r>
-            <a:r>
-              <a:rPr lang="en-US" sz="1100" kern="100" dirty="0" err="1">
-                <a:effectLst/>
-                <a:latin typeface="Aptos" panose="020B0004020202020204" pitchFamily="34" charset="0"/>
-                <a:ea typeface="Yu Gothic" panose="020B0400000000000000" pitchFamily="34" charset="-128"/>
-                <a:cs typeface="Times New Roman" panose="02020603050405020304" pitchFamily="18" charset="0"/>
-              </a:rPr>
-              <a:t>info:formattedDateTime</a:t>
-            </a:r>
-            <a:r>
-              <a:rPr lang="en-US" sz="1100" kern="100" dirty="0">
-                <a:effectLst/>
-                <a:latin typeface="Aptos" panose="020B0004020202020204" pitchFamily="34" charset="0"/>
-                <a:ea typeface="Yu Gothic" panose="020B0400000000000000" pitchFamily="34" charset="-128"/>
-                <a:cs typeface="Times New Roman" panose="02020603050405020304" pitchFamily="18" charset="0"/>
-              </a:rPr>
-              <a:t>, </a:t>
-            </a:r>
-            <a:r>
-              <a:rPr lang="en-US" sz="1100" kern="100" dirty="0" err="1">
-                <a:effectLst/>
-                <a:latin typeface="Aptos" panose="020B0004020202020204" pitchFamily="34" charset="0"/>
-                <a:ea typeface="Yu Gothic" panose="020B0400000000000000" pitchFamily="34" charset="-128"/>
-                <a:cs typeface="Times New Roman" panose="02020603050405020304" pitchFamily="18" charset="0"/>
-              </a:rPr>
-              <a:t>info:exchange</a:t>
-            </a:r>
-            <a:r>
-              <a:rPr lang="en-US" sz="1100" kern="100" dirty="0">
-                <a:effectLst/>
-                <a:latin typeface="Aptos" panose="020B0004020202020204" pitchFamily="34" charset="0"/>
-                <a:ea typeface="Yu Gothic" panose="020B0400000000000000" pitchFamily="34" charset="-128"/>
-                <a:cs typeface="Times New Roman" panose="02020603050405020304" pitchFamily="18" charset="0"/>
-              </a:rPr>
-              <a:t>, </a:t>
-            </a:r>
-            <a:r>
-              <a:rPr lang="en-US" sz="1100" kern="100" dirty="0" err="1">
-                <a:effectLst/>
-                <a:latin typeface="Aptos" panose="020B0004020202020204" pitchFamily="34" charset="0"/>
-                <a:ea typeface="Yu Gothic" panose="020B0400000000000000" pitchFamily="34" charset="-128"/>
-                <a:cs typeface="Times New Roman" panose="02020603050405020304" pitchFamily="18" charset="0"/>
-              </a:rPr>
-              <a:t>info:quoteType</a:t>
-            </a:r>
-            <a:r>
-              <a:rPr lang="en-US" sz="1100" kern="100" dirty="0">
-                <a:effectLst/>
-                <a:latin typeface="Aptos" panose="020B0004020202020204" pitchFamily="34" charset="0"/>
-                <a:ea typeface="Yu Gothic" panose="020B0400000000000000" pitchFamily="34" charset="-128"/>
-                <a:cs typeface="Times New Roman" panose="02020603050405020304" pitchFamily="18" charset="0"/>
-              </a:rPr>
-              <a:t>, </a:t>
-            </a:r>
-            <a:r>
-              <a:rPr lang="en-US" sz="1100" kern="100" dirty="0" err="1">
-                <a:effectLst/>
-                <a:latin typeface="Aptos" panose="020B0004020202020204" pitchFamily="34" charset="0"/>
-                <a:ea typeface="Yu Gothic" panose="020B0400000000000000" pitchFamily="34" charset="-128"/>
-                <a:cs typeface="Times New Roman" panose="02020603050405020304" pitchFamily="18" charset="0"/>
-              </a:rPr>
-              <a:t>info:marketHours</a:t>
-            </a:r>
-            <a:r>
-              <a:rPr lang="en-US" sz="1100" kern="100" dirty="0">
-                <a:effectLst/>
-                <a:latin typeface="Aptos" panose="020B0004020202020204" pitchFamily="34" charset="0"/>
-                <a:ea typeface="Yu Gothic" panose="020B0400000000000000" pitchFamily="34" charset="-128"/>
-                <a:cs typeface="Times New Roman" panose="02020603050405020304" pitchFamily="18" charset="0"/>
-              </a:rPr>
-              <a:t>, </a:t>
-            </a:r>
-            <a:r>
-              <a:rPr lang="en-US" sz="1100" kern="100" dirty="0" err="1">
-                <a:effectLst/>
-                <a:latin typeface="Aptos" panose="020B0004020202020204" pitchFamily="34" charset="0"/>
-                <a:ea typeface="Yu Gothic" panose="020B0400000000000000" pitchFamily="34" charset="-128"/>
-                <a:cs typeface="Times New Roman" panose="02020603050405020304" pitchFamily="18" charset="0"/>
-              </a:rPr>
-              <a:t>info:changePercent</a:t>
-            </a:r>
-            <a:r>
-              <a:rPr lang="en-US" sz="1100" kern="100" dirty="0">
-                <a:effectLst/>
-                <a:latin typeface="Aptos" panose="020B0004020202020204" pitchFamily="34" charset="0"/>
-                <a:ea typeface="Yu Gothic" panose="020B0400000000000000" pitchFamily="34" charset="-128"/>
-                <a:cs typeface="Times New Roman" panose="02020603050405020304" pitchFamily="18" charset="0"/>
-              </a:rPr>
-              <a:t>, </a:t>
-            </a:r>
-            <a:r>
-              <a:rPr lang="en-US" sz="1100" kern="100" dirty="0" err="1">
-                <a:effectLst/>
-                <a:latin typeface="Aptos" panose="020B0004020202020204" pitchFamily="34" charset="0"/>
-                <a:ea typeface="Yu Gothic" panose="020B0400000000000000" pitchFamily="34" charset="-128"/>
-                <a:cs typeface="Times New Roman" panose="02020603050405020304" pitchFamily="18" charset="0"/>
-              </a:rPr>
-              <a:t>info:change</a:t>
-            </a:r>
-            <a:r>
-              <a:rPr lang="en-US" sz="1100" kern="100" dirty="0">
-                <a:effectLst/>
-                <a:latin typeface="Aptos" panose="020B0004020202020204" pitchFamily="34" charset="0"/>
-                <a:ea typeface="Yu Gothic" panose="020B0400000000000000" pitchFamily="34" charset="-128"/>
-                <a:cs typeface="Times New Roman" panose="02020603050405020304" pitchFamily="18" charset="0"/>
-              </a:rPr>
-              <a:t>"</a:t>
-            </a:r>
-          </a:p>
-          <a:p>
-            <a:pPr marL="0" marR="0">
-              <a:lnSpc>
-                <a:spcPct val="115000"/>
-              </a:lnSpc>
-              <a:spcBef>
-                <a:spcPts val="0"/>
-              </a:spcBef>
-              <a:spcAft>
-                <a:spcPts val="800"/>
-              </a:spcAft>
-            </a:pPr>
-            <a:r>
-              <a:rPr lang="en-US" sz="1100" kern="100" dirty="0">
-                <a:effectLst/>
-                <a:latin typeface="Aptos" panose="020B0004020202020204" pitchFamily="34" charset="0"/>
-                <a:ea typeface="Yu Gothic" panose="020B0400000000000000" pitchFamily="34" charset="-128"/>
-                <a:cs typeface="Times New Roman" panose="02020603050405020304" pitchFamily="18" charset="0"/>
-              </a:rPr>
-              <a:t>)</a:t>
-            </a:r>
-          </a:p>
-          <a:p>
-            <a:pPr marL="0" marR="0">
-              <a:lnSpc>
-                <a:spcPct val="115000"/>
-              </a:lnSpc>
-              <a:spcBef>
-                <a:spcPts val="0"/>
-              </a:spcBef>
-              <a:spcAft>
-                <a:spcPts val="800"/>
-              </a:spcAft>
-            </a:pPr>
-            <a:r>
-              <a:rPr lang="en-US" sz="1100" kern="100" dirty="0">
-                <a:effectLst/>
-                <a:latin typeface="Aptos" panose="020B0004020202020204" pitchFamily="34" charset="0"/>
-                <a:ea typeface="Yu Gothic" panose="020B0400000000000000" pitchFamily="34" charset="-128"/>
-                <a:cs typeface="Times New Roman" panose="02020603050405020304" pitchFamily="18" charset="0"/>
-              </a:rPr>
-              <a:t>TBLPROPERTIES ("hbase.table.name" = "ticker");</a:t>
-            </a:r>
-          </a:p>
-        </p:txBody>
-      </p:sp>
-      <p:sp>
-        <p:nvSpPr>
-          <p:cNvPr id="6" name="TextBox 5">
-            <a:extLst>
-              <a:ext uri="{FF2B5EF4-FFF2-40B4-BE49-F238E27FC236}">
-                <a16:creationId xmlns:a16="http://schemas.microsoft.com/office/drawing/2014/main" id="{190B2997-ECCB-A5CC-7F36-C9A948946666}"/>
-              </a:ext>
-            </a:extLst>
-          </p:cNvPr>
-          <p:cNvSpPr txBox="1"/>
-          <p:nvPr/>
-        </p:nvSpPr>
-        <p:spPr>
-          <a:xfrm>
-            <a:off x="267928" y="3085176"/>
-            <a:ext cx="3291701" cy="1556003"/>
-          </a:xfrm>
-          <a:prstGeom prst="rect">
-            <a:avLst/>
-          </a:prstGeom>
-          <a:noFill/>
-        </p:spPr>
-        <p:txBody>
-          <a:bodyPr wrap="square">
-            <a:spAutoFit/>
-          </a:bodyPr>
-          <a:lstStyle/>
-          <a:p>
-            <a:pPr marL="285750" marR="0" indent="-285750">
-              <a:lnSpc>
-                <a:spcPct val="115000"/>
-              </a:lnSpc>
-              <a:spcBef>
-                <a:spcPts val="0"/>
-              </a:spcBef>
-              <a:spcAft>
-                <a:spcPts val="800"/>
-              </a:spcAft>
-              <a:buFont typeface="Wingdings" panose="05000000000000000000" pitchFamily="2" charset="2"/>
-              <a:buChar char="§"/>
-            </a:pPr>
-            <a:r>
-              <a:rPr lang="en-US" sz="1800" kern="100" dirty="0">
-                <a:effectLst/>
-                <a:latin typeface="Aptos" panose="020B0004020202020204" pitchFamily="34" charset="0"/>
-                <a:ea typeface="Yu Gothic" panose="020B0400000000000000" pitchFamily="34" charset="-128"/>
-                <a:cs typeface="Times New Roman" panose="02020603050405020304" pitchFamily="18" charset="0"/>
-              </a:rPr>
-              <a:t>Go to Hive shell</a:t>
-            </a:r>
-          </a:p>
-          <a:p>
-            <a:pPr marR="0">
-              <a:lnSpc>
-                <a:spcPct val="115000"/>
-              </a:lnSpc>
-              <a:spcBef>
-                <a:spcPts val="0"/>
-              </a:spcBef>
-              <a:spcAft>
-                <a:spcPts val="800"/>
-              </a:spcAft>
-            </a:pPr>
-            <a:r>
-              <a:rPr lang="en-US" kern="100" dirty="0">
-                <a:latin typeface="Aptos" panose="020B0004020202020204" pitchFamily="34" charset="0"/>
-                <a:ea typeface="Yu Gothic" panose="020B0400000000000000" pitchFamily="34" charset="-128"/>
-                <a:cs typeface="Times New Roman" panose="02020603050405020304" pitchFamily="18" charset="0"/>
-              </a:rPr>
-              <a:t>	&gt;hive</a:t>
-            </a:r>
-            <a:endParaRPr lang="en-US" sz="1800" kern="100" dirty="0">
-              <a:effectLst/>
-              <a:latin typeface="Aptos" panose="020B0004020202020204" pitchFamily="34" charset="0"/>
-              <a:ea typeface="Yu Gothic" panose="020B0400000000000000" pitchFamily="34" charset="-128"/>
-              <a:cs typeface="Times New Roman" panose="02020603050405020304" pitchFamily="18" charset="0"/>
-            </a:endParaRPr>
-          </a:p>
-          <a:p>
-            <a:pPr marL="285750" marR="0" indent="-285750">
-              <a:lnSpc>
-                <a:spcPct val="115000"/>
-              </a:lnSpc>
-              <a:spcBef>
-                <a:spcPts val="0"/>
-              </a:spcBef>
-              <a:spcAft>
-                <a:spcPts val="800"/>
-              </a:spcAft>
-              <a:buFont typeface="Wingdings" panose="05000000000000000000" pitchFamily="2" charset="2"/>
-              <a:buChar char="§"/>
-            </a:pPr>
-            <a:r>
-              <a:rPr lang="en-US" sz="1800" kern="100" dirty="0">
-                <a:effectLst/>
-                <a:latin typeface="Aptos" panose="020B0004020202020204" pitchFamily="34" charset="0"/>
-                <a:ea typeface="Yu Gothic" panose="020B0400000000000000" pitchFamily="34" charset="-128"/>
-                <a:cs typeface="Times New Roman" panose="02020603050405020304" pitchFamily="18" charset="0"/>
-              </a:rPr>
-              <a:t>Create a table in Hive on top of HBase table</a:t>
-            </a:r>
-            <a:endParaRPr lang="en-US" sz="1600" kern="100" dirty="0">
-              <a:effectLst/>
-              <a:latin typeface="Aptos" panose="020B0004020202020204" pitchFamily="34" charset="0"/>
-              <a:ea typeface="Yu Gothic" panose="020B0400000000000000" pitchFamily="34" charset="-128"/>
-              <a:cs typeface="Times New Roman" panose="02020603050405020304" pitchFamily="18" charset="0"/>
-            </a:endParaRPr>
-          </a:p>
-        </p:txBody>
-      </p:sp>
-      <p:pic>
-        <p:nvPicPr>
-          <p:cNvPr id="8" name="Picture 7">
-            <a:extLst>
-              <a:ext uri="{FF2B5EF4-FFF2-40B4-BE49-F238E27FC236}">
-                <a16:creationId xmlns:a16="http://schemas.microsoft.com/office/drawing/2014/main" id="{AD57F58F-91EB-AA9D-B5EF-C6A1BB5DC57C}"/>
-              </a:ext>
-            </a:extLst>
-          </p:cNvPr>
-          <p:cNvPicPr>
-            <a:picLocks noChangeAspect="1"/>
-          </p:cNvPicPr>
-          <p:nvPr/>
-        </p:nvPicPr>
-        <p:blipFill>
-          <a:blip r:embed="rId2"/>
-          <a:stretch>
-            <a:fillRect/>
-          </a:stretch>
-        </p:blipFill>
-        <p:spPr>
-          <a:xfrm>
-            <a:off x="8109675" y="1894634"/>
-            <a:ext cx="4066240" cy="3236941"/>
-          </a:xfrm>
-          <a:prstGeom prst="rect">
-            <a:avLst/>
-          </a:prstGeom>
-        </p:spPr>
-      </p:pic>
-    </p:spTree>
-    <p:extLst>
-      <p:ext uri="{BB962C8B-B14F-4D97-AF65-F5344CB8AC3E}">
-        <p14:creationId xmlns:p14="http://schemas.microsoft.com/office/powerpoint/2010/main" val="2743923152"/>
       </p:ext>
     </p:extLst>
   </p:cSld>
@@ -10065,7 +9460,7 @@
               </a:spcAft>
             </a:pPr>
             <a:fld id="{19590046-DA73-4BBF-84B5-C08E6F75191A}" type="slidenum">
-              <a:rPr lang="en-US">
+              <a:rPr lang="en-US" smtClean="0">
                 <a:solidFill>
                   <a:srgbClr val="A6A6A6"/>
                 </a:solidFill>
@@ -10090,10 +9485,10 @@
       </p:sp>
       <p:sp>
         <p:nvSpPr>
-          <p:cNvPr id="8" name="TextBox 7">
+          <p:cNvPr id="4" name="TextBox 3">
             <a:extLst>
               <a:ext uri="{FF2B5EF4-FFF2-40B4-BE49-F238E27FC236}">
-                <a16:creationId xmlns:a16="http://schemas.microsoft.com/office/drawing/2014/main" id="{4E8F0868-B89B-8564-2AD3-3E119C9215D9}"/>
+                <a16:creationId xmlns:a16="http://schemas.microsoft.com/office/drawing/2014/main" id="{C7462E35-0ECF-CA5B-8204-579884D2821A}"/>
               </a:ext>
             </a:extLst>
           </p:cNvPr>
@@ -10102,8 +9497,8 @@
         </p:nvSpPr>
         <p:spPr>
           <a:xfrm>
-            <a:off x="238431" y="2514905"/>
-            <a:ext cx="9711814" cy="2711448"/>
+            <a:off x="4125687" y="1970836"/>
+            <a:ext cx="7712771" cy="4930965"/>
           </a:xfrm>
           <a:prstGeom prst="rect">
             <a:avLst/>
@@ -10128,12 +9523,31 @@
               </a:spcAft>
             </a:pPr>
             <a:r>
-              <a:rPr lang="en-US" kern="100" dirty="0">
+              <a:rPr lang="en-US" sz="1100" kern="100" dirty="0">
+                <a:effectLst/>
                 <a:latin typeface="Aptos" panose="020B0004020202020204" pitchFamily="34" charset="0"/>
                 <a:ea typeface="Yu Gothic" panose="020B0400000000000000" pitchFamily="34" charset="-128"/>
                 <a:cs typeface="Times New Roman" panose="02020603050405020304" pitchFamily="18" charset="0"/>
               </a:rPr>
-              <a:t>Download and install Cloudera Hive ODBC Driver</a:t>
+              <a:t>CREATE EXTERNAL TABLE </a:t>
+            </a:r>
+            <a:r>
+              <a:rPr lang="en-US" sz="1100" kern="100" dirty="0" err="1">
+                <a:effectLst/>
+                <a:latin typeface="Aptos" panose="020B0004020202020204" pitchFamily="34" charset="0"/>
+                <a:ea typeface="Yu Gothic" panose="020B0400000000000000" pitchFamily="34" charset="-128"/>
+                <a:cs typeface="Times New Roman" panose="02020603050405020304" pitchFamily="18" charset="0"/>
+              </a:rPr>
+              <a:t>hive_ticker</a:t>
+            </a:r>
+            <a:r>
+              <a:rPr lang="en-US" sz="1100" kern="100" dirty="0">
+                <a:effectLst/>
+                <a:latin typeface="Aptos" panose="020B0004020202020204" pitchFamily="34" charset="0"/>
+                <a:ea typeface="Yu Gothic" panose="020B0400000000000000" pitchFamily="34" charset="-128"/>
+                <a:cs typeface="Times New Roman" panose="02020603050405020304" pitchFamily="18" charset="0"/>
+              </a:rPr>
+              <a:t>(</a:t>
             </a:r>
           </a:p>
           <a:p>
@@ -10149,30 +9563,14 @@
               </a:spcAft>
             </a:pPr>
             <a:r>
-              <a:rPr lang="en-US" sz="1600" kern="100" dirty="0">
+              <a:rPr lang="en-US" sz="1100" kern="100" dirty="0">
                 <a:effectLst/>
                 <a:latin typeface="Aptos" panose="020B0004020202020204" pitchFamily="34" charset="0"/>
                 <a:ea typeface="Yu Gothic" panose="020B0400000000000000" pitchFamily="34" charset="-128"/>
                 <a:cs typeface="Times New Roman" panose="02020603050405020304" pitchFamily="18" charset="0"/>
               </a:rPr>
-              <a:t>	</a:t>
-            </a:r>
-            <a:r>
-              <a:rPr lang="en-US" sz="1600" kern="100" dirty="0">
-                <a:effectLst/>
-                <a:latin typeface="Aptos" panose="020B0004020202020204" pitchFamily="34" charset="0"/>
-                <a:ea typeface="Yu Gothic" panose="020B0400000000000000" pitchFamily="34" charset="-128"/>
-                <a:cs typeface="Times New Roman" panose="02020603050405020304" pitchFamily="18" charset="0"/>
-                <a:hlinkClick r:id="rId2"/>
-              </a:rPr>
-              <a:t>https://www.cloudera.com/downloads/connectors/hive/odbc/2-7-0.html</a:t>
-            </a:r>
-            <a:endParaRPr lang="en-US" sz="1600" kern="100" dirty="0">
-              <a:effectLst/>
-              <a:latin typeface="Aptos" panose="020B0004020202020204" pitchFamily="34" charset="0"/>
-              <a:ea typeface="Yu Gothic" panose="020B0400000000000000" pitchFamily="34" charset="-128"/>
-              <a:cs typeface="Times New Roman" panose="02020603050405020304" pitchFamily="18" charset="0"/>
-            </a:endParaRPr>
+              <a:t>    key STRING,</a:t>
+            </a:r>
           </a:p>
           <a:p>
             <a:pPr marL="0" marR="0">
@@ -10186,11 +9584,15 @@
                 <a:spcPts val="800"/>
               </a:spcAft>
             </a:pPr>
-            <a:endParaRPr lang="en-US" sz="1600" kern="100" dirty="0">
-              <a:latin typeface="Aptos" panose="020B0004020202020204" pitchFamily="34" charset="0"/>
-              <a:ea typeface="Yu Gothic" panose="020B0400000000000000" pitchFamily="34" charset="-128"/>
-              <a:cs typeface="Times New Roman" panose="02020603050405020304" pitchFamily="18" charset="0"/>
-            </a:endParaRPr>
+            <a:r>
+              <a:rPr lang="en-US" sz="1100" kern="100" dirty="0">
+                <a:effectLst/>
+                <a:latin typeface="Aptos" panose="020B0004020202020204" pitchFamily="34" charset="0"/>
+                <a:ea typeface="Yu Gothic" panose="020B0400000000000000" pitchFamily="34" charset="-128"/>
+                <a:cs typeface="Times New Roman" panose="02020603050405020304" pitchFamily="18" charset="0"/>
+              </a:rPr>
+              <a:t>    id STRING,</a:t>
+            </a:r>
           </a:p>
           <a:p>
             <a:pPr marL="0" marR="0">
@@ -10205,13 +9607,13 @@
               </a:spcAft>
             </a:pPr>
             <a:r>
-              <a:rPr lang="en-US" sz="1600" kern="100" dirty="0">
+              <a:rPr lang="en-US" sz="1100" kern="100" dirty="0">
                 <a:effectLst/>
                 <a:latin typeface="Aptos" panose="020B0004020202020204" pitchFamily="34" charset="0"/>
                 <a:ea typeface="Yu Gothic" panose="020B0400000000000000" pitchFamily="34" charset="-128"/>
                 <a:cs typeface="Times New Roman" panose="02020603050405020304" pitchFamily="18" charset="0"/>
               </a:rPr>
-              <a:t>Download and install Tableau Desktop Pro</a:t>
+              <a:t>    price FLOAT,</a:t>
             </a:r>
           </a:p>
           <a:p>
@@ -10227,27 +9629,14 @@
               </a:spcAft>
             </a:pPr>
             <a:r>
-              <a:rPr lang="en-US" sz="1600" kern="100" dirty="0">
+              <a:rPr lang="en-US" sz="1100" kern="100" dirty="0">
+                <a:effectLst/>
                 <a:latin typeface="Aptos" panose="020B0004020202020204" pitchFamily="34" charset="0"/>
                 <a:ea typeface="Yu Gothic" panose="020B0400000000000000" pitchFamily="34" charset="-128"/>
                 <a:cs typeface="Times New Roman" panose="02020603050405020304" pitchFamily="18" charset="0"/>
               </a:rPr>
-              <a:t>	</a:t>
-            </a:r>
-            <a:r>
-              <a:rPr lang="en-US" sz="1600" kern="100" dirty="0">
-                <a:latin typeface="Aptos" panose="020B0004020202020204" pitchFamily="34" charset="0"/>
-                <a:ea typeface="Yu Gothic" panose="020B0400000000000000" pitchFamily="34" charset="-128"/>
-                <a:cs typeface="Times New Roman" panose="02020603050405020304" pitchFamily="18" charset="0"/>
-                <a:hlinkClick r:id="rId3"/>
-              </a:rPr>
-              <a:t>https://www.tableau.com/academic/students</a:t>
-            </a:r>
-            <a:endParaRPr lang="en-US" sz="1600" kern="100" dirty="0">
-              <a:latin typeface="Aptos" panose="020B0004020202020204" pitchFamily="34" charset="0"/>
-              <a:ea typeface="Yu Gothic" panose="020B0400000000000000" pitchFamily="34" charset="-128"/>
-              <a:cs typeface="Times New Roman" panose="02020603050405020304" pitchFamily="18" charset="0"/>
-            </a:endParaRPr>
+              <a:t>    time BIGINT,</a:t>
+            </a:r>
           </a:p>
           <a:p>
             <a:pPr marL="0" marR="0">
@@ -10262,13 +9651,31 @@
               </a:spcAft>
             </a:pPr>
             <a:r>
-              <a:rPr lang="en-US" sz="1600" kern="100" dirty="0">
+              <a:rPr lang="en-US" sz="1100" kern="100" dirty="0">
                 <a:effectLst/>
                 <a:latin typeface="Aptos" panose="020B0004020202020204" pitchFamily="34" charset="0"/>
                 <a:ea typeface="Yu Gothic" panose="020B0400000000000000" pitchFamily="34" charset="-128"/>
                 <a:cs typeface="Times New Roman" panose="02020603050405020304" pitchFamily="18" charset="0"/>
               </a:rPr>
-              <a:t>	*** Tableau Desktop Public does not support connection to Cloudera Hadoop</a:t>
+              <a:t>    </a:t>
+            </a:r>
+            <a:r>
+              <a:rPr lang="en-US" sz="1100" kern="100" dirty="0" err="1">
+                <a:effectLst/>
+                <a:latin typeface="Aptos" panose="020B0004020202020204" pitchFamily="34" charset="0"/>
+                <a:ea typeface="Yu Gothic" panose="020B0400000000000000" pitchFamily="34" charset="-128"/>
+                <a:cs typeface="Times New Roman" panose="02020603050405020304" pitchFamily="18" charset="0"/>
+              </a:rPr>
+              <a:t>formattedDateTime</a:t>
+            </a:r>
+            <a:r>
+              <a:rPr lang="en-US" sz="1100" kern="100" dirty="0">
+                <a:effectLst/>
+                <a:latin typeface="Aptos" panose="020B0004020202020204" pitchFamily="34" charset="0"/>
+                <a:ea typeface="Yu Gothic" panose="020B0400000000000000" pitchFamily="34" charset="-128"/>
+                <a:cs typeface="Times New Roman" panose="02020603050405020304" pitchFamily="18" charset="0"/>
+              </a:rPr>
+              <a:t> STRING,</a:t>
             </a:r>
           </a:p>
           <a:p>
@@ -10284,12 +9691,567 @@
               </a:spcAft>
             </a:pPr>
             <a:r>
-              <a:rPr lang="en-US" sz="1600" kern="100" dirty="0">
+              <a:rPr lang="en-US" sz="1100" kern="100" dirty="0">
+                <a:effectLst/>
                 <a:latin typeface="Aptos" panose="020B0004020202020204" pitchFamily="34" charset="0"/>
                 <a:ea typeface="Yu Gothic" panose="020B0400000000000000" pitchFamily="34" charset="-128"/>
                 <a:cs typeface="Times New Roman" panose="02020603050405020304" pitchFamily="18" charset="0"/>
               </a:rPr>
-              <a:t>	*** Students are eligible for a free one-year license to activate Tableau Desktop and Tableau Prep</a:t>
+              <a:t>    `exchange` STRING,</a:t>
+            </a:r>
+          </a:p>
+          <a:p>
+            <a:pPr marL="0" marR="0">
+              <a:lnSpc>
+                <a:spcPct val="115000"/>
+              </a:lnSpc>
+              <a:spcBef>
+                <a:spcPts val="0"/>
+              </a:spcBef>
+              <a:spcAft>
+                <a:spcPts val="800"/>
+              </a:spcAft>
+            </a:pPr>
+            <a:r>
+              <a:rPr lang="en-US" sz="1100" kern="100" dirty="0">
+                <a:effectLst/>
+                <a:latin typeface="Aptos" panose="020B0004020202020204" pitchFamily="34" charset="0"/>
+                <a:ea typeface="Yu Gothic" panose="020B0400000000000000" pitchFamily="34" charset="-128"/>
+                <a:cs typeface="Times New Roman" panose="02020603050405020304" pitchFamily="18" charset="0"/>
+              </a:rPr>
+              <a:t>    </a:t>
+            </a:r>
+            <a:r>
+              <a:rPr lang="en-US" sz="1100" kern="100" dirty="0" err="1">
+                <a:effectLst/>
+                <a:latin typeface="Aptos" panose="020B0004020202020204" pitchFamily="34" charset="0"/>
+                <a:ea typeface="Yu Gothic" panose="020B0400000000000000" pitchFamily="34" charset="-128"/>
+                <a:cs typeface="Times New Roman" panose="02020603050405020304" pitchFamily="18" charset="0"/>
+              </a:rPr>
+              <a:t>quoteType</a:t>
+            </a:r>
+            <a:r>
+              <a:rPr lang="en-US" sz="1100" kern="100" dirty="0">
+                <a:effectLst/>
+                <a:latin typeface="Aptos" panose="020B0004020202020204" pitchFamily="34" charset="0"/>
+                <a:ea typeface="Yu Gothic" panose="020B0400000000000000" pitchFamily="34" charset="-128"/>
+                <a:cs typeface="Times New Roman" panose="02020603050405020304" pitchFamily="18" charset="0"/>
+              </a:rPr>
+              <a:t> STRING,</a:t>
+            </a:r>
+          </a:p>
+          <a:p>
+            <a:pPr marL="0" marR="0">
+              <a:lnSpc>
+                <a:spcPct val="115000"/>
+              </a:lnSpc>
+              <a:spcBef>
+                <a:spcPts val="0"/>
+              </a:spcBef>
+              <a:spcAft>
+                <a:spcPts val="800"/>
+              </a:spcAft>
+            </a:pPr>
+            <a:r>
+              <a:rPr lang="en-US" sz="1100" kern="100" dirty="0">
+                <a:effectLst/>
+                <a:latin typeface="Aptos" panose="020B0004020202020204" pitchFamily="34" charset="0"/>
+                <a:ea typeface="Yu Gothic" panose="020B0400000000000000" pitchFamily="34" charset="-128"/>
+                <a:cs typeface="Times New Roman" panose="02020603050405020304" pitchFamily="18" charset="0"/>
+              </a:rPr>
+              <a:t>    </a:t>
+            </a:r>
+            <a:r>
+              <a:rPr lang="en-US" sz="1100" kern="100" dirty="0" err="1">
+                <a:effectLst/>
+                <a:latin typeface="Aptos" panose="020B0004020202020204" pitchFamily="34" charset="0"/>
+                <a:ea typeface="Yu Gothic" panose="020B0400000000000000" pitchFamily="34" charset="-128"/>
+                <a:cs typeface="Times New Roman" panose="02020603050405020304" pitchFamily="18" charset="0"/>
+              </a:rPr>
+              <a:t>marketHours</a:t>
+            </a:r>
+            <a:r>
+              <a:rPr lang="en-US" sz="1100" kern="100" dirty="0">
+                <a:effectLst/>
+                <a:latin typeface="Aptos" panose="020B0004020202020204" pitchFamily="34" charset="0"/>
+                <a:ea typeface="Yu Gothic" panose="020B0400000000000000" pitchFamily="34" charset="-128"/>
+                <a:cs typeface="Times New Roman" panose="02020603050405020304" pitchFamily="18" charset="0"/>
+              </a:rPr>
+              <a:t> STRING,</a:t>
+            </a:r>
+          </a:p>
+          <a:p>
+            <a:pPr marL="0" marR="0">
+              <a:lnSpc>
+                <a:spcPct val="115000"/>
+              </a:lnSpc>
+              <a:spcBef>
+                <a:spcPts val="0"/>
+              </a:spcBef>
+              <a:spcAft>
+                <a:spcPts val="800"/>
+              </a:spcAft>
+            </a:pPr>
+            <a:r>
+              <a:rPr lang="en-US" sz="1100" kern="100" dirty="0">
+                <a:effectLst/>
+                <a:latin typeface="Aptos" panose="020B0004020202020204" pitchFamily="34" charset="0"/>
+                <a:ea typeface="Yu Gothic" panose="020B0400000000000000" pitchFamily="34" charset="-128"/>
+                <a:cs typeface="Times New Roman" panose="02020603050405020304" pitchFamily="18" charset="0"/>
+              </a:rPr>
+              <a:t>    </a:t>
+            </a:r>
+            <a:r>
+              <a:rPr lang="en-US" sz="1100" kern="100" dirty="0" err="1">
+                <a:effectLst/>
+                <a:latin typeface="Aptos" panose="020B0004020202020204" pitchFamily="34" charset="0"/>
+                <a:ea typeface="Yu Gothic" panose="020B0400000000000000" pitchFamily="34" charset="-128"/>
+                <a:cs typeface="Times New Roman" panose="02020603050405020304" pitchFamily="18" charset="0"/>
+              </a:rPr>
+              <a:t>changePercent</a:t>
+            </a:r>
+            <a:r>
+              <a:rPr lang="en-US" sz="1100" kern="100" dirty="0">
+                <a:effectLst/>
+                <a:latin typeface="Aptos" panose="020B0004020202020204" pitchFamily="34" charset="0"/>
+                <a:ea typeface="Yu Gothic" panose="020B0400000000000000" pitchFamily="34" charset="-128"/>
+                <a:cs typeface="Times New Roman" panose="02020603050405020304" pitchFamily="18" charset="0"/>
+              </a:rPr>
+              <a:t> FLOAT,</a:t>
+            </a:r>
+          </a:p>
+          <a:p>
+            <a:pPr marL="0" marR="0">
+              <a:lnSpc>
+                <a:spcPct val="115000"/>
+              </a:lnSpc>
+              <a:spcBef>
+                <a:spcPts val="0"/>
+              </a:spcBef>
+              <a:spcAft>
+                <a:spcPts val="800"/>
+              </a:spcAft>
+            </a:pPr>
+            <a:r>
+              <a:rPr lang="en-US" sz="1100" kern="100" dirty="0">
+                <a:effectLst/>
+                <a:latin typeface="Aptos" panose="020B0004020202020204" pitchFamily="34" charset="0"/>
+                <a:ea typeface="Yu Gothic" panose="020B0400000000000000" pitchFamily="34" charset="-128"/>
+                <a:cs typeface="Times New Roman" panose="02020603050405020304" pitchFamily="18" charset="0"/>
+              </a:rPr>
+              <a:t>    change FLOAT)</a:t>
+            </a:r>
+          </a:p>
+          <a:p>
+            <a:pPr marL="0" marR="0">
+              <a:lnSpc>
+                <a:spcPct val="115000"/>
+              </a:lnSpc>
+              <a:spcBef>
+                <a:spcPts val="0"/>
+              </a:spcBef>
+              <a:spcAft>
+                <a:spcPts val="800"/>
+              </a:spcAft>
+            </a:pPr>
+            <a:r>
+              <a:rPr lang="en-US" sz="1100" kern="100" dirty="0">
+                <a:effectLst/>
+                <a:latin typeface="Aptos" panose="020B0004020202020204" pitchFamily="34" charset="0"/>
+                <a:ea typeface="Yu Gothic" panose="020B0400000000000000" pitchFamily="34" charset="-128"/>
+                <a:cs typeface="Times New Roman" panose="02020603050405020304" pitchFamily="18" charset="0"/>
+              </a:rPr>
+              <a:t>STORED BY '</a:t>
+            </a:r>
+            <a:r>
+              <a:rPr lang="en-US" sz="1100" kern="100" dirty="0" err="1">
+                <a:effectLst/>
+                <a:latin typeface="Aptos" panose="020B0004020202020204" pitchFamily="34" charset="0"/>
+                <a:ea typeface="Yu Gothic" panose="020B0400000000000000" pitchFamily="34" charset="-128"/>
+                <a:cs typeface="Times New Roman" panose="02020603050405020304" pitchFamily="18" charset="0"/>
+              </a:rPr>
+              <a:t>org.apache.hadoop.hive.hbase.HBaseStorageHandler</a:t>
+            </a:r>
+            <a:r>
+              <a:rPr lang="en-US" sz="1100" kern="100" dirty="0">
+                <a:effectLst/>
+                <a:latin typeface="Aptos" panose="020B0004020202020204" pitchFamily="34" charset="0"/>
+                <a:ea typeface="Yu Gothic" panose="020B0400000000000000" pitchFamily="34" charset="-128"/>
+                <a:cs typeface="Times New Roman" panose="02020603050405020304" pitchFamily="18" charset="0"/>
+              </a:rPr>
+              <a:t>'</a:t>
+            </a:r>
+          </a:p>
+          <a:p>
+            <a:pPr marL="0" marR="0">
+              <a:lnSpc>
+                <a:spcPct val="115000"/>
+              </a:lnSpc>
+              <a:spcBef>
+                <a:spcPts val="0"/>
+              </a:spcBef>
+              <a:spcAft>
+                <a:spcPts val="800"/>
+              </a:spcAft>
+            </a:pPr>
+            <a:r>
+              <a:rPr lang="en-US" sz="1100" kern="100" dirty="0">
+                <a:effectLst/>
+                <a:latin typeface="Aptos" panose="020B0004020202020204" pitchFamily="34" charset="0"/>
+                <a:ea typeface="Yu Gothic" panose="020B0400000000000000" pitchFamily="34" charset="-128"/>
+                <a:cs typeface="Times New Roman" panose="02020603050405020304" pitchFamily="18" charset="0"/>
+              </a:rPr>
+              <a:t>WITH SERDEPROPERTIES (</a:t>
+            </a:r>
+          </a:p>
+          <a:p>
+            <a:pPr marL="0" marR="0">
+              <a:lnSpc>
+                <a:spcPct val="115000"/>
+              </a:lnSpc>
+              <a:spcBef>
+                <a:spcPts val="0"/>
+              </a:spcBef>
+              <a:spcAft>
+                <a:spcPts val="800"/>
+              </a:spcAft>
+            </a:pPr>
+            <a:r>
+              <a:rPr lang="en-US" sz="1100" kern="100" dirty="0">
+                <a:effectLst/>
+                <a:latin typeface="Aptos" panose="020B0004020202020204" pitchFamily="34" charset="0"/>
+                <a:ea typeface="Yu Gothic" panose="020B0400000000000000" pitchFamily="34" charset="-128"/>
+                <a:cs typeface="Times New Roman" panose="02020603050405020304" pitchFamily="18" charset="0"/>
+              </a:rPr>
+              <a:t>    "</a:t>
+            </a:r>
+            <a:r>
+              <a:rPr lang="en-US" sz="1100" kern="100" dirty="0" err="1">
+                <a:effectLst/>
+                <a:latin typeface="Aptos" panose="020B0004020202020204" pitchFamily="34" charset="0"/>
+                <a:ea typeface="Yu Gothic" panose="020B0400000000000000" pitchFamily="34" charset="-128"/>
+                <a:cs typeface="Times New Roman" panose="02020603050405020304" pitchFamily="18" charset="0"/>
+              </a:rPr>
+              <a:t>hbase.columns.mapping</a:t>
+            </a:r>
+            <a:r>
+              <a:rPr lang="en-US" sz="1100" kern="100" dirty="0">
+                <a:effectLst/>
+                <a:latin typeface="Aptos" panose="020B0004020202020204" pitchFamily="34" charset="0"/>
+                <a:ea typeface="Yu Gothic" panose="020B0400000000000000" pitchFamily="34" charset="-128"/>
+                <a:cs typeface="Times New Roman" panose="02020603050405020304" pitchFamily="18" charset="0"/>
+              </a:rPr>
+              <a:t>" = ":key, </a:t>
+            </a:r>
+            <a:r>
+              <a:rPr lang="en-US" sz="1100" kern="100" dirty="0" err="1">
+                <a:effectLst/>
+                <a:latin typeface="Aptos" panose="020B0004020202020204" pitchFamily="34" charset="0"/>
+                <a:ea typeface="Yu Gothic" panose="020B0400000000000000" pitchFamily="34" charset="-128"/>
+                <a:cs typeface="Times New Roman" panose="02020603050405020304" pitchFamily="18" charset="0"/>
+              </a:rPr>
+              <a:t>info:id</a:t>
+            </a:r>
+            <a:r>
+              <a:rPr lang="en-US" sz="1100" kern="100" dirty="0">
+                <a:effectLst/>
+                <a:latin typeface="Aptos" panose="020B0004020202020204" pitchFamily="34" charset="0"/>
+                <a:ea typeface="Yu Gothic" panose="020B0400000000000000" pitchFamily="34" charset="-128"/>
+                <a:cs typeface="Times New Roman" panose="02020603050405020304" pitchFamily="18" charset="0"/>
+              </a:rPr>
+              <a:t>, </a:t>
+            </a:r>
+            <a:r>
+              <a:rPr lang="en-US" sz="1100" kern="100" dirty="0" err="1">
+                <a:effectLst/>
+                <a:latin typeface="Aptos" panose="020B0004020202020204" pitchFamily="34" charset="0"/>
+                <a:ea typeface="Yu Gothic" panose="020B0400000000000000" pitchFamily="34" charset="-128"/>
+                <a:cs typeface="Times New Roman" panose="02020603050405020304" pitchFamily="18" charset="0"/>
+              </a:rPr>
+              <a:t>info:price</a:t>
+            </a:r>
+            <a:r>
+              <a:rPr lang="en-US" sz="1100" kern="100" dirty="0">
+                <a:effectLst/>
+                <a:latin typeface="Aptos" panose="020B0004020202020204" pitchFamily="34" charset="0"/>
+                <a:ea typeface="Yu Gothic" panose="020B0400000000000000" pitchFamily="34" charset="-128"/>
+                <a:cs typeface="Times New Roman" panose="02020603050405020304" pitchFamily="18" charset="0"/>
+              </a:rPr>
+              <a:t>, </a:t>
+            </a:r>
+            <a:r>
+              <a:rPr lang="en-US" sz="1100" kern="100" dirty="0" err="1">
+                <a:effectLst/>
+                <a:latin typeface="Aptos" panose="020B0004020202020204" pitchFamily="34" charset="0"/>
+                <a:ea typeface="Yu Gothic" panose="020B0400000000000000" pitchFamily="34" charset="-128"/>
+                <a:cs typeface="Times New Roman" panose="02020603050405020304" pitchFamily="18" charset="0"/>
+              </a:rPr>
+              <a:t>info:time</a:t>
+            </a:r>
+            <a:r>
+              <a:rPr lang="en-US" sz="1100" kern="100" dirty="0">
+                <a:effectLst/>
+                <a:latin typeface="Aptos" panose="020B0004020202020204" pitchFamily="34" charset="0"/>
+                <a:ea typeface="Yu Gothic" panose="020B0400000000000000" pitchFamily="34" charset="-128"/>
+                <a:cs typeface="Times New Roman" panose="02020603050405020304" pitchFamily="18" charset="0"/>
+              </a:rPr>
+              <a:t>, </a:t>
+            </a:r>
+            <a:r>
+              <a:rPr lang="en-US" sz="1100" kern="100" dirty="0" err="1">
+                <a:effectLst/>
+                <a:latin typeface="Aptos" panose="020B0004020202020204" pitchFamily="34" charset="0"/>
+                <a:ea typeface="Yu Gothic" panose="020B0400000000000000" pitchFamily="34" charset="-128"/>
+                <a:cs typeface="Times New Roman" panose="02020603050405020304" pitchFamily="18" charset="0"/>
+              </a:rPr>
+              <a:t>info:formattedDateTime</a:t>
+            </a:r>
+            <a:r>
+              <a:rPr lang="en-US" sz="1100" kern="100" dirty="0">
+                <a:effectLst/>
+                <a:latin typeface="Aptos" panose="020B0004020202020204" pitchFamily="34" charset="0"/>
+                <a:ea typeface="Yu Gothic" panose="020B0400000000000000" pitchFamily="34" charset="-128"/>
+                <a:cs typeface="Times New Roman" panose="02020603050405020304" pitchFamily="18" charset="0"/>
+              </a:rPr>
+              <a:t>, </a:t>
+            </a:r>
+            <a:r>
+              <a:rPr lang="en-US" sz="1100" kern="100" dirty="0" err="1">
+                <a:effectLst/>
+                <a:latin typeface="Aptos" panose="020B0004020202020204" pitchFamily="34" charset="0"/>
+                <a:ea typeface="Yu Gothic" panose="020B0400000000000000" pitchFamily="34" charset="-128"/>
+                <a:cs typeface="Times New Roman" panose="02020603050405020304" pitchFamily="18" charset="0"/>
+              </a:rPr>
+              <a:t>info:exchange</a:t>
+            </a:r>
+            <a:r>
+              <a:rPr lang="en-US" sz="1100" kern="100" dirty="0">
+                <a:effectLst/>
+                <a:latin typeface="Aptos" panose="020B0004020202020204" pitchFamily="34" charset="0"/>
+                <a:ea typeface="Yu Gothic" panose="020B0400000000000000" pitchFamily="34" charset="-128"/>
+                <a:cs typeface="Times New Roman" panose="02020603050405020304" pitchFamily="18" charset="0"/>
+              </a:rPr>
+              <a:t>, </a:t>
+            </a:r>
+            <a:r>
+              <a:rPr lang="en-US" sz="1100" kern="100" dirty="0" err="1">
+                <a:effectLst/>
+                <a:latin typeface="Aptos" panose="020B0004020202020204" pitchFamily="34" charset="0"/>
+                <a:ea typeface="Yu Gothic" panose="020B0400000000000000" pitchFamily="34" charset="-128"/>
+                <a:cs typeface="Times New Roman" panose="02020603050405020304" pitchFamily="18" charset="0"/>
+              </a:rPr>
+              <a:t>info:quoteType</a:t>
+            </a:r>
+            <a:r>
+              <a:rPr lang="en-US" sz="1100" kern="100" dirty="0">
+                <a:effectLst/>
+                <a:latin typeface="Aptos" panose="020B0004020202020204" pitchFamily="34" charset="0"/>
+                <a:ea typeface="Yu Gothic" panose="020B0400000000000000" pitchFamily="34" charset="-128"/>
+                <a:cs typeface="Times New Roman" panose="02020603050405020304" pitchFamily="18" charset="0"/>
+              </a:rPr>
+              <a:t>, </a:t>
+            </a:r>
+            <a:r>
+              <a:rPr lang="en-US" sz="1100" kern="100" dirty="0" err="1">
+                <a:effectLst/>
+                <a:latin typeface="Aptos" panose="020B0004020202020204" pitchFamily="34" charset="0"/>
+                <a:ea typeface="Yu Gothic" panose="020B0400000000000000" pitchFamily="34" charset="-128"/>
+                <a:cs typeface="Times New Roman" panose="02020603050405020304" pitchFamily="18" charset="0"/>
+              </a:rPr>
+              <a:t>info:marketHours</a:t>
+            </a:r>
+            <a:r>
+              <a:rPr lang="en-US" sz="1100" kern="100" dirty="0">
+                <a:effectLst/>
+                <a:latin typeface="Aptos" panose="020B0004020202020204" pitchFamily="34" charset="0"/>
+                <a:ea typeface="Yu Gothic" panose="020B0400000000000000" pitchFamily="34" charset="-128"/>
+                <a:cs typeface="Times New Roman" panose="02020603050405020304" pitchFamily="18" charset="0"/>
+              </a:rPr>
+              <a:t>, </a:t>
+            </a:r>
+            <a:r>
+              <a:rPr lang="en-US" sz="1100" kern="100" dirty="0" err="1">
+                <a:effectLst/>
+                <a:latin typeface="Aptos" panose="020B0004020202020204" pitchFamily="34" charset="0"/>
+                <a:ea typeface="Yu Gothic" panose="020B0400000000000000" pitchFamily="34" charset="-128"/>
+                <a:cs typeface="Times New Roman" panose="02020603050405020304" pitchFamily="18" charset="0"/>
+              </a:rPr>
+              <a:t>info:changePercent</a:t>
+            </a:r>
+            <a:r>
+              <a:rPr lang="en-US" sz="1100" kern="100" dirty="0">
+                <a:effectLst/>
+                <a:latin typeface="Aptos" panose="020B0004020202020204" pitchFamily="34" charset="0"/>
+                <a:ea typeface="Yu Gothic" panose="020B0400000000000000" pitchFamily="34" charset="-128"/>
+                <a:cs typeface="Times New Roman" panose="02020603050405020304" pitchFamily="18" charset="0"/>
+              </a:rPr>
+              <a:t>, </a:t>
+            </a:r>
+            <a:r>
+              <a:rPr lang="en-US" sz="1100" kern="100" dirty="0" err="1">
+                <a:effectLst/>
+                <a:latin typeface="Aptos" panose="020B0004020202020204" pitchFamily="34" charset="0"/>
+                <a:ea typeface="Yu Gothic" panose="020B0400000000000000" pitchFamily="34" charset="-128"/>
+                <a:cs typeface="Times New Roman" panose="02020603050405020304" pitchFamily="18" charset="0"/>
+              </a:rPr>
+              <a:t>info:change</a:t>
+            </a:r>
+            <a:r>
+              <a:rPr lang="en-US" sz="1100" kern="100" dirty="0">
+                <a:effectLst/>
+                <a:latin typeface="Aptos" panose="020B0004020202020204" pitchFamily="34" charset="0"/>
+                <a:ea typeface="Yu Gothic" panose="020B0400000000000000" pitchFamily="34" charset="-128"/>
+                <a:cs typeface="Times New Roman" panose="02020603050405020304" pitchFamily="18" charset="0"/>
+              </a:rPr>
+              <a:t>"</a:t>
+            </a:r>
+          </a:p>
+          <a:p>
+            <a:pPr marL="0" marR="0">
+              <a:lnSpc>
+                <a:spcPct val="115000"/>
+              </a:lnSpc>
+              <a:spcBef>
+                <a:spcPts val="0"/>
+              </a:spcBef>
+              <a:spcAft>
+                <a:spcPts val="800"/>
+              </a:spcAft>
+            </a:pPr>
+            <a:r>
+              <a:rPr lang="en-US" sz="1100" kern="100" dirty="0">
+                <a:effectLst/>
+                <a:latin typeface="Aptos" panose="020B0004020202020204" pitchFamily="34" charset="0"/>
+                <a:ea typeface="Yu Gothic" panose="020B0400000000000000" pitchFamily="34" charset="-128"/>
+                <a:cs typeface="Times New Roman" panose="02020603050405020304" pitchFamily="18" charset="0"/>
+              </a:rPr>
+              <a:t>)</a:t>
+            </a:r>
+          </a:p>
+          <a:p>
+            <a:pPr marL="0" marR="0">
+              <a:lnSpc>
+                <a:spcPct val="115000"/>
+              </a:lnSpc>
+              <a:spcBef>
+                <a:spcPts val="0"/>
+              </a:spcBef>
+              <a:spcAft>
+                <a:spcPts val="800"/>
+              </a:spcAft>
+            </a:pPr>
+            <a:r>
+              <a:rPr lang="en-US" sz="1100" kern="100" dirty="0">
+                <a:effectLst/>
+                <a:latin typeface="Aptos" panose="020B0004020202020204" pitchFamily="34" charset="0"/>
+                <a:ea typeface="Yu Gothic" panose="020B0400000000000000" pitchFamily="34" charset="-128"/>
+                <a:cs typeface="Times New Roman" panose="02020603050405020304" pitchFamily="18" charset="0"/>
+              </a:rPr>
+              <a:t>TBLPROPERTIES ("hbase.table.name" = "ticker");</a:t>
+            </a:r>
+          </a:p>
+        </p:txBody>
+      </p:sp>
+      <p:sp>
+        <p:nvSpPr>
+          <p:cNvPr id="6" name="TextBox 5">
+            <a:extLst>
+              <a:ext uri="{FF2B5EF4-FFF2-40B4-BE49-F238E27FC236}">
+                <a16:creationId xmlns:a16="http://schemas.microsoft.com/office/drawing/2014/main" id="{190B2997-ECCB-A5CC-7F36-C9A948946666}"/>
+              </a:ext>
+            </a:extLst>
+          </p:cNvPr>
+          <p:cNvSpPr txBox="1"/>
+          <p:nvPr/>
+        </p:nvSpPr>
+        <p:spPr>
+          <a:xfrm>
+            <a:off x="267928" y="3085176"/>
+            <a:ext cx="3291701" cy="1556003"/>
+          </a:xfrm>
+          <a:prstGeom prst="rect">
+            <a:avLst/>
+          </a:prstGeom>
+          <a:noFill/>
+        </p:spPr>
+        <p:txBody>
+          <a:bodyPr wrap="square">
+            <a:spAutoFit/>
+          </a:bodyPr>
+          <a:lstStyle/>
+          <a:p>
+            <a:pPr marL="285750" marR="0" indent="-285750">
+              <a:lnSpc>
+                <a:spcPct val="115000"/>
+              </a:lnSpc>
+              <a:spcBef>
+                <a:spcPts val="0"/>
+              </a:spcBef>
+              <a:spcAft>
+                <a:spcPts val="800"/>
+              </a:spcAft>
+              <a:buFont typeface="Wingdings" panose="05000000000000000000" pitchFamily="2" charset="2"/>
+              <a:buChar char="§"/>
+            </a:pPr>
+            <a:r>
+              <a:rPr lang="en-US" sz="1800" kern="100" dirty="0">
+                <a:effectLst/>
+                <a:latin typeface="Aptos" panose="020B0004020202020204" pitchFamily="34" charset="0"/>
+                <a:ea typeface="Yu Gothic" panose="020B0400000000000000" pitchFamily="34" charset="-128"/>
+                <a:cs typeface="Times New Roman" panose="02020603050405020304" pitchFamily="18" charset="0"/>
+              </a:rPr>
+              <a:t>Go to Hive shell</a:t>
+            </a:r>
+          </a:p>
+          <a:p>
+            <a:pPr marR="0">
+              <a:lnSpc>
+                <a:spcPct val="115000"/>
+              </a:lnSpc>
+              <a:spcBef>
+                <a:spcPts val="0"/>
+              </a:spcBef>
+              <a:spcAft>
+                <a:spcPts val="800"/>
+              </a:spcAft>
+            </a:pPr>
+            <a:r>
+              <a:rPr lang="en-US" kern="100" dirty="0">
+                <a:latin typeface="Aptos" panose="020B0004020202020204" pitchFamily="34" charset="0"/>
+                <a:ea typeface="Yu Gothic" panose="020B0400000000000000" pitchFamily="34" charset="-128"/>
+                <a:cs typeface="Times New Roman" panose="02020603050405020304" pitchFamily="18" charset="0"/>
+              </a:rPr>
+              <a:t>	&gt;hive</a:t>
+            </a:r>
+            <a:endParaRPr lang="en-US" sz="1800" kern="100" dirty="0">
+              <a:effectLst/>
+              <a:latin typeface="Aptos" panose="020B0004020202020204" pitchFamily="34" charset="0"/>
+              <a:ea typeface="Yu Gothic" panose="020B0400000000000000" pitchFamily="34" charset="-128"/>
+              <a:cs typeface="Times New Roman" panose="02020603050405020304" pitchFamily="18" charset="0"/>
+            </a:endParaRPr>
+          </a:p>
+          <a:p>
+            <a:pPr marL="285750" marR="0" indent="-285750">
+              <a:lnSpc>
+                <a:spcPct val="115000"/>
+              </a:lnSpc>
+              <a:spcBef>
+                <a:spcPts val="0"/>
+              </a:spcBef>
+              <a:spcAft>
+                <a:spcPts val="800"/>
+              </a:spcAft>
+              <a:buFont typeface="Wingdings" panose="05000000000000000000" pitchFamily="2" charset="2"/>
+              <a:buChar char="§"/>
+            </a:pPr>
+            <a:r>
+              <a:rPr lang="en-US" sz="1800" kern="100" dirty="0">
+                <a:effectLst/>
+                <a:latin typeface="Aptos" panose="020B0004020202020204" pitchFamily="34" charset="0"/>
+                <a:ea typeface="Yu Gothic" panose="020B0400000000000000" pitchFamily="34" charset="-128"/>
+                <a:cs typeface="Times New Roman" panose="02020603050405020304" pitchFamily="18" charset="0"/>
+              </a:rPr>
+              <a:t>Create a table in Hive on top of HBase table</a:t>
             </a:r>
             <a:endParaRPr lang="en-US" sz="1600" kern="100" dirty="0">
               <a:effectLst/>
@@ -10300,10 +10262,40 @@
           </a:p>
         </p:txBody>
       </p:sp>
+      <p:pic>
+        <p:nvPicPr>
+          <p:cNvPr id="8" name="Picture 7">
+            <a:extLst>
+              <a:ext uri="{FF2B5EF4-FFF2-40B4-BE49-F238E27FC236}">
+                <a16:creationId xmlns:a16="http://schemas.microsoft.com/office/drawing/2014/main" id="{AD57F58F-91EB-AA9D-B5EF-C6A1BB5DC57C}"/>
+              </a:ext>
+            </a:extLst>
+          </p:cNvPr>
+          <p:cNvPicPr>
+            <a:picLocks noChangeAspect="1"/>
+          </p:cNvPicPr>
+          <p:nvPr/>
+        </p:nvPicPr>
+        <p:blipFill>
+          <a:blip r:embed="rId2"/>
+          <a:stretch>
+            <a:fillRect/>
+          </a:stretch>
+        </p:blipFill>
+        <p:spPr>
+          <a:xfrm>
+            <a:off x="8109675" y="1894634"/>
+            <a:ext cx="4066240" cy="3236941"/>
+          </a:xfrm>
+          <a:prstGeom prst="rect">
+            <a:avLst/>
+          </a:prstGeom>
+        </p:spPr>
+      </p:pic>
     </p:spTree>
     <p:extLst>
       <p:ext uri="{BB962C8B-B14F-4D97-AF65-F5344CB8AC3E}">
-        <p14:creationId xmlns:p14="http://schemas.microsoft.com/office/powerpoint/2010/main" val="469187505"/>
+        <p14:creationId xmlns:p14="http://schemas.microsoft.com/office/powerpoint/2010/main" val="2743923152"/>
       </p:ext>
     </p:extLst>
   </p:cSld>
@@ -10457,8 +10449,8 @@
         </p:nvSpPr>
         <p:spPr>
           <a:xfrm>
-            <a:off x="267928" y="3085176"/>
-            <a:ext cx="3803329" cy="1032270"/>
+            <a:off x="238431" y="2514905"/>
+            <a:ext cx="9711814" cy="2711448"/>
           </a:xfrm>
           <a:prstGeom prst="rect">
             <a:avLst/>
@@ -10483,13 +10475,44 @@
               </a:spcAft>
             </a:pPr>
             <a:r>
-              <a:rPr lang="en-US" sz="1800" kern="100" dirty="0">
+              <a:rPr lang="en-US" kern="100" dirty="0">
+                <a:latin typeface="Aptos" panose="020B0004020202020204" pitchFamily="34" charset="0"/>
+                <a:ea typeface="Yu Gothic" panose="020B0400000000000000" pitchFamily="34" charset="-128"/>
+                <a:cs typeface="Times New Roman" panose="02020603050405020304" pitchFamily="18" charset="0"/>
+              </a:rPr>
+              <a:t>Download and install Cloudera Hive ODBC Driver</a:t>
+            </a:r>
+          </a:p>
+          <a:p>
+            <a:pPr marL="0" marR="0">
+              <a:lnSpc>
+                <a:spcPct val="115000"/>
+              </a:lnSpc>
+              <a:spcBef>
+                <a:spcPts val="0"/>
+              </a:spcBef>
+              <a:spcAft>
+                <a:spcPts val="800"/>
+              </a:spcAft>
+            </a:pPr>
+            <a:r>
+              <a:rPr lang="en-US" sz="1600" kern="100" dirty="0">
                 <a:effectLst/>
                 <a:latin typeface="Aptos" panose="020B0004020202020204" pitchFamily="34" charset="0"/>
                 <a:ea typeface="Yu Gothic" panose="020B0400000000000000" pitchFamily="34" charset="-128"/>
                 <a:cs typeface="Times New Roman" panose="02020603050405020304" pitchFamily="18" charset="0"/>
               </a:rPr>
-              <a:t>Open Tableau Desktop and connect to Hive via Cloudera Hadoop connector</a:t>
+              <a:t>	</a:t>
+            </a:r>
+            <a:r>
+              <a:rPr lang="en-US" sz="1600" kern="100" dirty="0">
+                <a:effectLst/>
+                <a:latin typeface="Aptos" panose="020B0004020202020204" pitchFamily="34" charset="0"/>
+                <a:ea typeface="Yu Gothic" panose="020B0400000000000000" pitchFamily="34" charset="-128"/>
+                <a:cs typeface="Times New Roman" panose="02020603050405020304" pitchFamily="18" charset="0"/>
+                <a:hlinkClick r:id="rId2"/>
+              </a:rPr>
+              <a:t>https://www.cloudera.com/downloads/connectors/hive/odbc/2-7-0.html</a:t>
             </a:r>
             <a:endParaRPr lang="en-US" sz="1600" kern="100" dirty="0">
               <a:effectLst/>
@@ -10498,42 +10521,136 @@
               <a:cs typeface="Times New Roman" panose="02020603050405020304" pitchFamily="18" charset="0"/>
             </a:endParaRPr>
           </a:p>
-        </p:txBody>
-      </p:sp>
-      <p:pic>
-        <p:nvPicPr>
-          <p:cNvPr id="4" name="Picture 3">
-            <a:extLst>
-              <a:ext uri="{FF2B5EF4-FFF2-40B4-BE49-F238E27FC236}">
-                <a16:creationId xmlns:a16="http://schemas.microsoft.com/office/drawing/2014/main" id="{C6CB3285-3563-5980-5DDD-51F65E1A683A}"/>
-              </a:ext>
-            </a:extLst>
-          </p:cNvPr>
-          <p:cNvPicPr>
-            <a:picLocks noChangeAspect="1"/>
-          </p:cNvPicPr>
-          <p:nvPr/>
-        </p:nvPicPr>
-        <p:blipFill>
-          <a:blip r:embed="rId2"/>
-          <a:stretch>
-            <a:fillRect/>
-          </a:stretch>
-        </p:blipFill>
-        <p:spPr>
-          <a:xfrm>
-            <a:off x="4678588" y="2066052"/>
-            <a:ext cx="6476063" cy="4449097"/>
-          </a:xfrm>
-          <a:prstGeom prst="rect">
-            <a:avLst/>
-          </a:prstGeom>
-        </p:spPr>
-      </p:pic>
+          <a:p>
+            <a:pPr marL="0" marR="0">
+              <a:lnSpc>
+                <a:spcPct val="115000"/>
+              </a:lnSpc>
+              <a:spcBef>
+                <a:spcPts val="0"/>
+              </a:spcBef>
+              <a:spcAft>
+                <a:spcPts val="800"/>
+              </a:spcAft>
+            </a:pPr>
+            <a:endParaRPr lang="en-US" sz="1600" kern="100" dirty="0">
+              <a:latin typeface="Aptos" panose="020B0004020202020204" pitchFamily="34" charset="0"/>
+              <a:ea typeface="Yu Gothic" panose="020B0400000000000000" pitchFamily="34" charset="-128"/>
+              <a:cs typeface="Times New Roman" panose="02020603050405020304" pitchFamily="18" charset="0"/>
+            </a:endParaRPr>
+          </a:p>
+          <a:p>
+            <a:pPr marL="0" marR="0">
+              <a:lnSpc>
+                <a:spcPct val="115000"/>
+              </a:lnSpc>
+              <a:spcBef>
+                <a:spcPts val="0"/>
+              </a:spcBef>
+              <a:spcAft>
+                <a:spcPts val="800"/>
+              </a:spcAft>
+            </a:pPr>
+            <a:r>
+              <a:rPr lang="en-US" sz="1600" kern="100" dirty="0">
+                <a:effectLst/>
+                <a:latin typeface="Aptos" panose="020B0004020202020204" pitchFamily="34" charset="0"/>
+                <a:ea typeface="Yu Gothic" panose="020B0400000000000000" pitchFamily="34" charset="-128"/>
+                <a:cs typeface="Times New Roman" panose="02020603050405020304" pitchFamily="18" charset="0"/>
+              </a:rPr>
+              <a:t>Download and install Tableau Desktop Pro</a:t>
+            </a:r>
+          </a:p>
+          <a:p>
+            <a:pPr marL="0" marR="0">
+              <a:lnSpc>
+                <a:spcPct val="115000"/>
+              </a:lnSpc>
+              <a:spcBef>
+                <a:spcPts val="0"/>
+              </a:spcBef>
+              <a:spcAft>
+                <a:spcPts val="800"/>
+              </a:spcAft>
+            </a:pPr>
+            <a:r>
+              <a:rPr lang="en-US" sz="1600" kern="100" dirty="0">
+                <a:latin typeface="Aptos" panose="020B0004020202020204" pitchFamily="34" charset="0"/>
+                <a:ea typeface="Yu Gothic" panose="020B0400000000000000" pitchFamily="34" charset="-128"/>
+                <a:cs typeface="Times New Roman" panose="02020603050405020304" pitchFamily="18" charset="0"/>
+              </a:rPr>
+              <a:t>	</a:t>
+            </a:r>
+            <a:r>
+              <a:rPr lang="en-US" sz="1600" kern="100" dirty="0">
+                <a:latin typeface="Aptos" panose="020B0004020202020204" pitchFamily="34" charset="0"/>
+                <a:ea typeface="Yu Gothic" panose="020B0400000000000000" pitchFamily="34" charset="-128"/>
+                <a:cs typeface="Times New Roman" panose="02020603050405020304" pitchFamily="18" charset="0"/>
+                <a:hlinkClick r:id="rId3"/>
+              </a:rPr>
+              <a:t>https://www.tableau.com/academic/students</a:t>
+            </a:r>
+            <a:endParaRPr lang="en-US" sz="1600" kern="100" dirty="0">
+              <a:latin typeface="Aptos" panose="020B0004020202020204" pitchFamily="34" charset="0"/>
+              <a:ea typeface="Yu Gothic" panose="020B0400000000000000" pitchFamily="34" charset="-128"/>
+              <a:cs typeface="Times New Roman" panose="02020603050405020304" pitchFamily="18" charset="0"/>
+            </a:endParaRPr>
+          </a:p>
+          <a:p>
+            <a:pPr marL="0" marR="0">
+              <a:lnSpc>
+                <a:spcPct val="115000"/>
+              </a:lnSpc>
+              <a:spcBef>
+                <a:spcPts val="0"/>
+              </a:spcBef>
+              <a:spcAft>
+                <a:spcPts val="800"/>
+              </a:spcAft>
+            </a:pPr>
+            <a:r>
+              <a:rPr lang="en-US" sz="1600" kern="100" dirty="0">
+                <a:effectLst/>
+                <a:latin typeface="Aptos" panose="020B0004020202020204" pitchFamily="34" charset="0"/>
+                <a:ea typeface="Yu Gothic" panose="020B0400000000000000" pitchFamily="34" charset="-128"/>
+                <a:cs typeface="Times New Roman" panose="02020603050405020304" pitchFamily="18" charset="0"/>
+              </a:rPr>
+              <a:t>	*** Tableau Desktop Public does not support connection to Cloudera Hadoop</a:t>
+            </a:r>
+          </a:p>
+          <a:p>
+            <a:pPr marL="0" marR="0">
+              <a:lnSpc>
+                <a:spcPct val="115000"/>
+              </a:lnSpc>
+              <a:spcBef>
+                <a:spcPts val="0"/>
+              </a:spcBef>
+              <a:spcAft>
+                <a:spcPts val="800"/>
+              </a:spcAft>
+            </a:pPr>
+            <a:r>
+              <a:rPr lang="en-US" sz="1600" kern="100" dirty="0">
+                <a:latin typeface="Aptos" panose="020B0004020202020204" pitchFamily="34" charset="0"/>
+                <a:ea typeface="Yu Gothic" panose="020B0400000000000000" pitchFamily="34" charset="-128"/>
+                <a:cs typeface="Times New Roman" panose="02020603050405020304" pitchFamily="18" charset="0"/>
+              </a:rPr>
+              <a:t>	*** Students are eligible for a free one-year license to activate Tableau Desktop and Tableau Prep</a:t>
+            </a:r>
+            <a:endParaRPr lang="en-US" sz="1600" kern="100" dirty="0">
+              <a:effectLst/>
+              <a:latin typeface="Aptos" panose="020B0004020202020204" pitchFamily="34" charset="0"/>
+              <a:ea typeface="Yu Gothic" panose="020B0400000000000000" pitchFamily="34" charset="-128"/>
+              <a:cs typeface="Times New Roman" panose="02020603050405020304" pitchFamily="18" charset="0"/>
+            </a:endParaRPr>
+          </a:p>
+        </p:txBody>
+      </p:sp>
     </p:spTree>
     <p:extLst>
       <p:ext uri="{BB962C8B-B14F-4D97-AF65-F5344CB8AC3E}">
-        <p14:creationId xmlns:p14="http://schemas.microsoft.com/office/powerpoint/2010/main" val="2127959357"/>
+        <p14:creationId xmlns:p14="http://schemas.microsoft.com/office/powerpoint/2010/main" val="469187505"/>
       </p:ext>
     </p:extLst>
   </p:cSld>
@@ -10549,7 +10666,7 @@
     <p:bg>
       <p:bgPr>
         <a:solidFill>
-          <a:schemeClr val="bg1"/>
+          <a:schemeClr val="bg2"/>
         </a:solidFill>
         <a:effectLst/>
       </p:bgPr>
@@ -10568,47 +10685,300 @@
           <a:chExt cx="0" cy="0"/>
         </a:xfrm>
       </p:grpSpPr>
-      <p:sp>
-        <p:nvSpPr>
-          <p:cNvPr id="2" name="Title 1">
+      <p:sp useBgFill="1">
+        <p:nvSpPr>
+          <p:cNvPr id="26" name="Rectangle 25">
             <a:extLst>
               <a:ext uri="{FF2B5EF4-FFF2-40B4-BE49-F238E27FC236}">
-                <a16:creationId xmlns:a16="http://schemas.microsoft.com/office/drawing/2014/main" id="{EAD0BA92-C83A-8A36-F74D-C99D4245A455}"/>
+                <a16:creationId xmlns:a16="http://schemas.microsoft.com/office/drawing/2014/main" id="{F1E0D4A3-ECB8-4689-ABDB-9CE848CE83B9}"/>
+              </a:ext>
+              <a:ext uri="{C183D7F6-B498-43B3-948B-1728B52AA6E4}">
+                <adec:decorative xmlns:adec="http://schemas.microsoft.com/office/drawing/2017/decorative" val="1"/>
               </a:ext>
             </a:extLst>
           </p:cNvPr>
           <p:cNvSpPr>
-            <a:spLocks noGrp="1"/>
+            <a:spLocks noGrp="1" noRot="1" noChangeAspect="1" noMove="1" noResize="1" noEditPoints="1" noAdjustHandles="1" noChangeArrowheads="1" noChangeShapeType="1" noTextEdit="1"/>
           </p:cNvSpPr>
           <p:nvPr>
-            <p:ph type="title"/>
+            <p:extLst>
+              <p:ext uri="{386F3935-93C4-4BCD-93E2-E3B085C9AB24}">
+                <p16:designElem xmlns:p16="http://schemas.microsoft.com/office/powerpoint/2015/main" val="1"/>
+              </p:ext>
+            </p:extLst>
           </p:nvPr>
         </p:nvSpPr>
         <p:spPr>
           <a:xfrm>
-            <a:off x="1017782" y="245806"/>
-            <a:ext cx="10156435" cy="1076324"/>
-          </a:xfrm>
-        </p:spPr>
-        <p:txBody>
-          <a:bodyPr vert="horz" lIns="91440" tIns="45720" rIns="91440" bIns="45720" rtlCol="0" anchor="b">
-            <a:normAutofit/>
+            <a:off x="0" y="0"/>
+            <a:ext cx="12192000" cy="6858000"/>
+          </a:xfrm>
+          <a:prstGeom prst="rect">
+            <a:avLst/>
+          </a:prstGeom>
+          <a:ln>
+            <a:noFill/>
+          </a:ln>
+        </p:spPr>
+        <p:style>
+          <a:lnRef idx="2">
+            <a:schemeClr val="accent1">
+              <a:shade val="50000"/>
+            </a:schemeClr>
+          </a:lnRef>
+          <a:fillRef idx="1">
+            <a:schemeClr val="accent1"/>
+          </a:fillRef>
+          <a:effectRef idx="0">
+            <a:schemeClr val="accent1"/>
+          </a:effectRef>
+          <a:fontRef idx="minor">
+            <a:schemeClr val="lt1"/>
+          </a:fontRef>
+        </p:style>
+        <p:txBody>
+          <a:bodyPr rtlCol="0" anchor="ctr"/>
+          <a:lstStyle/>
+          <a:p>
+            <a:pPr algn="ctr"/>
+            <a:endParaRPr lang="en-US"/>
+          </a:p>
+        </p:txBody>
+      </p:sp>
+      <p:sp>
+        <p:nvSpPr>
+          <p:cNvPr id="31" name="Freeform: Shape 30">
+            <a:extLst>
+              <a:ext uri="{FF2B5EF4-FFF2-40B4-BE49-F238E27FC236}">
+                <a16:creationId xmlns:a16="http://schemas.microsoft.com/office/drawing/2014/main" id="{8854772B-9C8F-4037-89E0-3A45208AB395}"/>
+              </a:ext>
+              <a:ext uri="{C183D7F6-B498-43B3-948B-1728B52AA6E4}">
+                <adec:decorative xmlns:adec="http://schemas.microsoft.com/office/drawing/2017/decorative" val="1"/>
+              </a:ext>
+            </a:extLst>
+          </p:cNvPr>
+          <p:cNvSpPr>
+            <a:spLocks noGrp="1" noRot="1" noChangeAspect="1" noMove="1" noResize="1" noEditPoints="1" noAdjustHandles="1" noChangeArrowheads="1" noChangeShapeType="1" noTextEdit="1"/>
+          </p:cNvSpPr>
+          <p:nvPr>
+            <p:extLst>
+              <p:ext uri="{386F3935-93C4-4BCD-93E2-E3B085C9AB24}">
+                <p16:designElem xmlns:p16="http://schemas.microsoft.com/office/powerpoint/2015/main" val="1"/>
+              </p:ext>
+            </p:extLst>
+          </p:nvPr>
+        </p:nvSpPr>
+        <p:spPr>
+          <a:xfrm>
+            <a:off x="637093" y="1576408"/>
+            <a:ext cx="10917814" cy="4638125"/>
+          </a:xfrm>
+          <a:custGeom>
+            <a:avLst/>
+            <a:gdLst>
+              <a:gd name="connsiteX0" fmla="*/ 5441025 w 10917814"/>
+              <a:gd name="connsiteY0" fmla="*/ 0 h 4638125"/>
+              <a:gd name="connsiteX1" fmla="*/ 5453725 w 10917814"/>
+              <a:gd name="connsiteY1" fmla="*/ 0 h 4638125"/>
+              <a:gd name="connsiteX2" fmla="*/ 5464308 w 10917814"/>
+              <a:gd name="connsiteY2" fmla="*/ 0 h 4638125"/>
+              <a:gd name="connsiteX3" fmla="*/ 5477009 w 10917814"/>
+              <a:gd name="connsiteY3" fmla="*/ 4762 h 4638125"/>
+              <a:gd name="connsiteX4" fmla="*/ 5489708 w 10917814"/>
+              <a:gd name="connsiteY4" fmla="*/ 9525 h 4638125"/>
+              <a:gd name="connsiteX5" fmla="*/ 5498175 w 10917814"/>
+              <a:gd name="connsiteY5" fmla="*/ 12700 h 4638125"/>
+              <a:gd name="connsiteX6" fmla="*/ 5865801 w 10917814"/>
+              <a:gd name="connsiteY6" fmla="*/ 288419 h 4638125"/>
+              <a:gd name="connsiteX7" fmla="*/ 10765009 w 10917814"/>
+              <a:gd name="connsiteY7" fmla="*/ 288419 h 4638125"/>
+              <a:gd name="connsiteX8" fmla="*/ 10917814 w 10917814"/>
+              <a:gd name="connsiteY8" fmla="*/ 441224 h 4638125"/>
+              <a:gd name="connsiteX9" fmla="*/ 10917814 w 10917814"/>
+              <a:gd name="connsiteY9" fmla="*/ 4485320 h 4638125"/>
+              <a:gd name="connsiteX10" fmla="*/ 10765009 w 10917814"/>
+              <a:gd name="connsiteY10" fmla="*/ 4638125 h 4638125"/>
+              <a:gd name="connsiteX11" fmla="*/ 152805 w 10917814"/>
+              <a:gd name="connsiteY11" fmla="*/ 4638125 h 4638125"/>
+              <a:gd name="connsiteX12" fmla="*/ 0 w 10917814"/>
+              <a:gd name="connsiteY12" fmla="*/ 4485320 h 4638125"/>
+              <a:gd name="connsiteX13" fmla="*/ 0 w 10917814"/>
+              <a:gd name="connsiteY13" fmla="*/ 441224 h 4638125"/>
+              <a:gd name="connsiteX14" fmla="*/ 152805 w 10917814"/>
+              <a:gd name="connsiteY14" fmla="*/ 288419 h 4638125"/>
+              <a:gd name="connsiteX15" fmla="*/ 5041650 w 10917814"/>
+              <a:gd name="connsiteY15" fmla="*/ 288419 h 4638125"/>
+              <a:gd name="connsiteX16" fmla="*/ 5409275 w 10917814"/>
+              <a:gd name="connsiteY16" fmla="*/ 12700 h 4638125"/>
+              <a:gd name="connsiteX17" fmla="*/ 5417742 w 10917814"/>
+              <a:gd name="connsiteY17" fmla="*/ 9525 h 4638125"/>
+              <a:gd name="connsiteX18" fmla="*/ 5430442 w 10917814"/>
+              <a:gd name="connsiteY18" fmla="*/ 4762 h 4638125"/>
+            </a:gdLst>
+            <a:ahLst/>
+            <a:cxnLst>
+              <a:cxn ang="0">
+                <a:pos x="connsiteX0" y="connsiteY0"/>
+              </a:cxn>
+              <a:cxn ang="0">
+                <a:pos x="connsiteX1" y="connsiteY1"/>
+              </a:cxn>
+              <a:cxn ang="0">
+                <a:pos x="connsiteX2" y="connsiteY2"/>
+              </a:cxn>
+              <a:cxn ang="0">
+                <a:pos x="connsiteX3" y="connsiteY3"/>
+              </a:cxn>
+              <a:cxn ang="0">
+                <a:pos x="connsiteX4" y="connsiteY4"/>
+              </a:cxn>
+              <a:cxn ang="0">
+                <a:pos x="connsiteX5" y="connsiteY5"/>
+              </a:cxn>
+              <a:cxn ang="0">
+                <a:pos x="connsiteX6" y="connsiteY6"/>
+              </a:cxn>
+              <a:cxn ang="0">
+                <a:pos x="connsiteX7" y="connsiteY7"/>
+              </a:cxn>
+              <a:cxn ang="0">
+                <a:pos x="connsiteX8" y="connsiteY8"/>
+              </a:cxn>
+              <a:cxn ang="0">
+                <a:pos x="connsiteX9" y="connsiteY9"/>
+              </a:cxn>
+              <a:cxn ang="0">
+                <a:pos x="connsiteX10" y="connsiteY10"/>
+              </a:cxn>
+              <a:cxn ang="0">
+                <a:pos x="connsiteX11" y="connsiteY11"/>
+              </a:cxn>
+              <a:cxn ang="0">
+                <a:pos x="connsiteX12" y="connsiteY12"/>
+              </a:cxn>
+              <a:cxn ang="0">
+                <a:pos x="connsiteX13" y="connsiteY13"/>
+              </a:cxn>
+              <a:cxn ang="0">
+                <a:pos x="connsiteX14" y="connsiteY14"/>
+              </a:cxn>
+              <a:cxn ang="0">
+                <a:pos x="connsiteX15" y="connsiteY15"/>
+              </a:cxn>
+              <a:cxn ang="0">
+                <a:pos x="connsiteX16" y="connsiteY16"/>
+              </a:cxn>
+              <a:cxn ang="0">
+                <a:pos x="connsiteX17" y="connsiteY17"/>
+              </a:cxn>
+              <a:cxn ang="0">
+                <a:pos x="connsiteX18" y="connsiteY18"/>
+              </a:cxn>
+            </a:cxnLst>
+            <a:rect l="l" t="t" r="r" b="b"/>
+            <a:pathLst>
+              <a:path w="10917814" h="4638125">
+                <a:moveTo>
+                  <a:pt x="5441025" y="0"/>
+                </a:moveTo>
+                <a:lnTo>
+                  <a:pt x="5453725" y="0"/>
+                </a:lnTo>
+                <a:lnTo>
+                  <a:pt x="5464308" y="0"/>
+                </a:lnTo>
+                <a:lnTo>
+                  <a:pt x="5477009" y="4762"/>
+                </a:lnTo>
+                <a:lnTo>
+                  <a:pt x="5489708" y="9525"/>
+                </a:lnTo>
+                <a:lnTo>
+                  <a:pt x="5498175" y="12700"/>
+                </a:lnTo>
+                <a:lnTo>
+                  <a:pt x="5865801" y="288419"/>
+                </a:lnTo>
+                <a:lnTo>
+                  <a:pt x="10765009" y="288419"/>
+                </a:lnTo>
+                <a:cubicBezTo>
+                  <a:pt x="10849401" y="288419"/>
+                  <a:pt x="10917814" y="356832"/>
+                  <a:pt x="10917814" y="441224"/>
+                </a:cubicBezTo>
+                <a:lnTo>
+                  <a:pt x="10917814" y="4485320"/>
+                </a:lnTo>
+                <a:cubicBezTo>
+                  <a:pt x="10917814" y="4569712"/>
+                  <a:pt x="10849401" y="4638125"/>
+                  <a:pt x="10765009" y="4638125"/>
+                </a:cubicBezTo>
+                <a:lnTo>
+                  <a:pt x="152805" y="4638125"/>
+                </a:lnTo>
+                <a:cubicBezTo>
+                  <a:pt x="68413" y="4638125"/>
+                  <a:pt x="0" y="4569712"/>
+                  <a:pt x="0" y="4485320"/>
+                </a:cubicBezTo>
+                <a:lnTo>
+                  <a:pt x="0" y="441224"/>
+                </a:lnTo>
+                <a:cubicBezTo>
+                  <a:pt x="0" y="356832"/>
+                  <a:pt x="68413" y="288419"/>
+                  <a:pt x="152805" y="288419"/>
+                </a:cubicBezTo>
+                <a:lnTo>
+                  <a:pt x="5041650" y="288419"/>
+                </a:lnTo>
+                <a:lnTo>
+                  <a:pt x="5409275" y="12700"/>
+                </a:lnTo>
+                <a:lnTo>
+                  <a:pt x="5417742" y="9525"/>
+                </a:lnTo>
+                <a:lnTo>
+                  <a:pt x="5430442" y="4762"/>
+                </a:lnTo>
+                <a:close/>
+              </a:path>
+            </a:pathLst>
+          </a:custGeom>
+          <a:noFill/>
+          <a:ln w="19050">
+            <a:solidFill>
+              <a:schemeClr val="accent1"/>
+            </a:solidFill>
+          </a:ln>
+          <a:effectLst/>
+        </p:spPr>
+        <p:style>
+          <a:lnRef idx="2">
+            <a:schemeClr val="accent1">
+              <a:shade val="50000"/>
+            </a:schemeClr>
+          </a:lnRef>
+          <a:fillRef idx="1">
+            <a:schemeClr val="accent1"/>
+          </a:fillRef>
+          <a:effectRef idx="0">
+            <a:schemeClr val="accent1"/>
+          </a:effectRef>
+          <a:fontRef idx="minor">
+            <a:schemeClr val="lt1"/>
+          </a:fontRef>
+        </p:style>
+        <p:txBody>
+          <a:bodyPr wrap="square" rtlCol="0" anchor="ctr">
+            <a:noAutofit/>
           </a:bodyPr>
           <a:lstStyle/>
           <a:p>
-            <a:pPr algn="ctr">
-              <a:lnSpc>
-                <a:spcPct val="85000"/>
-              </a:lnSpc>
-            </a:pPr>
-            <a:r>
-              <a:rPr lang="en-US" sz="5400" dirty="0">
-                <a:solidFill>
-                  <a:srgbClr val="FFFFFF"/>
-                </a:solidFill>
-              </a:rPr>
-              <a:t>Project Architecture</a:t>
-            </a:r>
+            <a:pPr algn="ctr"/>
+            <a:endParaRPr lang="en-US"/>
           </a:p>
         </p:txBody>
       </p:sp>
@@ -10630,82 +11000,330 @@
         </p:nvSpPr>
         <p:spPr>
           <a:xfrm>
-            <a:off x="10678331" y="6269850"/>
+            <a:off x="10678331" y="6181269"/>
             <a:ext cx="1062155" cy="490599"/>
           </a:xfrm>
         </p:spPr>
         <p:txBody>
-          <a:bodyPr vert="horz" lIns="45720" tIns="45720" rIns="45720" bIns="45720" rtlCol="0" anchor="ctr">
+          <a:bodyPr vert="horz" lIns="91440" tIns="45720" rIns="91440" bIns="10800" rtlCol="0" anchor="b">
             <a:normAutofit/>
           </a:bodyPr>
           <a:lstStyle/>
           <a:p>
             <a:pPr>
-              <a:lnSpc>
-                <a:spcPct val="90000"/>
-              </a:lnSpc>
               <a:spcAft>
                 <a:spcPts val="600"/>
               </a:spcAft>
             </a:pPr>
             <a:fld id="{19590046-DA73-4BBF-84B5-C08E6F75191A}" type="slidenum">
-              <a:rPr lang="en-US">
+              <a:rPr lang="en-US" kern="1200" dirty="0">
                 <a:solidFill>
-                  <a:srgbClr val="A6A6A6"/>
+                  <a:schemeClr val="accent1"/>
                 </a:solidFill>
+                <a:latin typeface="+mn-lt"/>
+                <a:ea typeface="+mn-ea"/>
+                <a:cs typeface="+mn-cs"/>
               </a:rPr>
               <a:pPr>
-                <a:lnSpc>
-                  <a:spcPct val="90000"/>
-                </a:lnSpc>
                 <a:spcAft>
                   <a:spcPts val="600"/>
                 </a:spcAft>
               </a:pPr>
               <a:t>2</a:t>
             </a:fld>
-            <a:endParaRPr lang="en-US" dirty="0">
+            <a:endParaRPr lang="en-US" kern="1200" dirty="0">
               <a:solidFill>
-                <a:srgbClr val="A6A6A6"/>
+                <a:schemeClr val="accent1"/>
               </a:solidFill>
+              <a:latin typeface="+mn-lt"/>
+              <a:ea typeface="+mn-ea"/>
+              <a:cs typeface="+mn-cs"/>
             </a:endParaRPr>
           </a:p>
         </p:txBody>
       </p:sp>
-      <p:pic>
-        <p:nvPicPr>
-          <p:cNvPr id="4" name="Picture 3">
+      <p:sp>
+        <p:nvSpPr>
+          <p:cNvPr id="7" name="TextBox 6">
             <a:extLst>
               <a:ext uri="{FF2B5EF4-FFF2-40B4-BE49-F238E27FC236}">
-                <a16:creationId xmlns:a16="http://schemas.microsoft.com/office/drawing/2014/main" id="{E6C0B304-47B7-E320-F7DA-31A24D3327E9}"/>
+                <a16:creationId xmlns:a16="http://schemas.microsoft.com/office/drawing/2014/main" id="{8E40A421-BC5F-518D-F7D5-FA05A2798FD5}"/>
               </a:ext>
             </a:extLst>
           </p:cNvPr>
-          <p:cNvPicPr>
-            <a:picLocks noChangeAspect="1"/>
-          </p:cNvPicPr>
+          <p:cNvSpPr txBox="1"/>
           <p:nvPr/>
-        </p:nvPicPr>
-        <p:blipFill>
-          <a:blip r:embed="rId2"/>
-          <a:stretch>
-            <a:fillRect/>
-          </a:stretch>
-        </p:blipFill>
+        </p:nvSpPr>
         <p:spPr>
           <a:xfrm>
-            <a:off x="2703871" y="2225149"/>
-            <a:ext cx="6816277" cy="4357549"/>
+            <a:off x="3258653" y="3526971"/>
+            <a:ext cx="5706533" cy="2086429"/>
           </a:xfrm>
           <a:prstGeom prst="rect">
             <a:avLst/>
           </a:prstGeom>
         </p:spPr>
-      </p:pic>
+        <p:txBody>
+          <a:bodyPr vert="horz" lIns="91440" tIns="45720" rIns="91440" bIns="45720" rtlCol="0" anchor="ctr">
+            <a:normAutofit/>
+          </a:bodyPr>
+          <a:lstStyle/>
+          <a:p>
+            <a:pPr marL="0" marR="0">
+              <a:spcBef>
+                <a:spcPct val="20000"/>
+              </a:spcBef>
+              <a:spcAft>
+                <a:spcPts val="600"/>
+              </a:spcAft>
+              <a:buClr>
+                <a:schemeClr val="accent1"/>
+              </a:buClr>
+              <a:buFont typeface="Wingdings 2" charset="2"/>
+              <a:buChar char=""/>
+            </a:pPr>
+            <a:endParaRPr lang="en-US" dirty="0">
+              <a:effectLst/>
+            </a:endParaRPr>
+          </a:p>
+        </p:txBody>
+      </p:sp>
+      <p:sp>
+        <p:nvSpPr>
+          <p:cNvPr id="22" name="TextBox 21">
+            <a:extLst>
+              <a:ext uri="{FF2B5EF4-FFF2-40B4-BE49-F238E27FC236}">
+                <a16:creationId xmlns:a16="http://schemas.microsoft.com/office/drawing/2014/main" id="{02EAE0CD-CB8A-37BD-106F-97043FADDED1}"/>
+              </a:ext>
+            </a:extLst>
+          </p:cNvPr>
+          <p:cNvSpPr txBox="1"/>
+          <p:nvPr/>
+        </p:nvSpPr>
+        <p:spPr>
+          <a:xfrm>
+            <a:off x="3366680" y="2863292"/>
+            <a:ext cx="6609735" cy="395173"/>
+          </a:xfrm>
+          <a:prstGeom prst="rect">
+            <a:avLst/>
+          </a:prstGeom>
+          <a:noFill/>
+        </p:spPr>
+        <p:txBody>
+          <a:bodyPr wrap="square">
+            <a:spAutoFit/>
+          </a:bodyPr>
+          <a:lstStyle/>
+          <a:p>
+            <a:pPr marL="0" marR="0">
+              <a:lnSpc>
+                <a:spcPct val="115000"/>
+              </a:lnSpc>
+              <a:spcBef>
+                <a:spcPts val="0"/>
+              </a:spcBef>
+              <a:spcAft>
+                <a:spcPts val="800"/>
+              </a:spcAft>
+            </a:pPr>
+            <a:r>
+              <a:rPr lang="en-US" sz="1800" kern="100" dirty="0">
+                <a:effectLst/>
+                <a:latin typeface="Aptos" panose="020B0004020202020204" pitchFamily="34" charset="0"/>
+                <a:ea typeface="Yu Gothic" panose="020B0400000000000000" pitchFamily="34" charset="-128"/>
+                <a:cs typeface="Times New Roman" panose="02020603050405020304" pitchFamily="18" charset="0"/>
+              </a:rPr>
+              <a:t>https://github.com/butbuiapp/data-analysis/tree/main</a:t>
+            </a:r>
+            <a:endParaRPr lang="en-US" sz="1600" kern="100" dirty="0">
+              <a:effectLst/>
+              <a:latin typeface="Aptos" panose="020B0004020202020204" pitchFamily="34" charset="0"/>
+              <a:ea typeface="Yu Gothic" panose="020B0400000000000000" pitchFamily="34" charset="-128"/>
+              <a:cs typeface="Times New Roman" panose="02020603050405020304" pitchFamily="18" charset="0"/>
+            </a:endParaRPr>
+          </a:p>
+        </p:txBody>
+      </p:sp>
+      <p:sp>
+        <p:nvSpPr>
+          <p:cNvPr id="23" name="TextBox 22">
+            <a:extLst>
+              <a:ext uri="{FF2B5EF4-FFF2-40B4-BE49-F238E27FC236}">
+                <a16:creationId xmlns:a16="http://schemas.microsoft.com/office/drawing/2014/main" id="{248A94D5-6841-ED57-3D44-26E43AE8312A}"/>
+              </a:ext>
+            </a:extLst>
+          </p:cNvPr>
+          <p:cNvSpPr txBox="1"/>
+          <p:nvPr/>
+        </p:nvSpPr>
+        <p:spPr>
+          <a:xfrm>
+            <a:off x="2942083" y="2469648"/>
+            <a:ext cx="6101442" cy="369332"/>
+          </a:xfrm>
+          <a:prstGeom prst="rect">
+            <a:avLst/>
+          </a:prstGeom>
+          <a:noFill/>
+        </p:spPr>
+        <p:txBody>
+          <a:bodyPr wrap="square">
+            <a:spAutoFit/>
+          </a:bodyPr>
+          <a:lstStyle/>
+          <a:p>
+            <a:pPr marL="0" marR="0">
+              <a:spcBef>
+                <a:spcPct val="20000"/>
+              </a:spcBef>
+              <a:spcAft>
+                <a:spcPts val="600"/>
+              </a:spcAft>
+              <a:buClr>
+                <a:schemeClr val="accent1"/>
+              </a:buClr>
+              <a:buFont typeface="Wingdings 2" charset="2"/>
+              <a:buChar char=""/>
+            </a:pPr>
+            <a:r>
+              <a:rPr lang="en-US" b="1" dirty="0">
+                <a:solidFill>
+                  <a:srgbClr val="FF0000"/>
+                </a:solidFill>
+              </a:rPr>
+              <a:t> GitHub</a:t>
+            </a:r>
+            <a:r>
+              <a:rPr lang="en-US" b="1" dirty="0"/>
+              <a:t> </a:t>
+            </a:r>
+            <a:endParaRPr lang="en-US" dirty="0">
+              <a:effectLst/>
+            </a:endParaRPr>
+          </a:p>
+        </p:txBody>
+      </p:sp>
+      <p:sp>
+        <p:nvSpPr>
+          <p:cNvPr id="24" name="TextBox 23">
+            <a:extLst>
+              <a:ext uri="{FF2B5EF4-FFF2-40B4-BE49-F238E27FC236}">
+                <a16:creationId xmlns:a16="http://schemas.microsoft.com/office/drawing/2014/main" id="{58F0345D-1617-3859-D521-55C6A829A970}"/>
+              </a:ext>
+            </a:extLst>
+          </p:cNvPr>
+          <p:cNvSpPr txBox="1"/>
+          <p:nvPr/>
+        </p:nvSpPr>
+        <p:spPr>
+          <a:xfrm>
+            <a:off x="3366680" y="3917865"/>
+            <a:ext cx="5452855" cy="1350819"/>
+          </a:xfrm>
+          <a:prstGeom prst="rect">
+            <a:avLst/>
+          </a:prstGeom>
+          <a:noFill/>
+        </p:spPr>
+        <p:txBody>
+          <a:bodyPr wrap="square">
+            <a:spAutoFit/>
+          </a:bodyPr>
+          <a:lstStyle/>
+          <a:p>
+            <a:pPr marL="0" marR="0">
+              <a:lnSpc>
+                <a:spcPct val="115000"/>
+              </a:lnSpc>
+              <a:spcBef>
+                <a:spcPts val="0"/>
+              </a:spcBef>
+              <a:spcAft>
+                <a:spcPts val="800"/>
+              </a:spcAft>
+            </a:pPr>
+            <a:r>
+              <a:rPr lang="en-US" sz="1800" kern="100" dirty="0">
+                <a:effectLst/>
+                <a:latin typeface="Aptos" panose="020B0004020202020204" pitchFamily="34" charset="0"/>
+                <a:ea typeface="Yu Gothic" panose="020B0400000000000000" pitchFamily="34" charset="-128"/>
+                <a:cs typeface="Times New Roman" panose="02020603050405020304" pitchFamily="18" charset="0"/>
+              </a:rPr>
+              <a:t>https://mum0-my.sharepoint.com/:v:/r/personal/honghuan_nguyen_miu_edu/Documents/Microsoft%20Teams%20Chat%20Files/BDT.mp4?csf=1&amp;web=1&amp;e=97UFnI</a:t>
+            </a:r>
+            <a:endParaRPr lang="en-US" sz="1600" kern="100" dirty="0">
+              <a:effectLst/>
+              <a:latin typeface="Aptos" panose="020B0004020202020204" pitchFamily="34" charset="0"/>
+              <a:ea typeface="Yu Gothic" panose="020B0400000000000000" pitchFamily="34" charset="-128"/>
+              <a:cs typeface="Times New Roman" panose="02020603050405020304" pitchFamily="18" charset="0"/>
+            </a:endParaRPr>
+          </a:p>
+        </p:txBody>
+      </p:sp>
+      <p:sp>
+        <p:nvSpPr>
+          <p:cNvPr id="25" name="TextBox 24">
+            <a:extLst>
+              <a:ext uri="{FF2B5EF4-FFF2-40B4-BE49-F238E27FC236}">
+                <a16:creationId xmlns:a16="http://schemas.microsoft.com/office/drawing/2014/main" id="{A44A0704-392E-AD50-8A61-E4525690375D}"/>
+              </a:ext>
+            </a:extLst>
+          </p:cNvPr>
+          <p:cNvSpPr txBox="1"/>
+          <p:nvPr/>
+        </p:nvSpPr>
+        <p:spPr>
+          <a:xfrm>
+            <a:off x="2942083" y="3484893"/>
+            <a:ext cx="6101442" cy="369332"/>
+          </a:xfrm>
+          <a:prstGeom prst="rect">
+            <a:avLst/>
+          </a:prstGeom>
+          <a:noFill/>
+        </p:spPr>
+        <p:txBody>
+          <a:bodyPr wrap="square">
+            <a:spAutoFit/>
+          </a:bodyPr>
+          <a:lstStyle/>
+          <a:p>
+            <a:pPr marL="0" marR="0">
+              <a:spcBef>
+                <a:spcPct val="20000"/>
+              </a:spcBef>
+              <a:spcAft>
+                <a:spcPts val="600"/>
+              </a:spcAft>
+              <a:buClr>
+                <a:schemeClr val="accent1"/>
+              </a:buClr>
+              <a:buFont typeface="Wingdings 2" charset="2"/>
+              <a:buChar char=""/>
+            </a:pPr>
+            <a:r>
+              <a:rPr lang="en-US" b="1" dirty="0">
+                <a:solidFill>
+                  <a:srgbClr val="FF0000"/>
+                </a:solidFill>
+              </a:rPr>
+              <a:t> Recording</a:t>
+            </a:r>
+            <a:r>
+              <a:rPr lang="en-US" b="1" dirty="0"/>
+              <a:t> </a:t>
+            </a:r>
+            <a:endParaRPr lang="en-US" dirty="0">
+              <a:effectLst/>
+            </a:endParaRPr>
+          </a:p>
+        </p:txBody>
+      </p:sp>
     </p:spTree>
     <p:extLst>
       <p:ext uri="{BB962C8B-B14F-4D97-AF65-F5344CB8AC3E}">
-        <p14:creationId xmlns:p14="http://schemas.microsoft.com/office/powerpoint/2010/main" val="119458626"/>
+        <p14:creationId xmlns:p14="http://schemas.microsoft.com/office/powerpoint/2010/main" val="2640203222"/>
       </p:ext>
     </p:extLst>
   </p:cSld>
@@ -10860,7 +11478,7 @@
         <p:spPr>
           <a:xfrm>
             <a:off x="267928" y="3085176"/>
-            <a:ext cx="3803329" cy="713722"/>
+            <a:ext cx="3803329" cy="1032270"/>
           </a:xfrm>
           <a:prstGeom prst="rect">
             <a:avLst/>
@@ -10891,7 +11509,7 @@
                 <a:ea typeface="Yu Gothic" panose="020B0400000000000000" pitchFamily="34" charset="-128"/>
                 <a:cs typeface="Times New Roman" panose="02020603050405020304" pitchFamily="18" charset="0"/>
               </a:rPr>
-              <a:t>Use Custom SQL Query to get data from Hive</a:t>
+              <a:t>Open Tableau Desktop and connect to Hive via Cloudera Hadoop connector</a:t>
             </a:r>
             <a:endParaRPr lang="en-US" sz="1600" kern="100" dirty="0">
               <a:effectLst/>
@@ -10907,7 +11525,7 @@
           <p:cNvPr id="4" name="Picture 3">
             <a:extLst>
               <a:ext uri="{FF2B5EF4-FFF2-40B4-BE49-F238E27FC236}">
-                <a16:creationId xmlns:a16="http://schemas.microsoft.com/office/drawing/2014/main" id="{621EE608-007F-4C49-8FF5-73FDD6599AE6}"/>
+                <a16:creationId xmlns:a16="http://schemas.microsoft.com/office/drawing/2014/main" id="{C6CB3285-3563-5980-5DDD-51F65E1A683A}"/>
               </a:ext>
             </a:extLst>
           </p:cNvPr>
@@ -10924,8 +11542,8 @@
         </p:blipFill>
         <p:spPr>
           <a:xfrm>
-            <a:off x="4467103" y="2172928"/>
-            <a:ext cx="6417207" cy="4452098"/>
+            <a:off x="4678588" y="2066052"/>
+            <a:ext cx="6476063" cy="4449097"/>
           </a:xfrm>
           <a:prstGeom prst="rect">
             <a:avLst/>
@@ -10935,7 +11553,7 @@
     </p:spTree>
     <p:extLst>
       <p:ext uri="{BB962C8B-B14F-4D97-AF65-F5344CB8AC3E}">
-        <p14:creationId xmlns:p14="http://schemas.microsoft.com/office/powerpoint/2010/main" val="1510097289"/>
+        <p14:creationId xmlns:p14="http://schemas.microsoft.com/office/powerpoint/2010/main" val="2127959357"/>
       </p:ext>
     </p:extLst>
   </p:cSld>
@@ -11075,6 +11693,236 @@
           </a:p>
         </p:txBody>
       </p:sp>
+      <p:sp>
+        <p:nvSpPr>
+          <p:cNvPr id="8" name="TextBox 7">
+            <a:extLst>
+              <a:ext uri="{FF2B5EF4-FFF2-40B4-BE49-F238E27FC236}">
+                <a16:creationId xmlns:a16="http://schemas.microsoft.com/office/drawing/2014/main" id="{4E8F0868-B89B-8564-2AD3-3E119C9215D9}"/>
+              </a:ext>
+            </a:extLst>
+          </p:cNvPr>
+          <p:cNvSpPr txBox="1"/>
+          <p:nvPr/>
+        </p:nvSpPr>
+        <p:spPr>
+          <a:xfrm>
+            <a:off x="267928" y="3085176"/>
+            <a:ext cx="3803329" cy="713722"/>
+          </a:xfrm>
+          <a:prstGeom prst="rect">
+            <a:avLst/>
+          </a:prstGeom>
+          <a:noFill/>
+        </p:spPr>
+        <p:txBody>
+          <a:bodyPr wrap="square">
+            <a:spAutoFit/>
+          </a:bodyPr>
+          <a:lstStyle/>
+          <a:p>
+            <a:pPr marL="0" marR="0">
+              <a:lnSpc>
+                <a:spcPct val="115000"/>
+              </a:lnSpc>
+              <a:spcBef>
+                <a:spcPts val="0"/>
+              </a:spcBef>
+              <a:spcAft>
+                <a:spcPts val="800"/>
+              </a:spcAft>
+            </a:pPr>
+            <a:r>
+              <a:rPr lang="en-US" sz="1800" kern="100" dirty="0">
+                <a:effectLst/>
+                <a:latin typeface="Aptos" panose="020B0004020202020204" pitchFamily="34" charset="0"/>
+                <a:ea typeface="Yu Gothic" panose="020B0400000000000000" pitchFamily="34" charset="-128"/>
+                <a:cs typeface="Times New Roman" panose="02020603050405020304" pitchFamily="18" charset="0"/>
+              </a:rPr>
+              <a:t>Use Custom SQL Query to get data from Hive</a:t>
+            </a:r>
+            <a:endParaRPr lang="en-US" sz="1600" kern="100" dirty="0">
+              <a:effectLst/>
+              <a:latin typeface="Aptos" panose="020B0004020202020204" pitchFamily="34" charset="0"/>
+              <a:ea typeface="Yu Gothic" panose="020B0400000000000000" pitchFamily="34" charset="-128"/>
+              <a:cs typeface="Times New Roman" panose="02020603050405020304" pitchFamily="18" charset="0"/>
+            </a:endParaRPr>
+          </a:p>
+        </p:txBody>
+      </p:sp>
+      <p:pic>
+        <p:nvPicPr>
+          <p:cNvPr id="4" name="Picture 3">
+            <a:extLst>
+              <a:ext uri="{FF2B5EF4-FFF2-40B4-BE49-F238E27FC236}">
+                <a16:creationId xmlns:a16="http://schemas.microsoft.com/office/drawing/2014/main" id="{621EE608-007F-4C49-8FF5-73FDD6599AE6}"/>
+              </a:ext>
+            </a:extLst>
+          </p:cNvPr>
+          <p:cNvPicPr>
+            <a:picLocks noChangeAspect="1"/>
+          </p:cNvPicPr>
+          <p:nvPr/>
+        </p:nvPicPr>
+        <p:blipFill>
+          <a:blip r:embed="rId2"/>
+          <a:stretch>
+            <a:fillRect/>
+          </a:stretch>
+        </p:blipFill>
+        <p:spPr>
+          <a:xfrm>
+            <a:off x="4467103" y="2172928"/>
+            <a:ext cx="6417207" cy="4452098"/>
+          </a:xfrm>
+          <a:prstGeom prst="rect">
+            <a:avLst/>
+          </a:prstGeom>
+        </p:spPr>
+      </p:pic>
+    </p:spTree>
+    <p:extLst>
+      <p:ext uri="{BB962C8B-B14F-4D97-AF65-F5344CB8AC3E}">
+        <p14:creationId xmlns:p14="http://schemas.microsoft.com/office/powerpoint/2010/main" val="1510097289"/>
+      </p:ext>
+    </p:extLst>
+  </p:cSld>
+  <p:clrMapOvr>
+    <a:masterClrMapping/>
+  </p:clrMapOvr>
+</p:sld>
+</file>
+
+<file path=ppt/slides/slide22.xml><?xml version="1.0" encoding="utf-8"?>
+<p:sld xmlns:a="http://schemas.openxmlformats.org/drawingml/2006/main" xmlns:r="http://schemas.openxmlformats.org/officeDocument/2006/relationships" xmlns:p="http://schemas.openxmlformats.org/presentationml/2006/main">
+  <p:cSld>
+    <p:bg>
+      <p:bgPr>
+        <a:solidFill>
+          <a:schemeClr val="bg1"/>
+        </a:solidFill>
+        <a:effectLst/>
+      </p:bgPr>
+    </p:bg>
+    <p:spTree>
+      <p:nvGrpSpPr>
+        <p:cNvPr id="1" name=""/>
+        <p:cNvGrpSpPr/>
+        <p:nvPr/>
+      </p:nvGrpSpPr>
+      <p:grpSpPr>
+        <a:xfrm>
+          <a:off x="0" y="0"/>
+          <a:ext cx="0" cy="0"/>
+          <a:chOff x="0" y="0"/>
+          <a:chExt cx="0" cy="0"/>
+        </a:xfrm>
+      </p:grpSpPr>
+      <p:sp>
+        <p:nvSpPr>
+          <p:cNvPr id="2" name="Title 1">
+            <a:extLst>
+              <a:ext uri="{FF2B5EF4-FFF2-40B4-BE49-F238E27FC236}">
+                <a16:creationId xmlns:a16="http://schemas.microsoft.com/office/drawing/2014/main" id="{EAD0BA92-C83A-8A36-F74D-C99D4245A455}"/>
+              </a:ext>
+            </a:extLst>
+          </p:cNvPr>
+          <p:cNvSpPr>
+            <a:spLocks noGrp="1"/>
+          </p:cNvSpPr>
+          <p:nvPr>
+            <p:ph type="title"/>
+          </p:nvPr>
+        </p:nvSpPr>
+        <p:spPr>
+          <a:xfrm>
+            <a:off x="1017782" y="245806"/>
+            <a:ext cx="10156435" cy="1032388"/>
+          </a:xfrm>
+        </p:spPr>
+        <p:txBody>
+          <a:bodyPr vert="horz" lIns="91440" tIns="45720" rIns="91440" bIns="45720" rtlCol="0" anchor="b">
+            <a:normAutofit/>
+          </a:bodyPr>
+          <a:lstStyle/>
+          <a:p>
+            <a:pPr algn="ctr">
+              <a:lnSpc>
+                <a:spcPct val="85000"/>
+              </a:lnSpc>
+            </a:pPr>
+            <a:r>
+              <a:rPr lang="en-US" sz="5400" dirty="0"/>
+              <a:t>Visualization Demo</a:t>
+            </a:r>
+            <a:endParaRPr lang="en-US" sz="5400" dirty="0">
+              <a:solidFill>
+                <a:srgbClr val="FFFFFF"/>
+              </a:solidFill>
+            </a:endParaRPr>
+          </a:p>
+        </p:txBody>
+      </p:sp>
+      <p:sp>
+        <p:nvSpPr>
+          <p:cNvPr id="5" name="Slide Number Placeholder 4">
+            <a:extLst>
+              <a:ext uri="{FF2B5EF4-FFF2-40B4-BE49-F238E27FC236}">
+                <a16:creationId xmlns:a16="http://schemas.microsoft.com/office/drawing/2014/main" id="{1986690E-B03F-399C-BF9D-84D455770F00}"/>
+              </a:ext>
+            </a:extLst>
+          </p:cNvPr>
+          <p:cNvSpPr>
+            <a:spLocks noGrp="1"/>
+          </p:cNvSpPr>
+          <p:nvPr>
+            <p:ph type="sldNum" sz="quarter" idx="12"/>
+          </p:nvPr>
+        </p:nvSpPr>
+        <p:spPr>
+          <a:xfrm>
+            <a:off x="10678331" y="6269850"/>
+            <a:ext cx="1062155" cy="490599"/>
+          </a:xfrm>
+        </p:spPr>
+        <p:txBody>
+          <a:bodyPr vert="horz" lIns="45720" tIns="45720" rIns="45720" bIns="45720" rtlCol="0" anchor="ctr">
+            <a:normAutofit/>
+          </a:bodyPr>
+          <a:lstStyle/>
+          <a:p>
+            <a:pPr>
+              <a:lnSpc>
+                <a:spcPct val="90000"/>
+              </a:lnSpc>
+              <a:spcAft>
+                <a:spcPts val="600"/>
+              </a:spcAft>
+            </a:pPr>
+            <a:fld id="{19590046-DA73-4BBF-84B5-C08E6F75191A}" type="slidenum">
+              <a:rPr lang="en-US">
+                <a:solidFill>
+                  <a:srgbClr val="A6A6A6"/>
+                </a:solidFill>
+              </a:rPr>
+              <a:pPr>
+                <a:lnSpc>
+                  <a:spcPct val="90000"/>
+                </a:lnSpc>
+                <a:spcAft>
+                  <a:spcPts val="600"/>
+                </a:spcAft>
+              </a:pPr>
+              <a:t>22</a:t>
+            </a:fld>
+            <a:endParaRPr lang="en-US" dirty="0">
+              <a:solidFill>
+                <a:srgbClr val="A6A6A6"/>
+              </a:solidFill>
+            </a:endParaRPr>
+          </a:p>
+        </p:txBody>
+      </p:sp>
       <p:pic>
         <p:nvPicPr>
           <p:cNvPr id="4" name="Picture 3">
@@ -11175,7 +12023,7 @@
 </p:sld>
 </file>
 
-<file path=ppt/slides/slide22.xml><?xml version="1.0" encoding="utf-8"?>
+<file path=ppt/slides/slide23.xml><?xml version="1.0" encoding="utf-8"?>
 <p:sld xmlns:a="http://schemas.openxmlformats.org/drawingml/2006/main" xmlns:r="http://schemas.openxmlformats.org/officeDocument/2006/relationships" xmlns:p="http://schemas.openxmlformats.org/presentationml/2006/main">
   <p:cSld>
     <p:bg>
@@ -11555,7 +12403,7 @@
                   <a:spcPts val="600"/>
                 </a:spcAft>
               </a:pPr>
-              <a:t>22</a:t>
+              <a:t>23</a:t>
             </a:fld>
             <a:endParaRPr lang="en-US"/>
           </a:p>
@@ -11796,7 +12644,7 @@
     </p:spTree>
     <p:extLst>
       <p:ext uri="{BB962C8B-B14F-4D97-AF65-F5344CB8AC3E}">
-        <p14:creationId xmlns:p14="http://schemas.microsoft.com/office/powerpoint/2010/main" val="2640203222"/>
+        <p14:creationId xmlns:p14="http://schemas.microsoft.com/office/powerpoint/2010/main" val="1537967538"/>
       </p:ext>
     </p:extLst>
   </p:cSld>
@@ -11870,7 +12718,7 @@
                   <a:srgbClr val="FFFFFF"/>
                 </a:solidFill>
               </a:rPr>
-              <a:t>Technologies used</a:t>
+              <a:t>Project Architecture</a:t>
             </a:r>
           </a:p>
         </p:txBody>
@@ -11926,6 +12774,178 @@
                 </a:spcAft>
               </a:pPr>
               <a:t>3</a:t>
+            </a:fld>
+            <a:endParaRPr lang="en-US" dirty="0">
+              <a:solidFill>
+                <a:srgbClr val="A6A6A6"/>
+              </a:solidFill>
+            </a:endParaRPr>
+          </a:p>
+        </p:txBody>
+      </p:sp>
+      <p:pic>
+        <p:nvPicPr>
+          <p:cNvPr id="4" name="Picture 3">
+            <a:extLst>
+              <a:ext uri="{FF2B5EF4-FFF2-40B4-BE49-F238E27FC236}">
+                <a16:creationId xmlns:a16="http://schemas.microsoft.com/office/drawing/2014/main" id="{E6C0B304-47B7-E320-F7DA-31A24D3327E9}"/>
+              </a:ext>
+            </a:extLst>
+          </p:cNvPr>
+          <p:cNvPicPr>
+            <a:picLocks noChangeAspect="1"/>
+          </p:cNvPicPr>
+          <p:nvPr/>
+        </p:nvPicPr>
+        <p:blipFill>
+          <a:blip r:embed="rId2"/>
+          <a:stretch>
+            <a:fillRect/>
+          </a:stretch>
+        </p:blipFill>
+        <p:spPr>
+          <a:xfrm>
+            <a:off x="2703871" y="2225149"/>
+            <a:ext cx="6816277" cy="4357549"/>
+          </a:xfrm>
+          <a:prstGeom prst="rect">
+            <a:avLst/>
+          </a:prstGeom>
+        </p:spPr>
+      </p:pic>
+    </p:spTree>
+    <p:extLst>
+      <p:ext uri="{BB962C8B-B14F-4D97-AF65-F5344CB8AC3E}">
+        <p14:creationId xmlns:p14="http://schemas.microsoft.com/office/powerpoint/2010/main" val="119458626"/>
+      </p:ext>
+    </p:extLst>
+  </p:cSld>
+  <p:clrMapOvr>
+    <a:masterClrMapping/>
+  </p:clrMapOvr>
+</p:sld>
+</file>
+
+<file path=ppt/slides/slide4.xml><?xml version="1.0" encoding="utf-8"?>
+<p:sld xmlns:a="http://schemas.openxmlformats.org/drawingml/2006/main" xmlns:r="http://schemas.openxmlformats.org/officeDocument/2006/relationships" xmlns:p="http://schemas.openxmlformats.org/presentationml/2006/main">
+  <p:cSld>
+    <p:bg>
+      <p:bgPr>
+        <a:solidFill>
+          <a:schemeClr val="bg1"/>
+        </a:solidFill>
+        <a:effectLst/>
+      </p:bgPr>
+    </p:bg>
+    <p:spTree>
+      <p:nvGrpSpPr>
+        <p:cNvPr id="1" name=""/>
+        <p:cNvGrpSpPr/>
+        <p:nvPr/>
+      </p:nvGrpSpPr>
+      <p:grpSpPr>
+        <a:xfrm>
+          <a:off x="0" y="0"/>
+          <a:ext cx="0" cy="0"/>
+          <a:chOff x="0" y="0"/>
+          <a:chExt cx="0" cy="0"/>
+        </a:xfrm>
+      </p:grpSpPr>
+      <p:sp>
+        <p:nvSpPr>
+          <p:cNvPr id="2" name="Title 1">
+            <a:extLst>
+              <a:ext uri="{FF2B5EF4-FFF2-40B4-BE49-F238E27FC236}">
+                <a16:creationId xmlns:a16="http://schemas.microsoft.com/office/drawing/2014/main" id="{EAD0BA92-C83A-8A36-F74D-C99D4245A455}"/>
+              </a:ext>
+            </a:extLst>
+          </p:cNvPr>
+          <p:cNvSpPr>
+            <a:spLocks noGrp="1"/>
+          </p:cNvSpPr>
+          <p:nvPr>
+            <p:ph type="title"/>
+          </p:nvPr>
+        </p:nvSpPr>
+        <p:spPr>
+          <a:xfrm>
+            <a:off x="1017782" y="245806"/>
+            <a:ext cx="10156435" cy="1076324"/>
+          </a:xfrm>
+        </p:spPr>
+        <p:txBody>
+          <a:bodyPr vert="horz" lIns="91440" tIns="45720" rIns="91440" bIns="45720" rtlCol="0" anchor="b">
+            <a:normAutofit/>
+          </a:bodyPr>
+          <a:lstStyle/>
+          <a:p>
+            <a:pPr algn="ctr">
+              <a:lnSpc>
+                <a:spcPct val="85000"/>
+              </a:lnSpc>
+            </a:pPr>
+            <a:r>
+              <a:rPr lang="en-US" sz="5400" dirty="0">
+                <a:solidFill>
+                  <a:srgbClr val="FFFFFF"/>
+                </a:solidFill>
+              </a:rPr>
+              <a:t>Technologies used</a:t>
+            </a:r>
+          </a:p>
+        </p:txBody>
+      </p:sp>
+      <p:sp>
+        <p:nvSpPr>
+          <p:cNvPr id="5" name="Slide Number Placeholder 4">
+            <a:extLst>
+              <a:ext uri="{FF2B5EF4-FFF2-40B4-BE49-F238E27FC236}">
+                <a16:creationId xmlns:a16="http://schemas.microsoft.com/office/drawing/2014/main" id="{1986690E-B03F-399C-BF9D-84D455770F00}"/>
+              </a:ext>
+            </a:extLst>
+          </p:cNvPr>
+          <p:cNvSpPr>
+            <a:spLocks noGrp="1"/>
+          </p:cNvSpPr>
+          <p:nvPr>
+            <p:ph type="sldNum" sz="quarter" idx="12"/>
+          </p:nvPr>
+        </p:nvSpPr>
+        <p:spPr>
+          <a:xfrm>
+            <a:off x="10678331" y="6269850"/>
+            <a:ext cx="1062155" cy="490599"/>
+          </a:xfrm>
+        </p:spPr>
+        <p:txBody>
+          <a:bodyPr vert="horz" lIns="45720" tIns="45720" rIns="45720" bIns="45720" rtlCol="0" anchor="ctr">
+            <a:normAutofit/>
+          </a:bodyPr>
+          <a:lstStyle/>
+          <a:p>
+            <a:pPr>
+              <a:lnSpc>
+                <a:spcPct val="90000"/>
+              </a:lnSpc>
+              <a:spcAft>
+                <a:spcPts val="600"/>
+              </a:spcAft>
+            </a:pPr>
+            <a:fld id="{19590046-DA73-4BBF-84B5-C08E6F75191A}" type="slidenum">
+              <a:rPr lang="en-US">
+                <a:solidFill>
+                  <a:srgbClr val="A6A6A6"/>
+                </a:solidFill>
+              </a:rPr>
+              <a:pPr>
+                <a:lnSpc>
+                  <a:spcPct val="90000"/>
+                </a:lnSpc>
+                <a:spcAft>
+                  <a:spcPts val="600"/>
+                </a:spcAft>
+              </a:pPr>
+              <a:t>4</a:t>
             </a:fld>
             <a:endParaRPr lang="en-US" dirty="0">
               <a:solidFill>
@@ -12301,7 +13321,7 @@
 </p:sld>
 </file>
 
-<file path=ppt/slides/slide4.xml><?xml version="1.0" encoding="utf-8"?>
+<file path=ppt/slides/slide5.xml><?xml version="1.0" encoding="utf-8"?>
 <p:sld xmlns:a="http://schemas.openxmlformats.org/drawingml/2006/main" xmlns:r="http://schemas.openxmlformats.org/officeDocument/2006/relationships" xmlns:p="http://schemas.openxmlformats.org/presentationml/2006/main">
   <p:cSld>
     <p:bg>
@@ -12420,7 +13440,7 @@
                   <a:spcPts val="600"/>
                 </a:spcAft>
               </a:pPr>
-              <a:t>4</a:t>
+              <a:t>5</a:t>
             </a:fld>
             <a:endParaRPr lang="en-US" dirty="0">
               <a:solidFill>
@@ -12658,246 +13678,6 @@
 </p:sld>
 </file>
 
-<file path=ppt/slides/slide5.xml><?xml version="1.0" encoding="utf-8"?>
-<p:sld xmlns:a="http://schemas.openxmlformats.org/drawingml/2006/main" xmlns:r="http://schemas.openxmlformats.org/officeDocument/2006/relationships" xmlns:p="http://schemas.openxmlformats.org/presentationml/2006/main">
-  <p:cSld>
-    <p:bg>
-      <p:bgPr>
-        <a:solidFill>
-          <a:schemeClr val="bg1"/>
-        </a:solidFill>
-        <a:effectLst/>
-      </p:bgPr>
-    </p:bg>
-    <p:spTree>
-      <p:nvGrpSpPr>
-        <p:cNvPr id="1" name=""/>
-        <p:cNvGrpSpPr/>
-        <p:nvPr/>
-      </p:nvGrpSpPr>
-      <p:grpSpPr>
-        <a:xfrm>
-          <a:off x="0" y="0"/>
-          <a:ext cx="0" cy="0"/>
-          <a:chOff x="0" y="0"/>
-          <a:chExt cx="0" cy="0"/>
-        </a:xfrm>
-      </p:grpSpPr>
-      <p:sp>
-        <p:nvSpPr>
-          <p:cNvPr id="2" name="Title 1">
-            <a:extLst>
-              <a:ext uri="{FF2B5EF4-FFF2-40B4-BE49-F238E27FC236}">
-                <a16:creationId xmlns:a16="http://schemas.microsoft.com/office/drawing/2014/main" id="{EAD0BA92-C83A-8A36-F74D-C99D4245A455}"/>
-              </a:ext>
-            </a:extLst>
-          </p:cNvPr>
-          <p:cNvSpPr>
-            <a:spLocks noGrp="1"/>
-          </p:cNvSpPr>
-          <p:nvPr>
-            <p:ph type="title"/>
-          </p:nvPr>
-        </p:nvSpPr>
-        <p:spPr>
-          <a:xfrm>
-            <a:off x="1017782" y="245806"/>
-            <a:ext cx="10156435" cy="1076324"/>
-          </a:xfrm>
-        </p:spPr>
-        <p:txBody>
-          <a:bodyPr vert="horz" lIns="91440" tIns="45720" rIns="91440" bIns="45720" rtlCol="0" anchor="b">
-            <a:normAutofit/>
-          </a:bodyPr>
-          <a:lstStyle/>
-          <a:p>
-            <a:pPr algn="ctr">
-              <a:lnSpc>
-                <a:spcPct val="85000"/>
-              </a:lnSpc>
-            </a:pPr>
-            <a:r>
-              <a:rPr lang="en-US" sz="5400" dirty="0" err="1">
-                <a:solidFill>
-                  <a:srgbClr val="FFFFFF"/>
-                </a:solidFill>
-              </a:rPr>
-              <a:t>DataCommon</a:t>
-            </a:r>
-            <a:r>
-              <a:rPr lang="en-US" sz="5400" dirty="0">
-                <a:solidFill>
-                  <a:srgbClr val="FFFFFF"/>
-                </a:solidFill>
-              </a:rPr>
-              <a:t> Project</a:t>
-            </a:r>
-          </a:p>
-        </p:txBody>
-      </p:sp>
-      <p:sp>
-        <p:nvSpPr>
-          <p:cNvPr id="5" name="Slide Number Placeholder 4">
-            <a:extLst>
-              <a:ext uri="{FF2B5EF4-FFF2-40B4-BE49-F238E27FC236}">
-                <a16:creationId xmlns:a16="http://schemas.microsoft.com/office/drawing/2014/main" id="{1986690E-B03F-399C-BF9D-84D455770F00}"/>
-              </a:ext>
-            </a:extLst>
-          </p:cNvPr>
-          <p:cNvSpPr>
-            <a:spLocks noGrp="1"/>
-          </p:cNvSpPr>
-          <p:nvPr>
-            <p:ph type="sldNum" sz="quarter" idx="12"/>
-          </p:nvPr>
-        </p:nvSpPr>
-        <p:spPr>
-          <a:xfrm>
-            <a:off x="10678331" y="6269850"/>
-            <a:ext cx="1062155" cy="490599"/>
-          </a:xfrm>
-        </p:spPr>
-        <p:txBody>
-          <a:bodyPr vert="horz" lIns="45720" tIns="45720" rIns="45720" bIns="45720" rtlCol="0" anchor="ctr">
-            <a:normAutofit/>
-          </a:bodyPr>
-          <a:lstStyle/>
-          <a:p>
-            <a:pPr>
-              <a:lnSpc>
-                <a:spcPct val="90000"/>
-              </a:lnSpc>
-              <a:spcAft>
-                <a:spcPts val="600"/>
-              </a:spcAft>
-            </a:pPr>
-            <a:fld id="{19590046-DA73-4BBF-84B5-C08E6F75191A}" type="slidenum">
-              <a:rPr lang="en-US">
-                <a:solidFill>
-                  <a:srgbClr val="A6A6A6"/>
-                </a:solidFill>
-              </a:rPr>
-              <a:pPr>
-                <a:lnSpc>
-                  <a:spcPct val="90000"/>
-                </a:lnSpc>
-                <a:spcAft>
-                  <a:spcPts val="600"/>
-                </a:spcAft>
-              </a:pPr>
-              <a:t>5</a:t>
-            </a:fld>
-            <a:endParaRPr lang="en-US" dirty="0">
-              <a:solidFill>
-                <a:srgbClr val="A6A6A6"/>
-              </a:solidFill>
-            </a:endParaRPr>
-          </a:p>
-        </p:txBody>
-      </p:sp>
-      <p:pic>
-        <p:nvPicPr>
-          <p:cNvPr id="9" name="Picture 8">
-            <a:extLst>
-              <a:ext uri="{FF2B5EF4-FFF2-40B4-BE49-F238E27FC236}">
-                <a16:creationId xmlns:a16="http://schemas.microsoft.com/office/drawing/2014/main" id="{06513770-96AF-A52D-2AA6-6E5BC77DAF92}"/>
-              </a:ext>
-            </a:extLst>
-          </p:cNvPr>
-          <p:cNvPicPr>
-            <a:picLocks noChangeAspect="1"/>
-          </p:cNvPicPr>
-          <p:nvPr/>
-        </p:nvPicPr>
-        <p:blipFill>
-          <a:blip r:embed="rId2"/>
-          <a:stretch>
-            <a:fillRect/>
-          </a:stretch>
-        </p:blipFill>
-        <p:spPr>
-          <a:xfrm>
-            <a:off x="263179" y="4641285"/>
-            <a:ext cx="4625741" cy="1464170"/>
-          </a:xfrm>
-          <a:prstGeom prst="rect">
-            <a:avLst/>
-          </a:prstGeom>
-        </p:spPr>
-      </p:pic>
-      <p:pic>
-        <p:nvPicPr>
-          <p:cNvPr id="11" name="Picture 10">
-            <a:extLst>
-              <a:ext uri="{FF2B5EF4-FFF2-40B4-BE49-F238E27FC236}">
-                <a16:creationId xmlns:a16="http://schemas.microsoft.com/office/drawing/2014/main" id="{906FC870-B7FC-5036-5E6F-5205BAF03B29}"/>
-              </a:ext>
-            </a:extLst>
-          </p:cNvPr>
-          <p:cNvPicPr>
-            <a:picLocks noChangeAspect="1"/>
-          </p:cNvPicPr>
-          <p:nvPr/>
-        </p:nvPicPr>
-        <p:blipFill>
-          <a:blip r:embed="rId3"/>
-          <a:stretch>
-            <a:fillRect/>
-          </a:stretch>
-        </p:blipFill>
-        <p:spPr>
-          <a:xfrm>
-            <a:off x="5140453" y="2596176"/>
-            <a:ext cx="6813470" cy="3509279"/>
-          </a:xfrm>
-          <a:prstGeom prst="rect">
-            <a:avLst/>
-          </a:prstGeom>
-        </p:spPr>
-      </p:pic>
-      <p:pic>
-        <p:nvPicPr>
-          <p:cNvPr id="6" name="Picture 5">
-            <a:extLst>
-              <a:ext uri="{FF2B5EF4-FFF2-40B4-BE49-F238E27FC236}">
-                <a16:creationId xmlns:a16="http://schemas.microsoft.com/office/drawing/2014/main" id="{B89B50BE-FD8B-C18B-6607-8AFF0020D244}"/>
-              </a:ext>
-            </a:extLst>
-          </p:cNvPr>
-          <p:cNvPicPr>
-            <a:picLocks noChangeAspect="1"/>
-          </p:cNvPicPr>
-          <p:nvPr/>
-        </p:nvPicPr>
-        <p:blipFill>
-          <a:blip r:embed="rId4"/>
-          <a:stretch>
-            <a:fillRect/>
-          </a:stretch>
-        </p:blipFill>
-        <p:spPr>
-          <a:xfrm>
-            <a:off x="257741" y="2596176"/>
-            <a:ext cx="4625741" cy="1638442"/>
-          </a:xfrm>
-          <a:prstGeom prst="rect">
-            <a:avLst/>
-          </a:prstGeom>
-        </p:spPr>
-      </p:pic>
-    </p:spTree>
-    <p:extLst>
-      <p:ext uri="{BB962C8B-B14F-4D97-AF65-F5344CB8AC3E}">
-        <p14:creationId xmlns:p14="http://schemas.microsoft.com/office/powerpoint/2010/main" val="2279278452"/>
-      </p:ext>
-    </p:extLst>
-  </p:cSld>
-  <p:clrMapOvr>
-    <a:masterClrMapping/>
-  </p:clrMapOvr>
-</p:sld>
-</file>
-
 <file path=ppt/slides/slide6.xml><?xml version="1.0" encoding="utf-8"?>
 <p:sld xmlns:a="http://schemas.openxmlformats.org/drawingml/2006/main" xmlns:r="http://schemas.openxmlformats.org/officeDocument/2006/relationships" xmlns:p="http://schemas.openxmlformats.org/presentationml/2006/main">
   <p:cSld>
@@ -12962,7 +13742,7 @@
                   <a:srgbClr val="FFFFFF"/>
                 </a:solidFill>
               </a:rPr>
-              <a:t>DataProducer</a:t>
+              <a:t>DataCommon</a:t>
             </a:r>
             <a:r>
               <a:rPr lang="en-US" sz="5400" dirty="0">
@@ -13037,10 +13817,10 @@
       </p:sp>
       <p:pic>
         <p:nvPicPr>
-          <p:cNvPr id="6" name="Picture 5">
+          <p:cNvPr id="9" name="Picture 8">
             <a:extLst>
               <a:ext uri="{FF2B5EF4-FFF2-40B4-BE49-F238E27FC236}">
-                <a16:creationId xmlns:a16="http://schemas.microsoft.com/office/drawing/2014/main" id="{96CD5574-3C50-136B-A9AF-C1705A768DEA}"/>
+                <a16:creationId xmlns:a16="http://schemas.microsoft.com/office/drawing/2014/main" id="{06513770-96AF-A52D-2AA6-6E5BC77DAF92}"/>
               </a:ext>
             </a:extLst>
           </p:cNvPr>
@@ -13057,8 +13837,8 @@
         </p:blipFill>
         <p:spPr>
           <a:xfrm>
-            <a:off x="2628170" y="2114628"/>
-            <a:ext cx="2273983" cy="4121594"/>
+            <a:off x="263179" y="4641285"/>
+            <a:ext cx="4625741" cy="1464170"/>
           </a:xfrm>
           <a:prstGeom prst="rect">
             <a:avLst/>
@@ -13067,10 +13847,10 @@
       </p:pic>
       <p:pic>
         <p:nvPicPr>
-          <p:cNvPr id="8" name="Picture 7">
+          <p:cNvPr id="11" name="Picture 10">
             <a:extLst>
               <a:ext uri="{FF2B5EF4-FFF2-40B4-BE49-F238E27FC236}">
-                <a16:creationId xmlns:a16="http://schemas.microsoft.com/office/drawing/2014/main" id="{2B2ADA9A-5B48-4677-AA07-07C4F2A52EA5}"/>
+                <a16:creationId xmlns:a16="http://schemas.microsoft.com/office/drawing/2014/main" id="{906FC870-B7FC-5036-5E6F-5205BAF03B29}"/>
               </a:ext>
             </a:extLst>
           </p:cNvPr>
@@ -13087,129 +13867,48 @@
         </p:blipFill>
         <p:spPr>
           <a:xfrm>
-            <a:off x="5246908" y="2113341"/>
-            <a:ext cx="5017935" cy="4122881"/>
+            <a:off x="5140453" y="2596176"/>
+            <a:ext cx="6813470" cy="3509279"/>
           </a:xfrm>
           <a:prstGeom prst="rect">
             <a:avLst/>
           </a:prstGeom>
         </p:spPr>
       </p:pic>
-      <p:sp>
-        <p:nvSpPr>
-          <p:cNvPr id="12" name="TextBox 11">
+      <p:pic>
+        <p:nvPicPr>
+          <p:cNvPr id="6" name="Picture 5">
             <a:extLst>
               <a:ext uri="{FF2B5EF4-FFF2-40B4-BE49-F238E27FC236}">
-                <a16:creationId xmlns:a16="http://schemas.microsoft.com/office/drawing/2014/main" id="{A5B08602-A694-A195-51E1-6E2899A79C92}"/>
+                <a16:creationId xmlns:a16="http://schemas.microsoft.com/office/drawing/2014/main" id="{B89B50BE-FD8B-C18B-6607-8AFF0020D244}"/>
               </a:ext>
             </a:extLst>
           </p:cNvPr>
-          <p:cNvSpPr txBox="1"/>
+          <p:cNvPicPr>
+            <a:picLocks noChangeAspect="1"/>
+          </p:cNvPicPr>
           <p:nvPr/>
-        </p:nvSpPr>
+        </p:nvPicPr>
+        <p:blipFill>
+          <a:blip r:embed="rId4"/>
+          <a:stretch>
+            <a:fillRect/>
+          </a:stretch>
+        </p:blipFill>
         <p:spPr>
           <a:xfrm>
-            <a:off x="996010" y="6329571"/>
-            <a:ext cx="10031218" cy="395173"/>
+            <a:off x="257741" y="2596176"/>
+            <a:ext cx="4625741" cy="1638442"/>
           </a:xfrm>
           <a:prstGeom prst="rect">
             <a:avLst/>
           </a:prstGeom>
-          <a:noFill/>
-        </p:spPr>
-        <p:txBody>
-          <a:bodyPr wrap="square">
-            <a:spAutoFit/>
-          </a:bodyPr>
-          <a:lstStyle/>
-          <a:p>
-            <a:pPr marL="0" marR="0" algn="ctr">
-              <a:lnSpc>
-                <a:spcPct val="115000"/>
-              </a:lnSpc>
-              <a:spcBef>
-                <a:spcPts val="0"/>
-              </a:spcBef>
-              <a:spcAft>
-                <a:spcPts val="800"/>
-              </a:spcAft>
-            </a:pPr>
-            <a:r>
-              <a:rPr lang="en-US" sz="1800" kern="100" dirty="0">
-                <a:solidFill>
-                  <a:srgbClr val="FF0000"/>
-                </a:solidFill>
-                <a:effectLst/>
-                <a:latin typeface="Aptos" panose="020B0004020202020204" pitchFamily="34" charset="0"/>
-                <a:ea typeface="Yu Gothic" panose="020B0400000000000000" pitchFamily="34" charset="-128"/>
-                <a:cs typeface="Times New Roman" panose="02020603050405020304" pitchFamily="18" charset="0"/>
-              </a:rPr>
-              <a:t>*** Test data is stored in CSV format in </a:t>
-            </a:r>
-            <a:r>
-              <a:rPr lang="en-US" sz="1800" kern="100" dirty="0" err="1">
-                <a:solidFill>
-                  <a:srgbClr val="FF0000"/>
-                </a:solidFill>
-                <a:effectLst/>
-                <a:latin typeface="Aptos" panose="020B0004020202020204" pitchFamily="34" charset="0"/>
-                <a:ea typeface="Yu Gothic" panose="020B0400000000000000" pitchFamily="34" charset="-128"/>
-                <a:cs typeface="Times New Roman" panose="02020603050405020304" pitchFamily="18" charset="0"/>
-              </a:rPr>
-              <a:t>DataProducer</a:t>
-            </a:r>
-            <a:r>
-              <a:rPr lang="en-US" sz="1800" kern="100" dirty="0">
-                <a:solidFill>
-                  <a:srgbClr val="FF0000"/>
-                </a:solidFill>
-                <a:effectLst/>
-                <a:latin typeface="Aptos" panose="020B0004020202020204" pitchFamily="34" charset="0"/>
-                <a:ea typeface="Yu Gothic" panose="020B0400000000000000" pitchFamily="34" charset="-128"/>
-                <a:cs typeface="Times New Roman" panose="02020603050405020304" pitchFamily="18" charset="0"/>
-              </a:rPr>
-              <a:t>/</a:t>
-            </a:r>
-            <a:r>
-              <a:rPr lang="en-US" sz="1800" kern="100" dirty="0" err="1">
-                <a:solidFill>
-                  <a:srgbClr val="FF0000"/>
-                </a:solidFill>
-                <a:effectLst/>
-                <a:latin typeface="Aptos" panose="020B0004020202020204" pitchFamily="34" charset="0"/>
-                <a:ea typeface="Yu Gothic" panose="020B0400000000000000" pitchFamily="34" charset="-128"/>
-                <a:cs typeface="Times New Roman" panose="02020603050405020304" pitchFamily="18" charset="0"/>
-              </a:rPr>
-              <a:t>src</a:t>
-            </a:r>
-            <a:r>
-              <a:rPr lang="en-US" sz="1800" kern="100" dirty="0">
-                <a:solidFill>
-                  <a:srgbClr val="FF0000"/>
-                </a:solidFill>
-                <a:effectLst/>
-                <a:latin typeface="Aptos" panose="020B0004020202020204" pitchFamily="34" charset="0"/>
-                <a:ea typeface="Yu Gothic" panose="020B0400000000000000" pitchFamily="34" charset="-128"/>
-                <a:cs typeface="Times New Roman" panose="02020603050405020304" pitchFamily="18" charset="0"/>
-              </a:rPr>
-              <a:t>/main/resources/ticker_data_test.csv </a:t>
-            </a:r>
-            <a:endParaRPr lang="en-US" sz="1600" kern="100" dirty="0">
-              <a:solidFill>
-                <a:srgbClr val="FF0000"/>
-              </a:solidFill>
-              <a:effectLst/>
-              <a:latin typeface="Aptos" panose="020B0004020202020204" pitchFamily="34" charset="0"/>
-              <a:ea typeface="Yu Gothic" panose="020B0400000000000000" pitchFamily="34" charset="-128"/>
-              <a:cs typeface="Times New Roman" panose="02020603050405020304" pitchFamily="18" charset="0"/>
-            </a:endParaRPr>
-          </a:p>
-        </p:txBody>
-      </p:sp>
+        </p:spPr>
+      </p:pic>
     </p:spTree>
     <p:extLst>
       <p:ext uri="{BB962C8B-B14F-4D97-AF65-F5344CB8AC3E}">
-        <p14:creationId xmlns:p14="http://schemas.microsoft.com/office/powerpoint/2010/main" val="3873020866"/>
+        <p14:creationId xmlns:p14="http://schemas.microsoft.com/office/powerpoint/2010/main" val="2279278452"/>
       </p:ext>
     </p:extLst>
   </p:cSld>
@@ -13283,7 +13982,7 @@
                   <a:srgbClr val="FFFFFF"/>
                 </a:solidFill>
               </a:rPr>
-              <a:t>DataConsumer</a:t>
+              <a:t>DataProducer</a:t>
             </a:r>
             <a:r>
               <a:rPr lang="en-US" sz="5400" dirty="0">
@@ -13358,10 +14057,10 @@
       </p:sp>
       <p:pic>
         <p:nvPicPr>
-          <p:cNvPr id="4" name="Picture 3">
+          <p:cNvPr id="6" name="Picture 5">
             <a:extLst>
               <a:ext uri="{FF2B5EF4-FFF2-40B4-BE49-F238E27FC236}">
-                <a16:creationId xmlns:a16="http://schemas.microsoft.com/office/drawing/2014/main" id="{B96713B5-DE45-B4E5-8A37-56A08552E2E9}"/>
+                <a16:creationId xmlns:a16="http://schemas.microsoft.com/office/drawing/2014/main" id="{96CD5574-3C50-136B-A9AF-C1705A768DEA}"/>
               </a:ext>
             </a:extLst>
           </p:cNvPr>
@@ -13378,18 +14077,159 @@
         </p:blipFill>
         <p:spPr>
           <a:xfrm>
-            <a:off x="3085838" y="2098583"/>
-            <a:ext cx="6020322" cy="4557155"/>
+            <a:off x="2628170" y="2114628"/>
+            <a:ext cx="2273983" cy="4121594"/>
           </a:xfrm>
           <a:prstGeom prst="rect">
             <a:avLst/>
           </a:prstGeom>
         </p:spPr>
       </p:pic>
+      <p:pic>
+        <p:nvPicPr>
+          <p:cNvPr id="8" name="Picture 7">
+            <a:extLst>
+              <a:ext uri="{FF2B5EF4-FFF2-40B4-BE49-F238E27FC236}">
+                <a16:creationId xmlns:a16="http://schemas.microsoft.com/office/drawing/2014/main" id="{2B2ADA9A-5B48-4677-AA07-07C4F2A52EA5}"/>
+              </a:ext>
+            </a:extLst>
+          </p:cNvPr>
+          <p:cNvPicPr>
+            <a:picLocks noChangeAspect="1"/>
+          </p:cNvPicPr>
+          <p:nvPr/>
+        </p:nvPicPr>
+        <p:blipFill>
+          <a:blip r:embed="rId3"/>
+          <a:stretch>
+            <a:fillRect/>
+          </a:stretch>
+        </p:blipFill>
+        <p:spPr>
+          <a:xfrm>
+            <a:off x="5246908" y="2113341"/>
+            <a:ext cx="5017935" cy="4122881"/>
+          </a:xfrm>
+          <a:prstGeom prst="rect">
+            <a:avLst/>
+          </a:prstGeom>
+        </p:spPr>
+      </p:pic>
+      <p:sp>
+        <p:nvSpPr>
+          <p:cNvPr id="12" name="TextBox 11">
+            <a:extLst>
+              <a:ext uri="{FF2B5EF4-FFF2-40B4-BE49-F238E27FC236}">
+                <a16:creationId xmlns:a16="http://schemas.microsoft.com/office/drawing/2014/main" id="{A5B08602-A694-A195-51E1-6E2899A79C92}"/>
+              </a:ext>
+            </a:extLst>
+          </p:cNvPr>
+          <p:cNvSpPr txBox="1"/>
+          <p:nvPr/>
+        </p:nvSpPr>
+        <p:spPr>
+          <a:xfrm>
+            <a:off x="996010" y="6329571"/>
+            <a:ext cx="10031218" cy="395173"/>
+          </a:xfrm>
+          <a:prstGeom prst="rect">
+            <a:avLst/>
+          </a:prstGeom>
+          <a:noFill/>
+        </p:spPr>
+        <p:txBody>
+          <a:bodyPr wrap="square">
+            <a:spAutoFit/>
+          </a:bodyPr>
+          <a:lstStyle/>
+          <a:p>
+            <a:pPr marL="0" marR="0" algn="ctr">
+              <a:lnSpc>
+                <a:spcPct val="115000"/>
+              </a:lnSpc>
+              <a:spcBef>
+                <a:spcPts val="0"/>
+              </a:spcBef>
+              <a:spcAft>
+                <a:spcPts val="800"/>
+              </a:spcAft>
+            </a:pPr>
+            <a:r>
+              <a:rPr lang="en-US" sz="1800" kern="100" dirty="0">
+                <a:solidFill>
+                  <a:srgbClr val="FF0000"/>
+                </a:solidFill>
+                <a:effectLst/>
+                <a:latin typeface="Aptos" panose="020B0004020202020204" pitchFamily="34" charset="0"/>
+                <a:ea typeface="Yu Gothic" panose="020B0400000000000000" pitchFamily="34" charset="-128"/>
+                <a:cs typeface="Times New Roman" panose="02020603050405020304" pitchFamily="18" charset="0"/>
+              </a:rPr>
+              <a:t>*** Test data is stored in CSV format in </a:t>
+            </a:r>
+            <a:r>
+              <a:rPr lang="en-US" sz="1800" kern="100" dirty="0" err="1">
+                <a:solidFill>
+                  <a:srgbClr val="FF0000"/>
+                </a:solidFill>
+                <a:effectLst/>
+                <a:latin typeface="Aptos" panose="020B0004020202020204" pitchFamily="34" charset="0"/>
+                <a:ea typeface="Yu Gothic" panose="020B0400000000000000" pitchFamily="34" charset="-128"/>
+                <a:cs typeface="Times New Roman" panose="02020603050405020304" pitchFamily="18" charset="0"/>
+              </a:rPr>
+              <a:t>DataProducer</a:t>
+            </a:r>
+            <a:r>
+              <a:rPr lang="en-US" sz="1800" kern="100" dirty="0">
+                <a:solidFill>
+                  <a:srgbClr val="FF0000"/>
+                </a:solidFill>
+                <a:effectLst/>
+                <a:latin typeface="Aptos" panose="020B0004020202020204" pitchFamily="34" charset="0"/>
+                <a:ea typeface="Yu Gothic" panose="020B0400000000000000" pitchFamily="34" charset="-128"/>
+                <a:cs typeface="Times New Roman" panose="02020603050405020304" pitchFamily="18" charset="0"/>
+              </a:rPr>
+              <a:t>/</a:t>
+            </a:r>
+            <a:r>
+              <a:rPr lang="en-US" sz="1800" kern="100" dirty="0" err="1">
+                <a:solidFill>
+                  <a:srgbClr val="FF0000"/>
+                </a:solidFill>
+                <a:effectLst/>
+                <a:latin typeface="Aptos" panose="020B0004020202020204" pitchFamily="34" charset="0"/>
+                <a:ea typeface="Yu Gothic" panose="020B0400000000000000" pitchFamily="34" charset="-128"/>
+                <a:cs typeface="Times New Roman" panose="02020603050405020304" pitchFamily="18" charset="0"/>
+              </a:rPr>
+              <a:t>src</a:t>
+            </a:r>
+            <a:r>
+              <a:rPr lang="en-US" sz="1800" kern="100" dirty="0">
+                <a:solidFill>
+                  <a:srgbClr val="FF0000"/>
+                </a:solidFill>
+                <a:effectLst/>
+                <a:latin typeface="Aptos" panose="020B0004020202020204" pitchFamily="34" charset="0"/>
+                <a:ea typeface="Yu Gothic" panose="020B0400000000000000" pitchFamily="34" charset="-128"/>
+                <a:cs typeface="Times New Roman" panose="02020603050405020304" pitchFamily="18" charset="0"/>
+              </a:rPr>
+              <a:t>/main/resources/ticker_data_test.csv </a:t>
+            </a:r>
+            <a:endParaRPr lang="en-US" sz="1600" kern="100" dirty="0">
+              <a:solidFill>
+                <a:srgbClr val="FF0000"/>
+              </a:solidFill>
+              <a:effectLst/>
+              <a:latin typeface="Aptos" panose="020B0004020202020204" pitchFamily="34" charset="0"/>
+              <a:ea typeface="Yu Gothic" panose="020B0400000000000000" pitchFamily="34" charset="-128"/>
+              <a:cs typeface="Times New Roman" panose="02020603050405020304" pitchFamily="18" charset="0"/>
+            </a:endParaRPr>
+          </a:p>
+        </p:txBody>
+      </p:sp>
     </p:spTree>
     <p:extLst>
       <p:ext uri="{BB962C8B-B14F-4D97-AF65-F5344CB8AC3E}">
-        <p14:creationId xmlns:p14="http://schemas.microsoft.com/office/powerpoint/2010/main" val="3930588534"/>
+        <p14:creationId xmlns:p14="http://schemas.microsoft.com/office/powerpoint/2010/main" val="3873020866"/>
       </p:ext>
     </p:extLst>
   </p:cSld>
@@ -13426,6 +14266,186 @@
       </p:grpSpPr>
       <p:sp>
         <p:nvSpPr>
+          <p:cNvPr id="2" name="Title 1">
+            <a:extLst>
+              <a:ext uri="{FF2B5EF4-FFF2-40B4-BE49-F238E27FC236}">
+                <a16:creationId xmlns:a16="http://schemas.microsoft.com/office/drawing/2014/main" id="{EAD0BA92-C83A-8A36-F74D-C99D4245A455}"/>
+              </a:ext>
+            </a:extLst>
+          </p:cNvPr>
+          <p:cNvSpPr>
+            <a:spLocks noGrp="1"/>
+          </p:cNvSpPr>
+          <p:nvPr>
+            <p:ph type="title"/>
+          </p:nvPr>
+        </p:nvSpPr>
+        <p:spPr>
+          <a:xfrm>
+            <a:off x="1017782" y="245806"/>
+            <a:ext cx="10156435" cy="1076324"/>
+          </a:xfrm>
+        </p:spPr>
+        <p:txBody>
+          <a:bodyPr vert="horz" lIns="91440" tIns="45720" rIns="91440" bIns="45720" rtlCol="0" anchor="b">
+            <a:normAutofit/>
+          </a:bodyPr>
+          <a:lstStyle/>
+          <a:p>
+            <a:pPr algn="ctr">
+              <a:lnSpc>
+                <a:spcPct val="85000"/>
+              </a:lnSpc>
+            </a:pPr>
+            <a:r>
+              <a:rPr lang="en-US" sz="5400" dirty="0" err="1">
+                <a:solidFill>
+                  <a:srgbClr val="FFFFFF"/>
+                </a:solidFill>
+              </a:rPr>
+              <a:t>DataConsumer</a:t>
+            </a:r>
+            <a:r>
+              <a:rPr lang="en-US" sz="5400" dirty="0">
+                <a:solidFill>
+                  <a:srgbClr val="FFFFFF"/>
+                </a:solidFill>
+              </a:rPr>
+              <a:t> Project</a:t>
+            </a:r>
+          </a:p>
+        </p:txBody>
+      </p:sp>
+      <p:sp>
+        <p:nvSpPr>
+          <p:cNvPr id="5" name="Slide Number Placeholder 4">
+            <a:extLst>
+              <a:ext uri="{FF2B5EF4-FFF2-40B4-BE49-F238E27FC236}">
+                <a16:creationId xmlns:a16="http://schemas.microsoft.com/office/drawing/2014/main" id="{1986690E-B03F-399C-BF9D-84D455770F00}"/>
+              </a:ext>
+            </a:extLst>
+          </p:cNvPr>
+          <p:cNvSpPr>
+            <a:spLocks noGrp="1"/>
+          </p:cNvSpPr>
+          <p:nvPr>
+            <p:ph type="sldNum" sz="quarter" idx="12"/>
+          </p:nvPr>
+        </p:nvSpPr>
+        <p:spPr>
+          <a:xfrm>
+            <a:off x="10678331" y="6269850"/>
+            <a:ext cx="1062155" cy="490599"/>
+          </a:xfrm>
+        </p:spPr>
+        <p:txBody>
+          <a:bodyPr vert="horz" lIns="45720" tIns="45720" rIns="45720" bIns="45720" rtlCol="0" anchor="ctr">
+            <a:normAutofit/>
+          </a:bodyPr>
+          <a:lstStyle/>
+          <a:p>
+            <a:pPr>
+              <a:lnSpc>
+                <a:spcPct val="90000"/>
+              </a:lnSpc>
+              <a:spcAft>
+                <a:spcPts val="600"/>
+              </a:spcAft>
+            </a:pPr>
+            <a:fld id="{19590046-DA73-4BBF-84B5-C08E6F75191A}" type="slidenum">
+              <a:rPr lang="en-US">
+                <a:solidFill>
+                  <a:srgbClr val="A6A6A6"/>
+                </a:solidFill>
+              </a:rPr>
+              <a:pPr>
+                <a:lnSpc>
+                  <a:spcPct val="90000"/>
+                </a:lnSpc>
+                <a:spcAft>
+                  <a:spcPts val="600"/>
+                </a:spcAft>
+              </a:pPr>
+              <a:t>8</a:t>
+            </a:fld>
+            <a:endParaRPr lang="en-US" dirty="0">
+              <a:solidFill>
+                <a:srgbClr val="A6A6A6"/>
+              </a:solidFill>
+            </a:endParaRPr>
+          </a:p>
+        </p:txBody>
+      </p:sp>
+      <p:pic>
+        <p:nvPicPr>
+          <p:cNvPr id="4" name="Picture 3">
+            <a:extLst>
+              <a:ext uri="{FF2B5EF4-FFF2-40B4-BE49-F238E27FC236}">
+                <a16:creationId xmlns:a16="http://schemas.microsoft.com/office/drawing/2014/main" id="{B96713B5-DE45-B4E5-8A37-56A08552E2E9}"/>
+              </a:ext>
+            </a:extLst>
+          </p:cNvPr>
+          <p:cNvPicPr>
+            <a:picLocks noChangeAspect="1"/>
+          </p:cNvPicPr>
+          <p:nvPr/>
+        </p:nvPicPr>
+        <p:blipFill>
+          <a:blip r:embed="rId2"/>
+          <a:stretch>
+            <a:fillRect/>
+          </a:stretch>
+        </p:blipFill>
+        <p:spPr>
+          <a:xfrm>
+            <a:off x="3085838" y="2098583"/>
+            <a:ext cx="6020322" cy="4557155"/>
+          </a:xfrm>
+          <a:prstGeom prst="rect">
+            <a:avLst/>
+          </a:prstGeom>
+        </p:spPr>
+      </p:pic>
+    </p:spTree>
+    <p:extLst>
+      <p:ext uri="{BB962C8B-B14F-4D97-AF65-F5344CB8AC3E}">
+        <p14:creationId xmlns:p14="http://schemas.microsoft.com/office/powerpoint/2010/main" val="3930588534"/>
+      </p:ext>
+    </p:extLst>
+  </p:cSld>
+  <p:clrMapOvr>
+    <a:masterClrMapping/>
+  </p:clrMapOvr>
+</p:sld>
+</file>
+
+<file path=ppt/slides/slide9.xml><?xml version="1.0" encoding="utf-8"?>
+<p:sld xmlns:a="http://schemas.openxmlformats.org/drawingml/2006/main" xmlns:r="http://schemas.openxmlformats.org/officeDocument/2006/relationships" xmlns:p="http://schemas.openxmlformats.org/presentationml/2006/main">
+  <p:cSld>
+    <p:bg>
+      <p:bgPr>
+        <a:solidFill>
+          <a:schemeClr val="bg1"/>
+        </a:solidFill>
+        <a:effectLst/>
+      </p:bgPr>
+    </p:bg>
+    <p:spTree>
+      <p:nvGrpSpPr>
+        <p:cNvPr id="1" name=""/>
+        <p:cNvGrpSpPr/>
+        <p:nvPr/>
+      </p:nvGrpSpPr>
+      <p:grpSpPr>
+        <a:xfrm>
+          <a:off x="0" y="0"/>
+          <a:ext cx="0" cy="0"/>
+          <a:chOff x="0" y="0"/>
+          <a:chExt cx="0" cy="0"/>
+        </a:xfrm>
+      </p:grpSpPr>
+      <p:sp>
+        <p:nvSpPr>
           <p:cNvPr id="21" name="Freeform 6">
             <a:extLst>
               <a:ext uri="{FF2B5EF4-FFF2-40B4-BE49-F238E27FC236}">
@@ -13519,7 +14539,7 @@
           <a:effectLst/>
           <a:extLst>
             <a:ext uri="{91240B29-F687-4f45-9708-019B960494DF}">
-              <a14:hiddenLine xmlns:a14="http://schemas.microsoft.com/office/drawing/2010/main" xmlns:p14="http://schemas.microsoft.com/office/powerpoint/2010/main" xmlns:a16="http://schemas.microsoft.com/office/drawing/2014/main" xmlns="" w="9525">
+              <a14:hiddenLine xmlns="" xmlns:a16="http://schemas.microsoft.com/office/drawing/2014/main" xmlns:p14="http://schemas.microsoft.com/office/powerpoint/2010/main" xmlns:a14="http://schemas.microsoft.com/office/drawing/2010/main" w="9525">
                 <a:solidFill>
                   <a:srgbClr val="000000"/>
                 </a:solidFill>
@@ -14083,7 +15103,7 @@
                   <a:spcPts val="600"/>
                 </a:spcAft>
               </a:pPr>
-              <a:t>8</a:t>
+              <a:t>9</a:t>
             </a:fld>
             <a:endParaRPr lang="en-US"/>
           </a:p>
@@ -14098,352 +15118,6 @@
   </p:cSld>
   <p:clrMapOvr>
     <a:overrideClrMapping bg1="lt1" tx1="dk1" bg2="lt2" tx2="dk2" accent1="accent1" accent2="accent2" accent3="accent3" accent4="accent4" accent5="accent5" accent6="accent6" hlink="hlink" folHlink="folHlink"/>
-  </p:clrMapOvr>
-</p:sld>
-</file>
-
-<file path=ppt/slides/slide9.xml><?xml version="1.0" encoding="utf-8"?>
-<p:sld xmlns:a="http://schemas.openxmlformats.org/drawingml/2006/main" xmlns:r="http://schemas.openxmlformats.org/officeDocument/2006/relationships" xmlns:p="http://schemas.openxmlformats.org/presentationml/2006/main">
-  <p:cSld>
-    <p:bg>
-      <p:bgPr>
-        <a:solidFill>
-          <a:schemeClr val="bg1"/>
-        </a:solidFill>
-        <a:effectLst/>
-      </p:bgPr>
-    </p:bg>
-    <p:spTree>
-      <p:nvGrpSpPr>
-        <p:cNvPr id="1" name=""/>
-        <p:cNvGrpSpPr/>
-        <p:nvPr/>
-      </p:nvGrpSpPr>
-      <p:grpSpPr>
-        <a:xfrm>
-          <a:off x="0" y="0"/>
-          <a:ext cx="0" cy="0"/>
-          <a:chOff x="0" y="0"/>
-          <a:chExt cx="0" cy="0"/>
-        </a:xfrm>
-      </p:grpSpPr>
-      <p:sp>
-        <p:nvSpPr>
-          <p:cNvPr id="2" name="Title 1">
-            <a:extLst>
-              <a:ext uri="{FF2B5EF4-FFF2-40B4-BE49-F238E27FC236}">
-                <a16:creationId xmlns:a16="http://schemas.microsoft.com/office/drawing/2014/main" id="{EAD0BA92-C83A-8A36-F74D-C99D4245A455}"/>
-              </a:ext>
-            </a:extLst>
-          </p:cNvPr>
-          <p:cNvSpPr>
-            <a:spLocks noGrp="1"/>
-          </p:cNvSpPr>
-          <p:nvPr>
-            <p:ph type="title"/>
-          </p:nvPr>
-        </p:nvSpPr>
-        <p:spPr>
-          <a:xfrm>
-            <a:off x="1017782" y="245806"/>
-            <a:ext cx="10156435" cy="1032388"/>
-          </a:xfrm>
-        </p:spPr>
-        <p:txBody>
-          <a:bodyPr vert="horz" lIns="91440" tIns="45720" rIns="91440" bIns="45720" rtlCol="0" anchor="b">
-            <a:normAutofit/>
-          </a:bodyPr>
-          <a:lstStyle/>
-          <a:p>
-            <a:pPr algn="ctr">
-              <a:lnSpc>
-                <a:spcPct val="85000"/>
-              </a:lnSpc>
-            </a:pPr>
-            <a:r>
-              <a:rPr lang="en-US" sz="5400" dirty="0"/>
-              <a:t>Application Demo</a:t>
-            </a:r>
-            <a:endParaRPr lang="en-US" sz="5400" dirty="0">
-              <a:solidFill>
-                <a:srgbClr val="FFFFFF"/>
-              </a:solidFill>
-            </a:endParaRPr>
-          </a:p>
-        </p:txBody>
-      </p:sp>
-      <p:sp>
-        <p:nvSpPr>
-          <p:cNvPr id="5" name="Slide Number Placeholder 4">
-            <a:extLst>
-              <a:ext uri="{FF2B5EF4-FFF2-40B4-BE49-F238E27FC236}">
-                <a16:creationId xmlns:a16="http://schemas.microsoft.com/office/drawing/2014/main" id="{1986690E-B03F-399C-BF9D-84D455770F00}"/>
-              </a:ext>
-            </a:extLst>
-          </p:cNvPr>
-          <p:cNvSpPr>
-            <a:spLocks noGrp="1"/>
-          </p:cNvSpPr>
-          <p:nvPr>
-            <p:ph type="sldNum" sz="quarter" idx="12"/>
-          </p:nvPr>
-        </p:nvSpPr>
-        <p:spPr>
-          <a:xfrm>
-            <a:off x="10678331" y="6269850"/>
-            <a:ext cx="1062155" cy="490599"/>
-          </a:xfrm>
-        </p:spPr>
-        <p:txBody>
-          <a:bodyPr vert="horz" lIns="45720" tIns="45720" rIns="45720" bIns="45720" rtlCol="0" anchor="ctr">
-            <a:normAutofit/>
-          </a:bodyPr>
-          <a:lstStyle/>
-          <a:p>
-            <a:pPr>
-              <a:lnSpc>
-                <a:spcPct val="90000"/>
-              </a:lnSpc>
-              <a:spcAft>
-                <a:spcPts val="600"/>
-              </a:spcAft>
-            </a:pPr>
-            <a:fld id="{19590046-DA73-4BBF-84B5-C08E6F75191A}" type="slidenum">
-              <a:rPr lang="en-US">
-                <a:solidFill>
-                  <a:srgbClr val="A6A6A6"/>
-                </a:solidFill>
-              </a:rPr>
-              <a:pPr>
-                <a:lnSpc>
-                  <a:spcPct val="90000"/>
-                </a:lnSpc>
-                <a:spcAft>
-                  <a:spcPts val="600"/>
-                </a:spcAft>
-              </a:pPr>
-              <a:t>9</a:t>
-            </a:fld>
-            <a:endParaRPr lang="en-US" dirty="0">
-              <a:solidFill>
-                <a:srgbClr val="A6A6A6"/>
-              </a:solidFill>
-            </a:endParaRPr>
-          </a:p>
-        </p:txBody>
-      </p:sp>
-      <p:sp>
-        <p:nvSpPr>
-          <p:cNvPr id="7" name="TextBox 6">
-            <a:extLst>
-              <a:ext uri="{FF2B5EF4-FFF2-40B4-BE49-F238E27FC236}">
-                <a16:creationId xmlns:a16="http://schemas.microsoft.com/office/drawing/2014/main" id="{8E40A421-BC5F-518D-F7D5-FA05A2798FD5}"/>
-              </a:ext>
-            </a:extLst>
-          </p:cNvPr>
-          <p:cNvSpPr txBox="1"/>
-          <p:nvPr/>
-        </p:nvSpPr>
-        <p:spPr>
-          <a:xfrm>
-            <a:off x="267928" y="2396246"/>
-            <a:ext cx="4658032" cy="496098"/>
-          </a:xfrm>
-          <a:prstGeom prst="rect">
-            <a:avLst/>
-          </a:prstGeom>
-          <a:noFill/>
-        </p:spPr>
-        <p:txBody>
-          <a:bodyPr wrap="square">
-            <a:spAutoFit/>
-          </a:bodyPr>
-          <a:lstStyle/>
-          <a:p>
-            <a:pPr marL="0" marR="0">
-              <a:lnSpc>
-                <a:spcPct val="115000"/>
-              </a:lnSpc>
-              <a:spcBef>
-                <a:spcPts val="0"/>
-              </a:spcBef>
-              <a:spcAft>
-                <a:spcPts val="800"/>
-              </a:spcAft>
-            </a:pPr>
-            <a:r>
-              <a:rPr lang="en-US" sz="2400" b="1" kern="100" dirty="0">
-                <a:solidFill>
-                  <a:srgbClr val="FF0000"/>
-                </a:solidFill>
-                <a:effectLst/>
-                <a:latin typeface="Aptos" panose="020B0004020202020204" pitchFamily="34" charset="0"/>
-                <a:ea typeface="Yu Gothic" panose="020B0400000000000000" pitchFamily="34" charset="-128"/>
-                <a:cs typeface="Times New Roman" panose="02020603050405020304" pitchFamily="18" charset="0"/>
-              </a:rPr>
-              <a:t>Connect to Ubuntu on Azure</a:t>
-            </a:r>
-            <a:endParaRPr lang="en-US" sz="2400" kern="100" dirty="0">
-              <a:solidFill>
-                <a:srgbClr val="FF0000"/>
-              </a:solidFill>
-              <a:effectLst/>
-              <a:latin typeface="Aptos" panose="020B0004020202020204" pitchFamily="34" charset="0"/>
-              <a:ea typeface="Yu Gothic" panose="020B0400000000000000" pitchFamily="34" charset="-128"/>
-              <a:cs typeface="Times New Roman" panose="02020603050405020304" pitchFamily="18" charset="0"/>
-            </a:endParaRPr>
-          </a:p>
-        </p:txBody>
-      </p:sp>
-      <p:sp>
-        <p:nvSpPr>
-          <p:cNvPr id="9" name="TextBox 8">
-            <a:extLst>
-              <a:ext uri="{FF2B5EF4-FFF2-40B4-BE49-F238E27FC236}">
-                <a16:creationId xmlns:a16="http://schemas.microsoft.com/office/drawing/2014/main" id="{40DC92D7-B6E4-0B7B-0E25-9AAAB6187EFA}"/>
-              </a:ext>
-            </a:extLst>
-          </p:cNvPr>
-          <p:cNvSpPr txBox="1"/>
-          <p:nvPr/>
-        </p:nvSpPr>
-        <p:spPr>
-          <a:xfrm>
-            <a:off x="270385" y="3089797"/>
-            <a:ext cx="5738527" cy="1134862"/>
-          </a:xfrm>
-          <a:prstGeom prst="rect">
-            <a:avLst/>
-          </a:prstGeom>
-          <a:noFill/>
-        </p:spPr>
-        <p:txBody>
-          <a:bodyPr wrap="square">
-            <a:spAutoFit/>
-          </a:bodyPr>
-          <a:lstStyle/>
-          <a:p>
-            <a:pPr marL="0" marR="0">
-              <a:lnSpc>
-                <a:spcPct val="115000"/>
-              </a:lnSpc>
-              <a:spcBef>
-                <a:spcPts val="0"/>
-              </a:spcBef>
-              <a:spcAft>
-                <a:spcPts val="800"/>
-              </a:spcAft>
-            </a:pPr>
-            <a:r>
-              <a:rPr lang="en-US" sz="1800" kern="100" dirty="0">
-                <a:effectLst/>
-                <a:latin typeface="Aptos" panose="020B0004020202020204" pitchFamily="34" charset="0"/>
-                <a:ea typeface="Yu Gothic" panose="020B0400000000000000" pitchFamily="34" charset="-128"/>
-                <a:cs typeface="Times New Roman" panose="02020603050405020304" pitchFamily="18" charset="0"/>
-              </a:rPr>
-              <a:t>Open a terminal and run the command below</a:t>
-            </a:r>
-          </a:p>
-          <a:p>
-            <a:pPr marL="0" marR="0">
-              <a:lnSpc>
-                <a:spcPct val="115000"/>
-              </a:lnSpc>
-              <a:spcBef>
-                <a:spcPts val="0"/>
-              </a:spcBef>
-              <a:spcAft>
-                <a:spcPts val="800"/>
-              </a:spcAft>
-            </a:pPr>
-            <a:r>
-              <a:rPr lang="en-US" sz="1800" kern="100" dirty="0">
-                <a:effectLst/>
-                <a:latin typeface="Aptos" panose="020B0004020202020204" pitchFamily="34" charset="0"/>
-                <a:ea typeface="Yu Gothic" panose="020B0400000000000000" pitchFamily="34" charset="-128"/>
-                <a:cs typeface="Times New Roman" panose="02020603050405020304" pitchFamily="18" charset="0"/>
-              </a:rPr>
-              <a:t>	ssh -</a:t>
-            </a:r>
-            <a:r>
-              <a:rPr lang="en-US" sz="1800" kern="100" dirty="0" err="1">
-                <a:effectLst/>
-                <a:latin typeface="Aptos" panose="020B0004020202020204" pitchFamily="34" charset="0"/>
-                <a:ea typeface="Yu Gothic" panose="020B0400000000000000" pitchFamily="34" charset="-128"/>
-                <a:cs typeface="Times New Roman" panose="02020603050405020304" pitchFamily="18" charset="0"/>
-              </a:rPr>
-              <a:t>i</a:t>
-            </a:r>
-            <a:r>
-              <a:rPr lang="en-US" sz="1800" kern="100" dirty="0">
-                <a:effectLst/>
-                <a:latin typeface="Aptos" panose="020B0004020202020204" pitchFamily="34" charset="0"/>
-                <a:ea typeface="Yu Gothic" panose="020B0400000000000000" pitchFamily="34" charset="-128"/>
-                <a:cs typeface="Times New Roman" panose="02020603050405020304" pitchFamily="18" charset="0"/>
-              </a:rPr>
-              <a:t> C:\Users\butbu\Downloads\cs532_key.pem </a:t>
-            </a:r>
-            <a:r>
-              <a:rPr lang="en-US" sz="1800" u="sng" kern="100" dirty="0">
-                <a:solidFill>
-                  <a:srgbClr val="467886"/>
-                </a:solidFill>
-                <a:effectLst/>
-                <a:latin typeface="Aptos" panose="020B0004020202020204" pitchFamily="34" charset="0"/>
-                <a:ea typeface="Yu Gothic" panose="020B0400000000000000" pitchFamily="34" charset="-128"/>
-                <a:cs typeface="Times New Roman" panose="02020603050405020304" pitchFamily="18" charset="0"/>
-                <a:hlinkClick r:id="rId2" tooltip="mailto:azureuser@57.154.217.141"/>
-              </a:rPr>
-              <a:t>azureuser@57.154.217.141</a:t>
-            </a:r>
-            <a:endParaRPr lang="en-US" sz="1800" kern="100" dirty="0">
-              <a:effectLst/>
-              <a:latin typeface="Aptos" panose="020B0004020202020204" pitchFamily="34" charset="0"/>
-              <a:ea typeface="Yu Gothic" panose="020B0400000000000000" pitchFamily="34" charset="-128"/>
-              <a:cs typeface="Times New Roman" panose="02020603050405020304" pitchFamily="18" charset="0"/>
-            </a:endParaRPr>
-          </a:p>
-        </p:txBody>
-      </p:sp>
-      <p:pic>
-        <p:nvPicPr>
-          <p:cNvPr id="11" name="Picture 10">
-            <a:extLst>
-              <a:ext uri="{FF2B5EF4-FFF2-40B4-BE49-F238E27FC236}">
-                <a16:creationId xmlns:a16="http://schemas.microsoft.com/office/drawing/2014/main" id="{6EF79B6C-768C-A7A1-BCDA-3794A89A492B}"/>
-              </a:ext>
-            </a:extLst>
-          </p:cNvPr>
-          <p:cNvPicPr>
-            <a:picLocks noChangeAspect="1"/>
-          </p:cNvPicPr>
-          <p:nvPr/>
-        </p:nvPicPr>
-        <p:blipFill>
-          <a:blip r:embed="rId3"/>
-          <a:stretch>
-            <a:fillRect/>
-          </a:stretch>
-        </p:blipFill>
-        <p:spPr>
-          <a:xfrm>
-            <a:off x="6489290" y="2208848"/>
-            <a:ext cx="5578058" cy="4400888"/>
-          </a:xfrm>
-          <a:prstGeom prst="rect">
-            <a:avLst/>
-          </a:prstGeom>
-        </p:spPr>
-      </p:pic>
-    </p:spTree>
-    <p:extLst>
-      <p:ext uri="{BB962C8B-B14F-4D97-AF65-F5344CB8AC3E}">
-        <p14:creationId xmlns:p14="http://schemas.microsoft.com/office/powerpoint/2010/main" val="2059817127"/>
-      </p:ext>
-    </p:extLst>
-  </p:cSld>
-  <p:clrMapOvr>
-    <a:masterClrMapping/>
   </p:clrMapOvr>
 </p:sld>
 </file>
